--- a/Week 05 - JavaScript.pptx
+++ b/Week 05 - JavaScript.pptx
@@ -25,38 +25,32 @@
     <p:sldId id="290" r:id="rId19"/>
     <p:sldId id="291" r:id="rId20"/>
     <p:sldId id="292" r:id="rId21"/>
-    <p:sldId id="293" r:id="rId22"/>
-    <p:sldId id="294" r:id="rId23"/>
-    <p:sldId id="299" r:id="rId24"/>
-    <p:sldId id="274" r:id="rId25"/>
-    <p:sldId id="263" r:id="rId26"/>
-    <p:sldId id="269" r:id="rId27"/>
-    <p:sldId id="277" r:id="rId28"/>
-    <p:sldId id="270" r:id="rId29"/>
-    <p:sldId id="271" r:id="rId30"/>
-    <p:sldId id="272" r:id="rId31"/>
-    <p:sldId id="278" r:id="rId32"/>
-    <p:sldId id="264" r:id="rId33"/>
-    <p:sldId id="265" r:id="rId34"/>
-    <p:sldId id="279" r:id="rId35"/>
-    <p:sldId id="280" r:id="rId36"/>
-    <p:sldId id="281" r:id="rId37"/>
-    <p:sldId id="284" r:id="rId38"/>
-    <p:sldId id="286" r:id="rId39"/>
-    <p:sldId id="285" r:id="rId40"/>
-    <p:sldId id="287" r:id="rId41"/>
-    <p:sldId id="288" r:id="rId42"/>
-    <p:sldId id="295" r:id="rId43"/>
-    <p:sldId id="296" r:id="rId44"/>
-    <p:sldId id="300" r:id="rId45"/>
-    <p:sldId id="302" r:id="rId46"/>
-    <p:sldId id="304" r:id="rId47"/>
-    <p:sldId id="305" r:id="rId48"/>
-    <p:sldId id="307" r:id="rId49"/>
-    <p:sldId id="308" r:id="rId50"/>
-    <p:sldId id="309" r:id="rId51"/>
-    <p:sldId id="306" r:id="rId52"/>
-    <p:sldId id="297" r:id="rId53"/>
+    <p:sldId id="310" r:id="rId22"/>
+    <p:sldId id="293" r:id="rId23"/>
+    <p:sldId id="294" r:id="rId24"/>
+    <p:sldId id="299" r:id="rId25"/>
+    <p:sldId id="274" r:id="rId26"/>
+    <p:sldId id="263" r:id="rId27"/>
+    <p:sldId id="269" r:id="rId28"/>
+    <p:sldId id="277" r:id="rId29"/>
+    <p:sldId id="270" r:id="rId30"/>
+    <p:sldId id="271" r:id="rId31"/>
+    <p:sldId id="272" r:id="rId32"/>
+    <p:sldId id="278" r:id="rId33"/>
+    <p:sldId id="264" r:id="rId34"/>
+    <p:sldId id="265" r:id="rId35"/>
+    <p:sldId id="279" r:id="rId36"/>
+    <p:sldId id="280" r:id="rId37"/>
+    <p:sldId id="281" r:id="rId38"/>
+    <p:sldId id="284" r:id="rId39"/>
+    <p:sldId id="286" r:id="rId40"/>
+    <p:sldId id="285" r:id="rId41"/>
+    <p:sldId id="287" r:id="rId42"/>
+    <p:sldId id="288" r:id="rId43"/>
+    <p:sldId id="295" r:id="rId44"/>
+    <p:sldId id="296" r:id="rId45"/>
+    <p:sldId id="304" r:id="rId46"/>
+    <p:sldId id="297" r:id="rId47"/>
   </p:sldIdLst>
   <p:sldSz cx="12192000" cy="6858000"/>
   <p:notesSz cx="6858000" cy="9144000"/>
@@ -380,7 +374,7 @@
           <a:p>
             <a:fld id="{9AB3A824-1A51-4B26-AD58-A6D8E14F6C04}" type="datetimeFigureOut">
               <a:rPr lang="en-US" smtClean="0"/>
-              <a:t>2/16/22</a:t>
+              <a:t>8/1/22</a:t>
             </a:fld>
             <a:endParaRPr lang="en-US" dirty="0"/>
           </a:p>
@@ -720,7 +714,7 @@
           <a:p>
             <a:fld id="{D857E33E-8B18-4087-B112-809917729534}" type="datetimeFigureOut">
               <a:rPr lang="en-US" smtClean="0"/>
-              <a:t>2/16/22</a:t>
+              <a:t>8/1/22</a:t>
             </a:fld>
             <a:endParaRPr lang="en-US" dirty="0"/>
           </a:p>
@@ -1028,7 +1022,7 @@
           <a:p>
             <a:fld id="{D3FFE419-2371-464F-8239-3959401C3561}" type="datetimeFigureOut">
               <a:rPr lang="en-US" smtClean="0"/>
-              <a:t>2/16/22</a:t>
+              <a:t>8/1/22</a:t>
             </a:fld>
             <a:endParaRPr lang="en-US" dirty="0"/>
           </a:p>
@@ -1281,7 +1275,7 @@
           <a:p>
             <a:fld id="{97D162C4-EDD9-4389-A98B-B87ECEA2A816}" type="datetimeFigureOut">
               <a:rPr lang="en-US" smtClean="0"/>
-              <a:t>2/16/22</a:t>
+              <a:t>8/1/22</a:t>
             </a:fld>
             <a:endParaRPr lang="en-US" dirty="0"/>
           </a:p>
@@ -1694,7 +1688,7 @@
           <a:p>
             <a:fld id="{3E5059C3-6A89-4494-99FF-5A4D6FFD50EB}" type="datetimeFigureOut">
               <a:rPr lang="en-US" smtClean="0"/>
-              <a:t>2/16/22</a:t>
+              <a:t>8/1/22</a:t>
             </a:fld>
             <a:endParaRPr lang="en-US" dirty="0"/>
           </a:p>
@@ -2014,7 +2008,7 @@
           <a:p>
             <a:fld id="{CA954B2F-12DE-47F5-8894-472B206D2E1E}" type="datetimeFigureOut">
               <a:rPr lang="en-US" smtClean="0"/>
-              <a:t>2/16/22</a:t>
+              <a:t>8/1/22</a:t>
             </a:fld>
             <a:endParaRPr lang="en-US" dirty="0"/>
           </a:p>
@@ -2564,7 +2558,7 @@
           <a:p>
             <a:fld id="{3F30E46F-7819-4ACF-B48B-48222C2ACC88}" type="datetimeFigureOut">
               <a:rPr lang="en-US" smtClean="0"/>
-              <a:t>2/16/22</a:t>
+              <a:t>8/1/22</a:t>
             </a:fld>
             <a:endParaRPr lang="en-US" dirty="0"/>
           </a:p>
@@ -2765,7 +2759,7 @@
           <a:p>
             <a:fld id="{1FAF3416-4057-4DAA-829D-4CA07428D088}" type="datetimeFigureOut">
               <a:rPr lang="en-US" smtClean="0"/>
-              <a:t>2/16/22</a:t>
+              <a:t>8/1/22</a:t>
             </a:fld>
             <a:endParaRPr lang="en-US" dirty="0"/>
           </a:p>
@@ -2984,7 +2978,7 @@
           <a:p>
             <a:fld id="{921D9284-D300-4297-87F7-E791DCC15DB1}" type="datetimeFigureOut">
               <a:rPr lang="en-US" smtClean="0"/>
-              <a:t>2/16/22</a:t>
+              <a:t>8/1/22</a:t>
             </a:fld>
             <a:endParaRPr lang="en-US" dirty="0"/>
           </a:p>
@@ -3359,7 +3353,7 @@
           <a:p>
             <a:fld id="{37D525BB-DA17-4BA0-B3C8-3AC3ABC827E6}" type="datetimeFigureOut">
               <a:rPr lang="en-US" smtClean="0"/>
-              <a:t>2/16/22</a:t>
+              <a:t>8/1/22</a:t>
             </a:fld>
             <a:endParaRPr lang="en-US" dirty="0"/>
           </a:p>
@@ -3768,7 +3762,7 @@
           <a:p>
             <a:fld id="{B16C4C9A-3960-41CF-A4E9-2A8FB932454B}" type="datetimeFigureOut">
               <a:rPr lang="en-US" smtClean="0"/>
-              <a:t>2/16/22</a:t>
+              <a:t>8/1/22</a:t>
             </a:fld>
             <a:endParaRPr lang="en-US" dirty="0"/>
           </a:p>
@@ -4085,7 +4079,7 @@
           <a:p>
             <a:fld id="{3CBC1C18-307B-4F68-A007-B5B542270E8D}" type="datetimeFigureOut">
               <a:rPr lang="en-US" smtClean="0"/>
-              <a:t>2/16/22</a:t>
+              <a:t>8/1/22</a:t>
             </a:fld>
             <a:endParaRPr lang="en-US" dirty="0"/>
           </a:p>
@@ -4826,8 +4820,16 @@
           <a:lstStyle/>
           <a:p>
             <a:r>
-              <a:rPr lang="en-US" dirty="0"/>
-              <a:t>Kind of like Java and C# objects.</a:t>
+              <a:rPr lang="en-US" i="1" dirty="0">
+                <a:solidFill>
+                  <a:srgbClr val="FFFF00"/>
+                </a:solidFill>
+              </a:rPr>
+              <a:t>Kind of </a:t>
+            </a:r>
+            <a:r>
+              <a:rPr lang="en-US" dirty="0"/>
+              <a:t>like Java and C# objects.</a:t>
             </a:r>
           </a:p>
           <a:p>
@@ -5136,7 +5138,25 @@
                 </a:solidFill>
                 <a:latin typeface="Courier" pitchFamily="2" charset="0"/>
               </a:rPr>
-              <a:t>', (e) =&gt; {</a:t>
+              <a:t>', (</a:t>
+            </a:r>
+            <a:r>
+              <a:rPr lang="en-US" b="1" dirty="0">
+                <a:solidFill>
+                  <a:srgbClr val="FF0000"/>
+                </a:solidFill>
+                <a:latin typeface="Courier" pitchFamily="2" charset="0"/>
+              </a:rPr>
+              <a:t>e</a:t>
+            </a:r>
+            <a:r>
+              <a:rPr lang="en-US" dirty="0">
+                <a:solidFill>
+                  <a:schemeClr val="bg1"/>
+                </a:solidFill>
+                <a:latin typeface="Courier" pitchFamily="2" charset="0"/>
+              </a:rPr>
+              <a:t>) =&gt; {</a:t>
             </a:r>
             <a:br>
               <a:rPr lang="en-US" dirty="0">
@@ -5280,13 +5300,22 @@
               <a:t>&gt;(' + </a:t>
             </a:r>
             <a:r>
+              <a:rPr lang="en-US" b="1" dirty="0" err="1">
+                <a:solidFill>
+                  <a:srgbClr val="FF0000"/>
+                </a:solidFill>
+                <a:latin typeface="Courier" pitchFamily="2" charset="0"/>
+              </a:rPr>
+              <a:t>e</a:t>
+            </a:r>
+            <a:r>
               <a:rPr lang="en-US" dirty="0" err="1">
                 <a:solidFill>
                   <a:schemeClr val="bg1"/>
                 </a:solidFill>
                 <a:latin typeface="Courier" pitchFamily="2" charset="0"/>
               </a:rPr>
-              <a:t>e.clientX</a:t>
+              <a:t>.clientX</a:t>
             </a:r>
             <a:r>
               <a:rPr lang="en-US" dirty="0">
@@ -5298,13 +5327,22 @@
               <a:t> + ", " + </a:t>
             </a:r>
             <a:r>
+              <a:rPr lang="en-US" b="1" dirty="0" err="1">
+                <a:solidFill>
+                  <a:srgbClr val="FF0000"/>
+                </a:solidFill>
+                <a:latin typeface="Courier" pitchFamily="2" charset="0"/>
+              </a:rPr>
+              <a:t>e</a:t>
+            </a:r>
+            <a:r>
               <a:rPr lang="en-US" dirty="0" err="1">
                 <a:solidFill>
                   <a:schemeClr val="bg1"/>
                 </a:solidFill>
                 <a:latin typeface="Courier" pitchFamily="2" charset="0"/>
               </a:rPr>
-              <a:t>e.clientY</a:t>
+              <a:t>.clientY</a:t>
             </a:r>
             <a:r>
               <a:rPr lang="en-US" dirty="0">
@@ -5553,7 +5591,7 @@
             <a:r>
               <a:rPr lang="en-US" dirty="0" err="1">
                 <a:solidFill>
-                  <a:schemeClr val="bg1"/>
+                  <a:srgbClr val="0070C0"/>
                 </a:solidFill>
                 <a:latin typeface="Courier" pitchFamily="2" charset="0"/>
               </a:rPr>
@@ -5678,8 +5716,16 @@
               <a:t>    </a:t>
             </a:r>
             <a:r>
+              <a:rPr lang="en-US" dirty="0" err="1">
+                <a:solidFill>
+                  <a:srgbClr val="0070C0"/>
+                </a:solidFill>
+              </a:rPr>
+              <a:t>bgDiv</a:t>
+            </a:r>
+            <a:r>
               <a:rPr lang="en-US" dirty="0" err="1"/>
-              <a:t>bgDiv.style.backgroundColor</a:t>
+              <a:t>.style.backgroundColor</a:t>
             </a:r>
             <a:r>
               <a:rPr lang="en-US" dirty="0"/>
@@ -5693,8 +5739,16 @@
               <a:t>    </a:t>
             </a:r>
             <a:r>
+              <a:rPr lang="en-US" dirty="0" err="1">
+                <a:solidFill>
+                  <a:srgbClr val="0070C0"/>
+                </a:solidFill>
+              </a:rPr>
+              <a:t>bgDiv</a:t>
+            </a:r>
+            <a:r>
               <a:rPr lang="en-US" dirty="0" err="1"/>
-              <a:t>bgDiv.innerHTML</a:t>
+              <a:t>.innerHTML</a:t>
             </a:r>
             <a:r>
               <a:rPr lang="en-US" dirty="0"/>
@@ -5717,16 +5771,32 @@
               <a:t>&gt;(' + </a:t>
             </a:r>
             <a:r>
+              <a:rPr lang="en-US" dirty="0" err="1">
+                <a:solidFill>
+                  <a:srgbClr val="FF0000"/>
+                </a:solidFill>
+              </a:rPr>
+              <a:t>e</a:t>
+            </a:r>
+            <a:r>
               <a:rPr lang="en-US" dirty="0" err="1"/>
-              <a:t>e.clientX</a:t>
+              <a:t>.clientX</a:t>
             </a:r>
             <a:r>
               <a:rPr lang="en-US" dirty="0"/>
               <a:t> + ", " + </a:t>
             </a:r>
             <a:r>
+              <a:rPr lang="en-US" dirty="0" err="1">
+                <a:solidFill>
+                  <a:srgbClr val="FF0000"/>
+                </a:solidFill>
+              </a:rPr>
+              <a:t>e</a:t>
+            </a:r>
+            <a:r>
               <a:rPr lang="en-US" dirty="0" err="1"/>
-              <a:t>e.clientY</a:t>
+              <a:t>.clientY</a:t>
             </a:r>
             <a:r>
               <a:rPr lang="en-US" dirty="0"/>
@@ -6493,7 +6563,7 @@
         </p:blipFill>
         <p:spPr>
           <a:xfrm>
-            <a:off x="0" y="1772304"/>
+            <a:off x="0" y="1549730"/>
             <a:ext cx="2885704" cy="5085696"/>
           </a:xfrm>
           <a:prstGeom prst="rect">
@@ -6523,7 +6593,7 @@
         </p:blipFill>
         <p:spPr>
           <a:xfrm>
-            <a:off x="8476225" y="2019780"/>
+            <a:off x="8476225" y="1797206"/>
             <a:ext cx="2885704" cy="4838220"/>
           </a:xfrm>
           <a:prstGeom prst="rect">
@@ -6625,7 +6695,31 @@
           <a:p>
             <a:r>
               <a:rPr lang="en-US" dirty="0"/>
-              <a:t>Our event object gives access to all attributes of this particular event</a:t>
+              <a:t>Our event </a:t>
+            </a:r>
+            <a:r>
+              <a:rPr lang="en-US" dirty="0">
+                <a:solidFill>
+                  <a:srgbClr val="0070C0"/>
+                </a:solidFill>
+              </a:rPr>
+              <a:t>object</a:t>
+            </a:r>
+            <a:r>
+              <a:rPr lang="en-US" dirty="0"/>
+              <a:t> gives access to all </a:t>
+            </a:r>
+            <a:r>
+              <a:rPr lang="en-US" dirty="0">
+                <a:solidFill>
+                  <a:srgbClr val="0070C0"/>
+                </a:solidFill>
+              </a:rPr>
+              <a:t>attributes</a:t>
+            </a:r>
+            <a:r>
+              <a:rPr lang="en-US" dirty="0"/>
+              <a:t> of this particular event</a:t>
             </a:r>
           </a:p>
           <a:p>
@@ -6665,7 +6759,7 @@
           <a:p>
             <a:r>
               <a:rPr lang="en-US" dirty="0"/>
-              <a:t>When you have an object your reference the name followed by a dot and the attribute from that object</a:t>
+              <a:t>When you have an object you reference the name followed by a dot and the attribute from that object</a:t>
             </a:r>
           </a:p>
           <a:p>
@@ -6695,7 +6789,7 @@
         </p:blipFill>
         <p:spPr>
           <a:xfrm>
-            <a:off x="0" y="1772304"/>
+            <a:off x="0" y="1537801"/>
             <a:ext cx="2885704" cy="5085696"/>
           </a:xfrm>
           <a:prstGeom prst="rect">
@@ -6725,7 +6819,7 @@
         </p:blipFill>
         <p:spPr>
           <a:xfrm>
-            <a:off x="8476225" y="2019780"/>
+            <a:off x="8476225" y="1785277"/>
             <a:ext cx="2885704" cy="4838220"/>
           </a:xfrm>
           <a:prstGeom prst="rect">
@@ -7300,7 +7394,7 @@
           <a:p>
             <a:r>
               <a:rPr lang="en-US" dirty="0"/>
-              <a:t>To select a single element? Use</a:t>
+              <a:t>To select a single element use:</a:t>
             </a:r>
           </a:p>
           <a:p>
@@ -7351,6 +7445,24 @@
               <a:t>querySelectorAll</a:t>
             </a:r>
             <a:endParaRPr lang="en-US" dirty="0"/>
+          </a:p>
+          <a:p>
+            <a:r>
+              <a:rPr lang="en-US" dirty="0"/>
+              <a:t>See </a:t>
+            </a:r>
+            <a:r>
+              <a:rPr lang="en-US" dirty="0" err="1">
+                <a:solidFill>
+                  <a:srgbClr val="FFC000"/>
+                </a:solidFill>
+              </a:rPr>
+              <a:t>FetchExamples</a:t>
+            </a:r>
+            <a:r>
+              <a:rPr lang="en-US" dirty="0"/>
+              <a:t> repo</a:t>
+            </a:r>
           </a:p>
         </p:txBody>
       </p:sp>
@@ -8195,7 +8307,7 @@
           <p:cNvPr id="2" name="Title 1">
             <a:extLst>
               <a:ext uri="{FF2B5EF4-FFF2-40B4-BE49-F238E27FC236}">
-                <a16:creationId xmlns:a16="http://schemas.microsoft.com/office/drawing/2014/main" id="{75E8AD65-B4DE-984E-BFCA-070BF9C9F284}"/>
+                <a16:creationId xmlns:a16="http://schemas.microsoft.com/office/drawing/2014/main" id="{5E76D2B1-50A4-4D54-5AEC-330F12279BF3}"/>
               </a:ext>
             </a:extLst>
           </p:cNvPr>
@@ -8211,60 +8323,623 @@
           <a:bodyPr/>
           <a:lstStyle/>
           <a:p>
-            <a:r>
-              <a:rPr lang="en-US" dirty="0"/>
-              <a:t>Available Events</a:t>
-            </a:r>
-          </a:p>
-        </p:txBody>
-      </p:sp>
-      <p:sp>
-        <p:nvSpPr>
-          <p:cNvPr id="3" name="Content Placeholder 2">
+            <a:endParaRPr lang="en-US" dirty="0"/>
+          </a:p>
+        </p:txBody>
+      </p:sp>
+      <p:sp>
+        <p:nvSpPr>
+          <p:cNvPr id="5" name="TextBox 4">
             <a:extLst>
               <a:ext uri="{FF2B5EF4-FFF2-40B4-BE49-F238E27FC236}">
-                <a16:creationId xmlns:a16="http://schemas.microsoft.com/office/drawing/2014/main" id="{579EFD34-8201-E54C-922C-418B61CE92F8}"/>
+                <a16:creationId xmlns:a16="http://schemas.microsoft.com/office/drawing/2014/main" id="{80758DDA-1F89-0CA8-3694-C7D8088A7D8D}"/>
               </a:ext>
             </a:extLst>
           </p:cNvPr>
-          <p:cNvSpPr>
-            <a:spLocks noGrp="1"/>
-          </p:cNvSpPr>
-          <p:nvPr>
-            <p:ph idx="1"/>
-          </p:nvPr>
-        </p:nvSpPr>
-        <p:spPr/>
-        <p:txBody>
-          <a:bodyPr/>
+          <p:cNvSpPr txBox="1"/>
+          <p:nvPr/>
+        </p:nvSpPr>
+        <p:spPr>
+          <a:xfrm>
+            <a:off x="1280160" y="2277527"/>
+            <a:ext cx="9727963" cy="1323439"/>
+          </a:xfrm>
+          <a:prstGeom prst="rect">
+            <a:avLst/>
+          </a:prstGeom>
+          <a:solidFill>
+            <a:schemeClr val="accent2">
+              <a:lumMod val="40000"/>
+              <a:lumOff val="60000"/>
+            </a:schemeClr>
+          </a:solidFill>
+        </p:spPr>
+        <p:txBody>
+          <a:bodyPr wrap="square">
+            <a:spAutoFit/>
+          </a:bodyPr>
           <a:lstStyle/>
           <a:p>
             <a:r>
-              <a:rPr lang="en-US" dirty="0">
-                <a:hlinkClick r:id="rId2"/>
-              </a:rPr>
-              <a:t>https://www.w3schools.com/jsref/dom_obj_event.asp</a:t>
-            </a:r>
-            <a:endParaRPr lang="en-US" dirty="0"/>
-          </a:p>
-          <a:p>
-            <a:r>
-              <a:rPr lang="en-US" dirty="0"/>
-              <a:t>There are a lot to choose from</a:t>
-            </a:r>
-          </a:p>
-          <a:p>
-            <a:r>
-              <a:rPr lang="en-US" dirty="0"/>
-              <a:t>The next page shows of few of the more popular</a:t>
-            </a:r>
+              <a:rPr lang="en-US" sz="2000" dirty="0">
+                <a:solidFill>
+                  <a:srgbClr val="0033B3"/>
+                </a:solidFill>
+                <a:effectLst/>
+              </a:rPr>
+              <a:t>let </a:t>
+            </a:r>
+            <a:r>
+              <a:rPr lang="en-US" sz="2000" dirty="0" err="1">
+                <a:solidFill>
+                  <a:srgbClr val="830091"/>
+                </a:solidFill>
+                <a:effectLst/>
+              </a:rPr>
+              <a:t>sortableTables</a:t>
+            </a:r>
+            <a:r>
+              <a:rPr lang="en-US" sz="2000" dirty="0">
+                <a:solidFill>
+                  <a:srgbClr val="830091"/>
+                </a:solidFill>
+                <a:effectLst/>
+              </a:rPr>
+              <a:t> </a:t>
+            </a:r>
+            <a:r>
+              <a:rPr lang="en-US" sz="2000" dirty="0"/>
+              <a:t>= </a:t>
+            </a:r>
+            <a:r>
+              <a:rPr lang="en-US" sz="2000" dirty="0" err="1">
+                <a:solidFill>
+                  <a:srgbClr val="830091"/>
+                </a:solidFill>
+                <a:effectLst/>
+              </a:rPr>
+              <a:t>document</a:t>
+            </a:r>
+            <a:r>
+              <a:rPr lang="en-US" sz="2000" dirty="0" err="1"/>
+              <a:t>.</a:t>
+            </a:r>
+            <a:r>
+              <a:rPr lang="en-US" sz="2000" dirty="0" err="1">
+                <a:solidFill>
+                  <a:srgbClr val="7A7A43"/>
+                </a:solidFill>
+                <a:effectLst/>
+              </a:rPr>
+              <a:t>getElementsByClassName</a:t>
+            </a:r>
+            <a:r>
+              <a:rPr lang="en-US" sz="2000" dirty="0"/>
+              <a:t>(</a:t>
+            </a:r>
+            <a:r>
+              <a:rPr lang="en-US" sz="2000" dirty="0">
+                <a:solidFill>
+                  <a:srgbClr val="067D17"/>
+                </a:solidFill>
+                <a:effectLst/>
+              </a:rPr>
+              <a:t>'sortable'</a:t>
+            </a:r>
+            <a:r>
+              <a:rPr lang="en-US" sz="2000" dirty="0"/>
+              <a:t>);</a:t>
+            </a:r>
+            <a:br>
+              <a:rPr lang="en-US" sz="2000" dirty="0"/>
+            </a:br>
+            <a:r>
+              <a:rPr lang="en-US" sz="2000" dirty="0" err="1">
+                <a:solidFill>
+                  <a:srgbClr val="830091"/>
+                </a:solidFill>
+                <a:effectLst/>
+              </a:rPr>
+              <a:t>Array</a:t>
+            </a:r>
+            <a:r>
+              <a:rPr lang="en-US" sz="2000" dirty="0" err="1"/>
+              <a:t>.</a:t>
+            </a:r>
+            <a:r>
+              <a:rPr lang="en-US" sz="2000" dirty="0" err="1">
+                <a:solidFill>
+                  <a:srgbClr val="7A7A43"/>
+                </a:solidFill>
+                <a:effectLst/>
+              </a:rPr>
+              <a:t>from</a:t>
+            </a:r>
+            <a:r>
+              <a:rPr lang="en-US" sz="2000" dirty="0"/>
+              <a:t>(</a:t>
+            </a:r>
+            <a:r>
+              <a:rPr lang="en-US" sz="2000" dirty="0" err="1">
+                <a:solidFill>
+                  <a:srgbClr val="830091"/>
+                </a:solidFill>
+                <a:effectLst/>
+              </a:rPr>
+              <a:t>sortableTables</a:t>
+            </a:r>
+            <a:r>
+              <a:rPr lang="en-US" sz="2000" dirty="0"/>
+              <a:t>)</a:t>
+            </a:r>
+            <a:br>
+              <a:rPr lang="en-US" sz="2000" dirty="0"/>
+            </a:br>
+            <a:r>
+              <a:rPr lang="en-US" sz="2000" dirty="0"/>
+              <a:t>    .</a:t>
+            </a:r>
+            <a:r>
+              <a:rPr lang="en-US" sz="2000" dirty="0" err="1">
+                <a:solidFill>
+                  <a:srgbClr val="7A7A43"/>
+                </a:solidFill>
+                <a:effectLst/>
+              </a:rPr>
+              <a:t>forEach</a:t>
+            </a:r>
+            <a:r>
+              <a:rPr lang="en-US" sz="2000" dirty="0"/>
+              <a:t>(</a:t>
+            </a:r>
+            <a:r>
+              <a:rPr lang="en-US" sz="2000" dirty="0" err="1"/>
+              <a:t>tbl</a:t>
+            </a:r>
+            <a:r>
+              <a:rPr lang="en-US" sz="2000" dirty="0"/>
+              <a:t> =&gt; </a:t>
+            </a:r>
+            <a:r>
+              <a:rPr lang="en-US" sz="2000" dirty="0" err="1">
+                <a:solidFill>
+                  <a:srgbClr val="830091"/>
+                </a:solidFill>
+                <a:effectLst/>
+              </a:rPr>
+              <a:t>Array</a:t>
+            </a:r>
+            <a:r>
+              <a:rPr lang="en-US" sz="2000" dirty="0" err="1"/>
+              <a:t>.</a:t>
+            </a:r>
+            <a:r>
+              <a:rPr lang="en-US" sz="2000" dirty="0" err="1">
+                <a:solidFill>
+                  <a:srgbClr val="7A7A43"/>
+                </a:solidFill>
+                <a:effectLst/>
+              </a:rPr>
+              <a:t>from</a:t>
+            </a:r>
+            <a:r>
+              <a:rPr lang="en-US" sz="2000" dirty="0"/>
+              <a:t>(</a:t>
+            </a:r>
+            <a:r>
+              <a:rPr lang="en-US" sz="2000" dirty="0" err="1"/>
+              <a:t>tbl.</a:t>
+            </a:r>
+            <a:r>
+              <a:rPr lang="en-US" sz="2000" dirty="0" err="1">
+                <a:solidFill>
+                  <a:srgbClr val="7A7A43"/>
+                </a:solidFill>
+                <a:effectLst/>
+              </a:rPr>
+              <a:t>getElementsByTagName</a:t>
+            </a:r>
+            <a:r>
+              <a:rPr lang="en-US" sz="2000" dirty="0"/>
+              <a:t>(</a:t>
+            </a:r>
+            <a:r>
+              <a:rPr lang="en-US" sz="2000" dirty="0">
+                <a:solidFill>
+                  <a:srgbClr val="067D17"/>
+                </a:solidFill>
+                <a:effectLst/>
+              </a:rPr>
+              <a:t>'</a:t>
+            </a:r>
+            <a:r>
+              <a:rPr lang="en-US" sz="2000" dirty="0" err="1">
+                <a:solidFill>
+                  <a:srgbClr val="067D17"/>
+                </a:solidFill>
+                <a:effectLst/>
+              </a:rPr>
+              <a:t>th</a:t>
+            </a:r>
+            <a:r>
+              <a:rPr lang="en-US" sz="2000" dirty="0">
+                <a:solidFill>
+                  <a:srgbClr val="067D17"/>
+                </a:solidFill>
+                <a:effectLst/>
+              </a:rPr>
+              <a:t>'</a:t>
+            </a:r>
+            <a:r>
+              <a:rPr lang="en-US" sz="2000" dirty="0"/>
+              <a:t>))</a:t>
+            </a:r>
+            <a:br>
+              <a:rPr lang="en-US" sz="2000" dirty="0"/>
+            </a:br>
+            <a:r>
+              <a:rPr lang="en-US" sz="2000" dirty="0"/>
+              <a:t>        .</a:t>
+            </a:r>
+            <a:r>
+              <a:rPr lang="en-US" sz="2000" dirty="0" err="1">
+                <a:solidFill>
+                  <a:srgbClr val="7A7A43"/>
+                </a:solidFill>
+                <a:effectLst/>
+              </a:rPr>
+              <a:t>forEach</a:t>
+            </a:r>
+            <a:r>
+              <a:rPr lang="en-US" sz="2000" dirty="0"/>
+              <a:t>(</a:t>
+            </a:r>
+            <a:r>
+              <a:rPr lang="en-US" sz="2000" dirty="0" err="1"/>
+              <a:t>hdr</a:t>
+            </a:r>
+            <a:r>
+              <a:rPr lang="en-US" sz="2000" dirty="0"/>
+              <a:t> =&gt; </a:t>
+            </a:r>
+            <a:r>
+              <a:rPr lang="en-US" sz="2000" dirty="0" err="1"/>
+              <a:t>hdr.</a:t>
+            </a:r>
+            <a:r>
+              <a:rPr lang="en-US" sz="2000" dirty="0" err="1">
+                <a:solidFill>
+                  <a:srgbClr val="7A7A43"/>
+                </a:solidFill>
+                <a:effectLst/>
+              </a:rPr>
+              <a:t>addEventListener</a:t>
+            </a:r>
+            <a:r>
+              <a:rPr lang="en-US" sz="2000" dirty="0"/>
+              <a:t>(</a:t>
+            </a:r>
+            <a:r>
+              <a:rPr lang="en-US" sz="2000" dirty="0">
+                <a:solidFill>
+                  <a:srgbClr val="067D17"/>
+                </a:solidFill>
+                <a:effectLst/>
+              </a:rPr>
+              <a:t>'click'</a:t>
+            </a:r>
+            <a:r>
+              <a:rPr lang="en-US" sz="2000" dirty="0"/>
+              <a:t>, () =&gt; </a:t>
+            </a:r>
+            <a:r>
+              <a:rPr lang="en-US" sz="2000" i="1" dirty="0" err="1">
+                <a:effectLst/>
+              </a:rPr>
+              <a:t>callSort</a:t>
+            </a:r>
+            <a:r>
+              <a:rPr lang="en-US" sz="2000" dirty="0"/>
+              <a:t>(</a:t>
+            </a:r>
+            <a:r>
+              <a:rPr lang="en-US" sz="2000" dirty="0" err="1"/>
+              <a:t>hdr</a:t>
+            </a:r>
+            <a:r>
+              <a:rPr lang="en-US" sz="2000" dirty="0"/>
+              <a:t>, </a:t>
+            </a:r>
+            <a:r>
+              <a:rPr lang="en-US" sz="2000" dirty="0" err="1"/>
+              <a:t>hdr.</a:t>
+            </a:r>
+            <a:r>
+              <a:rPr lang="en-US" sz="2000" dirty="0" err="1">
+                <a:solidFill>
+                  <a:srgbClr val="871094"/>
+                </a:solidFill>
+                <a:effectLst/>
+              </a:rPr>
+              <a:t>cellIndex</a:t>
+            </a:r>
+            <a:r>
+              <a:rPr lang="en-US" sz="2000" dirty="0"/>
+              <a:t>))));</a:t>
+            </a:r>
+          </a:p>
+        </p:txBody>
+      </p:sp>
+      <p:sp>
+        <p:nvSpPr>
+          <p:cNvPr id="9" name="TextBox 8">
+            <a:extLst>
+              <a:ext uri="{FF2B5EF4-FFF2-40B4-BE49-F238E27FC236}">
+                <a16:creationId xmlns:a16="http://schemas.microsoft.com/office/drawing/2014/main" id="{5AA10B04-5563-B9D3-AF99-21802295AA0F}"/>
+              </a:ext>
+            </a:extLst>
+          </p:cNvPr>
+          <p:cNvSpPr txBox="1"/>
+          <p:nvPr/>
+        </p:nvSpPr>
+        <p:spPr>
+          <a:xfrm>
+            <a:off x="2156066" y="4468322"/>
+            <a:ext cx="8869813" cy="1323439"/>
+          </a:xfrm>
+          <a:prstGeom prst="rect">
+            <a:avLst/>
+          </a:prstGeom>
+          <a:solidFill>
+            <a:schemeClr val="accent2">
+              <a:lumMod val="40000"/>
+              <a:lumOff val="60000"/>
+            </a:schemeClr>
+          </a:solidFill>
+        </p:spPr>
+        <p:txBody>
+          <a:bodyPr wrap="square">
+            <a:spAutoFit/>
+          </a:bodyPr>
+          <a:lstStyle/>
+          <a:p>
+            <a:r>
+              <a:rPr lang="en-US" sz="2000" dirty="0">
+                <a:solidFill>
+                  <a:srgbClr val="0033B3"/>
+                </a:solidFill>
+                <a:effectLst/>
+              </a:rPr>
+              <a:t>let </a:t>
+            </a:r>
+            <a:r>
+              <a:rPr lang="en-US" sz="2000" dirty="0" err="1">
+                <a:solidFill>
+                  <a:srgbClr val="830091"/>
+                </a:solidFill>
+                <a:effectLst/>
+              </a:rPr>
+              <a:t>keyBoard</a:t>
+            </a:r>
+            <a:r>
+              <a:rPr lang="en-US" sz="2000" dirty="0">
+                <a:solidFill>
+                  <a:srgbClr val="830091"/>
+                </a:solidFill>
+                <a:effectLst/>
+              </a:rPr>
+              <a:t>       </a:t>
+            </a:r>
+            <a:r>
+              <a:rPr lang="en-US" sz="2000" dirty="0"/>
+              <a:t>= </a:t>
+            </a:r>
+            <a:r>
+              <a:rPr lang="en-US" sz="2000" dirty="0" err="1">
+                <a:solidFill>
+                  <a:srgbClr val="830091"/>
+                </a:solidFill>
+                <a:effectLst/>
+              </a:rPr>
+              <a:t>document</a:t>
+            </a:r>
+            <a:r>
+              <a:rPr lang="en-US" sz="2000" dirty="0" err="1"/>
+              <a:t>.</a:t>
+            </a:r>
+            <a:r>
+              <a:rPr lang="en-US" sz="2000" dirty="0" err="1">
+                <a:solidFill>
+                  <a:srgbClr val="7A7A43"/>
+                </a:solidFill>
+                <a:effectLst/>
+              </a:rPr>
+              <a:t>querySelectorAll</a:t>
+            </a:r>
+            <a:r>
+              <a:rPr lang="en-US" sz="2000" dirty="0"/>
+              <a:t>(</a:t>
+            </a:r>
+            <a:r>
+              <a:rPr lang="en-US" sz="2000" dirty="0">
+                <a:solidFill>
+                  <a:srgbClr val="067D17"/>
+                </a:solidFill>
+                <a:effectLst/>
+              </a:rPr>
+              <a:t>'#keyboard </a:t>
+            </a:r>
+            <a:r>
+              <a:rPr lang="en-US" sz="2000" dirty="0">
+                <a:solidFill>
+                  <a:srgbClr val="0033B3"/>
+                </a:solidFill>
+                <a:effectLst/>
+              </a:rPr>
+              <a:t>button</a:t>
+            </a:r>
+            <a:r>
+              <a:rPr lang="en-US" sz="2000" dirty="0">
+                <a:solidFill>
+                  <a:srgbClr val="067D17"/>
+                </a:solidFill>
+                <a:effectLst/>
+              </a:rPr>
+              <a:t>'</a:t>
+            </a:r>
+            <a:r>
+              <a:rPr lang="en-US" sz="2000" dirty="0"/>
+              <a:t>)</a:t>
+            </a:r>
+            <a:br>
+              <a:rPr lang="en-US" sz="2000" dirty="0"/>
+            </a:br>
+            <a:r>
+              <a:rPr lang="en-US" sz="2000" dirty="0" err="1">
+                <a:solidFill>
+                  <a:srgbClr val="830091"/>
+                </a:solidFill>
+                <a:effectLst/>
+              </a:rPr>
+              <a:t>keyBoard</a:t>
+            </a:r>
+            <a:r>
+              <a:rPr lang="en-US" sz="2000" dirty="0" err="1"/>
+              <a:t>.</a:t>
+            </a:r>
+            <a:r>
+              <a:rPr lang="en-US" sz="2000" dirty="0" err="1">
+                <a:solidFill>
+                  <a:srgbClr val="7A7A43"/>
+                </a:solidFill>
+                <a:effectLst/>
+              </a:rPr>
+              <a:t>forEach</a:t>
+            </a:r>
+            <a:r>
+              <a:rPr lang="en-US" sz="2000" dirty="0"/>
+              <a:t>(key =&gt; </a:t>
+            </a:r>
+            <a:r>
+              <a:rPr lang="en-US" sz="2000" dirty="0" err="1"/>
+              <a:t>key.</a:t>
+            </a:r>
+            <a:r>
+              <a:rPr lang="en-US" sz="2000" dirty="0" err="1">
+                <a:solidFill>
+                  <a:srgbClr val="7A7A43"/>
+                </a:solidFill>
+                <a:effectLst/>
+              </a:rPr>
+              <a:t>addEventListener</a:t>
+            </a:r>
+            <a:r>
+              <a:rPr lang="en-US" sz="2000" dirty="0"/>
+              <a:t>(</a:t>
+            </a:r>
+            <a:r>
+              <a:rPr lang="en-US" sz="2000" dirty="0">
+                <a:solidFill>
+                  <a:srgbClr val="067D17"/>
+                </a:solidFill>
+                <a:effectLst/>
+              </a:rPr>
+              <a:t>'touch'</a:t>
+            </a:r>
+            <a:r>
+              <a:rPr lang="en-US" sz="2000" dirty="0"/>
+              <a:t>,  </a:t>
+            </a:r>
+            <a:r>
+              <a:rPr lang="en-US" sz="2000" i="1" dirty="0" err="1">
+                <a:effectLst/>
+              </a:rPr>
+              <a:t>readKeyboard</a:t>
+            </a:r>
+            <a:r>
+              <a:rPr lang="en-US" sz="2000" dirty="0"/>
+              <a:t>));</a:t>
+            </a:r>
+            <a:br>
+              <a:rPr lang="en-US" sz="2000" dirty="0"/>
+            </a:br>
+            <a:r>
+              <a:rPr lang="en-US" sz="2000" dirty="0" err="1">
+                <a:solidFill>
+                  <a:srgbClr val="830091"/>
+                </a:solidFill>
+                <a:effectLst/>
+              </a:rPr>
+              <a:t>keyBoard</a:t>
+            </a:r>
+            <a:r>
+              <a:rPr lang="en-US" sz="2000" dirty="0" err="1"/>
+              <a:t>.</a:t>
+            </a:r>
+            <a:r>
+              <a:rPr lang="en-US" sz="2000" dirty="0" err="1">
+                <a:solidFill>
+                  <a:srgbClr val="7A7A43"/>
+                </a:solidFill>
+                <a:effectLst/>
+              </a:rPr>
+              <a:t>forEach</a:t>
+            </a:r>
+            <a:r>
+              <a:rPr lang="en-US" sz="2000" dirty="0"/>
+              <a:t>(key =&gt; </a:t>
+            </a:r>
+            <a:r>
+              <a:rPr lang="en-US" sz="2000" dirty="0" err="1"/>
+              <a:t>key.</a:t>
+            </a:r>
+            <a:r>
+              <a:rPr lang="en-US" sz="2000" dirty="0" err="1">
+                <a:solidFill>
+                  <a:srgbClr val="7A7A43"/>
+                </a:solidFill>
+                <a:effectLst/>
+              </a:rPr>
+              <a:t>addEventListener</a:t>
+            </a:r>
+            <a:r>
+              <a:rPr lang="en-US" sz="2000" dirty="0"/>
+              <a:t>(</a:t>
+            </a:r>
+            <a:r>
+              <a:rPr lang="en-US" sz="2000" dirty="0">
+                <a:solidFill>
+                  <a:srgbClr val="067D17"/>
+                </a:solidFill>
+                <a:effectLst/>
+              </a:rPr>
+              <a:t>'click'</a:t>
+            </a:r>
+            <a:r>
+              <a:rPr lang="en-US" sz="2000" dirty="0"/>
+              <a:t>,  </a:t>
+            </a:r>
+            <a:r>
+              <a:rPr lang="en-US" sz="2000" i="1" dirty="0" err="1">
+                <a:effectLst/>
+              </a:rPr>
+              <a:t>readKeyboard</a:t>
+            </a:r>
+            <a:r>
+              <a:rPr lang="en-US" sz="2000" dirty="0"/>
+              <a:t>));</a:t>
+            </a:r>
+            <a:br>
+              <a:rPr lang="en-US" sz="2000" dirty="0"/>
+            </a:br>
+            <a:endParaRPr lang="en-US" sz="2000" dirty="0"/>
           </a:p>
         </p:txBody>
       </p:sp>
     </p:spTree>
     <p:extLst>
       <p:ext uri="{BB962C8B-B14F-4D97-AF65-F5344CB8AC3E}">
-        <p14:creationId xmlns:p14="http://schemas.microsoft.com/office/powerpoint/2010/main" val="199405703"/>
+        <p14:creationId xmlns:p14="http://schemas.microsoft.com/office/powerpoint/2010/main" val="3863806352"/>
       </p:ext>
     </p:extLst>
   </p:cSld>
@@ -8296,6 +8971,107 @@
           <p:cNvPr id="2" name="Title 1">
             <a:extLst>
               <a:ext uri="{FF2B5EF4-FFF2-40B4-BE49-F238E27FC236}">
+                <a16:creationId xmlns:a16="http://schemas.microsoft.com/office/drawing/2014/main" id="{75E8AD65-B4DE-984E-BFCA-070BF9C9F284}"/>
+              </a:ext>
+            </a:extLst>
+          </p:cNvPr>
+          <p:cNvSpPr>
+            <a:spLocks noGrp="1"/>
+          </p:cNvSpPr>
+          <p:nvPr>
+            <p:ph type="title"/>
+          </p:nvPr>
+        </p:nvSpPr>
+        <p:spPr/>
+        <p:txBody>
+          <a:bodyPr/>
+          <a:lstStyle/>
+          <a:p>
+            <a:r>
+              <a:rPr lang="en-US" dirty="0"/>
+              <a:t>Available Events</a:t>
+            </a:r>
+          </a:p>
+        </p:txBody>
+      </p:sp>
+      <p:sp>
+        <p:nvSpPr>
+          <p:cNvPr id="3" name="Content Placeholder 2">
+            <a:extLst>
+              <a:ext uri="{FF2B5EF4-FFF2-40B4-BE49-F238E27FC236}">
+                <a16:creationId xmlns:a16="http://schemas.microsoft.com/office/drawing/2014/main" id="{579EFD34-8201-E54C-922C-418B61CE92F8}"/>
+              </a:ext>
+            </a:extLst>
+          </p:cNvPr>
+          <p:cNvSpPr>
+            <a:spLocks noGrp="1"/>
+          </p:cNvSpPr>
+          <p:nvPr>
+            <p:ph idx="1"/>
+          </p:nvPr>
+        </p:nvSpPr>
+        <p:spPr/>
+        <p:txBody>
+          <a:bodyPr/>
+          <a:lstStyle/>
+          <a:p>
+            <a:r>
+              <a:rPr lang="en-US" dirty="0">
+                <a:hlinkClick r:id="rId2"/>
+              </a:rPr>
+              <a:t>https://www.w3schools.com/jsref/dom_obj_event.asp</a:t>
+            </a:r>
+            <a:endParaRPr lang="en-US" dirty="0"/>
+          </a:p>
+          <a:p>
+            <a:r>
+              <a:rPr lang="en-US" dirty="0"/>
+              <a:t>There are a lot to choose from</a:t>
+            </a:r>
+          </a:p>
+          <a:p>
+            <a:r>
+              <a:rPr lang="en-US" dirty="0"/>
+              <a:t>The next page shows of few of the more popular</a:t>
+            </a:r>
+          </a:p>
+        </p:txBody>
+      </p:sp>
+    </p:spTree>
+    <p:extLst>
+      <p:ext uri="{BB962C8B-B14F-4D97-AF65-F5344CB8AC3E}">
+        <p14:creationId xmlns:p14="http://schemas.microsoft.com/office/powerpoint/2010/main" val="199405703"/>
+      </p:ext>
+    </p:extLst>
+  </p:cSld>
+  <p:clrMapOvr>
+    <a:masterClrMapping/>
+  </p:clrMapOvr>
+</p:sld>
+</file>
+
+<file path=ppt/slides/slide23.xml><?xml version="1.0" encoding="utf-8"?>
+<p:sld xmlns:a="http://schemas.openxmlformats.org/drawingml/2006/main" xmlns:r="http://schemas.openxmlformats.org/officeDocument/2006/relationships" xmlns:p="http://schemas.openxmlformats.org/presentationml/2006/main">
+  <p:cSld>
+    <p:spTree>
+      <p:nvGrpSpPr>
+        <p:cNvPr id="1" name=""/>
+        <p:cNvGrpSpPr/>
+        <p:nvPr/>
+      </p:nvGrpSpPr>
+      <p:grpSpPr>
+        <a:xfrm>
+          <a:off x="0" y="0"/>
+          <a:ext cx="0" cy="0"/>
+          <a:chOff x="0" y="0"/>
+          <a:chExt cx="0" cy="0"/>
+        </a:xfrm>
+      </p:grpSpPr>
+      <p:sp>
+        <p:nvSpPr>
+          <p:cNvPr id="2" name="Title 1">
+            <a:extLst>
+              <a:ext uri="{FF2B5EF4-FFF2-40B4-BE49-F238E27FC236}">
                 <a16:creationId xmlns:a16="http://schemas.microsoft.com/office/drawing/2014/main" id="{A03216FB-BA97-874A-B83B-CBB578F01901}"/>
               </a:ext>
             </a:extLst>
@@ -8335,13 +9111,13 @@
             <p:ph idx="1"/>
             <p:extLst>
               <p:ext uri="{D42A27DB-BD31-4B8C-83A1-F6EECF244321}">
-                <p14:modId xmlns:p14="http://schemas.microsoft.com/office/powerpoint/2010/main" val="7599242"/>
+                <p14:modId xmlns:p14="http://schemas.microsoft.com/office/powerpoint/2010/main" val="2771063010"/>
               </p:ext>
             </p:extLst>
           </p:nvPr>
         </p:nvGraphicFramePr>
         <p:xfrm>
-          <a:off x="286180" y="2171391"/>
+          <a:off x="426030" y="1892239"/>
           <a:ext cx="4903335" cy="3997327"/>
         </p:xfrm>
         <a:graphic>
@@ -8992,14 +9768,14 @@
           <p:nvPr>
             <p:extLst>
               <p:ext uri="{D42A27DB-BD31-4B8C-83A1-F6EECF244321}">
-                <p14:modId xmlns:p14="http://schemas.microsoft.com/office/powerpoint/2010/main" val="2017148599"/>
+                <p14:modId xmlns:p14="http://schemas.microsoft.com/office/powerpoint/2010/main" val="638960541"/>
               </p:ext>
             </p:extLst>
           </p:nvPr>
         </p:nvGraphicFramePr>
         <p:xfrm>
           <a:off x="5581403" y="1892239"/>
-          <a:ext cx="5643691" cy="4343856"/>
+          <a:ext cx="5643691" cy="4015566"/>
         </p:xfrm>
         <a:graphic>
           <a:graphicData uri="http://schemas.openxmlformats.org/drawingml/2006/table">
@@ -9621,53 +10397,6 @@
                   </a:ext>
                 </a:extLst>
               </a:tr>
-              <a:tr h="239394">
-                <a:tc>
-                  <a:txBody>
-                    <a:bodyPr/>
-                    <a:lstStyle/>
-                    <a:p>
-                      <a:pPr algn="l" fontAlgn="b"/>
-                      <a:endParaRPr lang="en-US" sz="1300" b="0" i="0" u="sng" strike="noStrike" dirty="0">
-                        <a:solidFill>
-                          <a:srgbClr val="0563C1"/>
-                        </a:solidFill>
-                        <a:effectLst/>
-                        <a:latin typeface="Calibri" panose="020F0502020204030204" pitchFamily="34" charset="0"/>
-                      </a:endParaRPr>
-                    </a:p>
-                  </a:txBody>
-                  <a:tcPr marL="8136" marR="8136" marT="8136" marB="0" anchor="b"/>
-                </a:tc>
-                <a:tc>
-                  <a:txBody>
-                    <a:bodyPr/>
-                    <a:lstStyle/>
-                    <a:p>
-                      <a:pPr algn="l" fontAlgn="b"/>
-                      <a:r>
-                        <a:rPr lang="en-US" sz="1300" u="none" strike="noStrike" dirty="0">
-                          <a:effectLst/>
-                        </a:rPr>
-                        <a:t>the touch is interrupted</a:t>
-                      </a:r>
-                      <a:endParaRPr lang="en-US" sz="1300" b="0" i="0" u="none" strike="noStrike" dirty="0">
-                        <a:solidFill>
-                          <a:srgbClr val="000000"/>
-                        </a:solidFill>
-                        <a:effectLst/>
-                        <a:latin typeface="Verdana" panose="020B0604030504040204" pitchFamily="34" charset="0"/>
-                      </a:endParaRPr>
-                    </a:p>
-                  </a:txBody>
-                  <a:tcPr marL="8136" marR="8136" marT="65085" marB="65085" anchor="b"/>
-                </a:tc>
-                <a:extLst>
-                  <a:ext uri="{0D108BD9-81ED-4DB2-BD59-A6C34878D82A}">
-                    <a16:rowId xmlns:a16="http://schemas.microsoft.com/office/drawing/2014/main" val="2477746444"/>
-                  </a:ext>
-                </a:extLst>
-              </a:tr>
               <a:tr h="320810">
                 <a:tc>
                   <a:txBody>
@@ -9739,110 +10468,6 @@
 </p:sld>
 </file>
 
-<file path=ppt/slides/slide23.xml><?xml version="1.0" encoding="utf-8"?>
-<p:sld xmlns:a="http://schemas.openxmlformats.org/drawingml/2006/main" xmlns:r="http://schemas.openxmlformats.org/officeDocument/2006/relationships" xmlns:p="http://schemas.openxmlformats.org/presentationml/2006/main">
-  <p:cSld>
-    <p:spTree>
-      <p:nvGrpSpPr>
-        <p:cNvPr id="1" name=""/>
-        <p:cNvGrpSpPr/>
-        <p:nvPr/>
-      </p:nvGrpSpPr>
-      <p:grpSpPr>
-        <a:xfrm>
-          <a:off x="0" y="0"/>
-          <a:ext cx="0" cy="0"/>
-          <a:chOff x="0" y="0"/>
-          <a:chExt cx="0" cy="0"/>
-        </a:xfrm>
-      </p:grpSpPr>
-      <p:sp>
-        <p:nvSpPr>
-          <p:cNvPr id="2" name="Title 1">
-            <a:extLst>
-              <a:ext uri="{FF2B5EF4-FFF2-40B4-BE49-F238E27FC236}">
-                <a16:creationId xmlns:a16="http://schemas.microsoft.com/office/drawing/2014/main" id="{68A3474A-F9BC-FA4D-AA3B-E01A61119334}"/>
-              </a:ext>
-            </a:extLst>
-          </p:cNvPr>
-          <p:cNvSpPr>
-            <a:spLocks noGrp="1"/>
-          </p:cNvSpPr>
-          <p:nvPr>
-            <p:ph type="title"/>
-          </p:nvPr>
-        </p:nvSpPr>
-        <p:spPr/>
-        <p:txBody>
-          <a:bodyPr/>
-          <a:lstStyle/>
-          <a:p>
-            <a:r>
-              <a:rPr lang="en-US" dirty="0"/>
-              <a:t>A note on one particular event</a:t>
-            </a:r>
-          </a:p>
-        </p:txBody>
-      </p:sp>
-      <p:sp>
-        <p:nvSpPr>
-          <p:cNvPr id="3" name="Content Placeholder 2">
-            <a:extLst>
-              <a:ext uri="{FF2B5EF4-FFF2-40B4-BE49-F238E27FC236}">
-                <a16:creationId xmlns:a16="http://schemas.microsoft.com/office/drawing/2014/main" id="{85A44952-E35B-4D43-A79C-A37E78FEBCAD}"/>
-              </a:ext>
-            </a:extLst>
-          </p:cNvPr>
-          <p:cNvSpPr>
-            <a:spLocks noGrp="1"/>
-          </p:cNvSpPr>
-          <p:nvPr>
-            <p:ph idx="1"/>
-          </p:nvPr>
-        </p:nvSpPr>
-        <p:spPr/>
-        <p:txBody>
-          <a:bodyPr/>
-          <a:lstStyle/>
-          <a:p>
-            <a:r>
-              <a:rPr lang="en-US" dirty="0"/>
-              <a:t>Load</a:t>
-            </a:r>
-          </a:p>
-          <a:p>
-            <a:r>
-              <a:rPr lang="en-US" dirty="0"/>
-              <a:t>A good habit is to put your &lt;script&gt; tag at the bottom of the page so the page is completely loaded and all screen elements are available for initialization</a:t>
-            </a:r>
-          </a:p>
-          <a:p>
-            <a:r>
-              <a:rPr lang="en-US" dirty="0"/>
-              <a:t>An alternative is to have a ‘load’ event that only triggers AFTER the page is loaded. Then you can put the &lt;script&gt; tag any where</a:t>
-            </a:r>
-          </a:p>
-          <a:p>
-            <a:r>
-              <a:rPr lang="en-US" dirty="0"/>
-              <a:t>Check out the gist referenced at the top of the slide deck for an example</a:t>
-            </a:r>
-          </a:p>
-        </p:txBody>
-      </p:sp>
-    </p:spTree>
-    <p:extLst>
-      <p:ext uri="{BB962C8B-B14F-4D97-AF65-F5344CB8AC3E}">
-        <p14:creationId xmlns:p14="http://schemas.microsoft.com/office/powerpoint/2010/main" val="1924369598"/>
-      </p:ext>
-    </p:extLst>
-  </p:cSld>
-  <p:clrMapOvr>
-    <a:masterClrMapping/>
-  </p:clrMapOvr>
-</p:sld>
-</file>
-
 <file path=ppt/slides/slide24.xml><?xml version="1.0" encoding="utf-8"?>
 <p:sld xmlns:a="http://schemas.openxmlformats.org/drawingml/2006/main" xmlns:r="http://schemas.openxmlformats.org/officeDocument/2006/relationships" xmlns:p="http://schemas.openxmlformats.org/presentationml/2006/main">
   <p:cSld>
@@ -9865,7 +10490,7 @@
           <p:cNvPr id="2" name="Title 1">
             <a:extLst>
               <a:ext uri="{FF2B5EF4-FFF2-40B4-BE49-F238E27FC236}">
-                <a16:creationId xmlns:a16="http://schemas.microsoft.com/office/drawing/2014/main" id="{DA6BA375-8CA4-5146-862F-81B348A225E2}"/>
+                <a16:creationId xmlns:a16="http://schemas.microsoft.com/office/drawing/2014/main" id="{68A3474A-F9BC-FA4D-AA3B-E01A61119334}"/>
               </a:ext>
             </a:extLst>
           </p:cNvPr>
@@ -9883,7 +10508,7 @@
           <a:p>
             <a:r>
               <a:rPr lang="en-US" dirty="0"/>
-              <a:t>Document Object Model</a:t>
+              <a:t>A note on one particular event</a:t>
             </a:r>
           </a:p>
         </p:txBody>
@@ -9893,7 +10518,7 @@
           <p:cNvPr id="3" name="Content Placeholder 2">
             <a:extLst>
               <a:ext uri="{FF2B5EF4-FFF2-40B4-BE49-F238E27FC236}">
-                <a16:creationId xmlns:a16="http://schemas.microsoft.com/office/drawing/2014/main" id="{EA370B8E-BF13-6F41-A10E-24DD9F3DB851}"/>
+                <a16:creationId xmlns:a16="http://schemas.microsoft.com/office/drawing/2014/main" id="{85A44952-E35B-4D43-A79C-A37E78FEBCAD}"/>
               </a:ext>
             </a:extLst>
           </p:cNvPr>
@@ -9909,14 +10534,35 @@
           <a:bodyPr/>
           <a:lstStyle/>
           <a:p>
-            <a:endParaRPr lang="en-US"/>
+            <a:r>
+              <a:rPr lang="en-US" dirty="0"/>
+              <a:t>Load</a:t>
+            </a:r>
+          </a:p>
+          <a:p>
+            <a:r>
+              <a:rPr lang="en-US" dirty="0"/>
+              <a:t>A good habit is to put your &lt;script&gt; tag at the bottom of the page so the page is completely loaded and all screen elements are available for initialization</a:t>
+            </a:r>
+          </a:p>
+          <a:p>
+            <a:r>
+              <a:rPr lang="en-US" dirty="0"/>
+              <a:t>An alternative is to have a ‘load’ event that only triggers AFTER the page is loaded. Then you can put the &lt;script&gt; tag any where</a:t>
+            </a:r>
+          </a:p>
+          <a:p>
+            <a:r>
+              <a:rPr lang="en-US" dirty="0"/>
+              <a:t>Check out the gist referenced at the top of the slide deck for an example</a:t>
+            </a:r>
           </a:p>
         </p:txBody>
       </p:sp>
     </p:spTree>
     <p:extLst>
       <p:ext uri="{BB962C8B-B14F-4D97-AF65-F5344CB8AC3E}">
-        <p14:creationId xmlns:p14="http://schemas.microsoft.com/office/powerpoint/2010/main" val="1611765114"/>
+        <p14:creationId xmlns:p14="http://schemas.microsoft.com/office/powerpoint/2010/main" val="1924369598"/>
       </p:ext>
     </p:extLst>
   </p:cSld>
@@ -9948,7 +10594,7 @@
           <p:cNvPr id="2" name="Title 1">
             <a:extLst>
               <a:ext uri="{FF2B5EF4-FFF2-40B4-BE49-F238E27FC236}">
-                <a16:creationId xmlns:a16="http://schemas.microsoft.com/office/drawing/2014/main" id="{AB60BFCC-02B8-B947-842A-ACA6E37B598E}"/>
+                <a16:creationId xmlns:a16="http://schemas.microsoft.com/office/drawing/2014/main" id="{DA6BA375-8CA4-5146-862F-81B348A225E2}"/>
               </a:ext>
             </a:extLst>
           </p:cNvPr>
@@ -9966,7 +10612,7 @@
           <a:p>
             <a:r>
               <a:rPr lang="en-US" dirty="0"/>
-              <a:t>Working with DOM</a:t>
+              <a:t>Document Object Model</a:t>
             </a:r>
           </a:p>
         </p:txBody>
@@ -9976,7 +10622,7 @@
           <p:cNvPr id="3" name="Content Placeholder 2">
             <a:extLst>
               <a:ext uri="{FF2B5EF4-FFF2-40B4-BE49-F238E27FC236}">
-                <a16:creationId xmlns:a16="http://schemas.microsoft.com/office/drawing/2014/main" id="{1F5AD335-1E50-AC49-81F2-778B012A2AAF}"/>
+                <a16:creationId xmlns:a16="http://schemas.microsoft.com/office/drawing/2014/main" id="{EA370B8E-BF13-6F41-A10E-24DD9F3DB851}"/>
               </a:ext>
             </a:extLst>
           </p:cNvPr>
@@ -9992,30 +10638,14 @@
           <a:bodyPr/>
           <a:lstStyle/>
           <a:p>
-            <a:r>
-              <a:rPr lang="en-US" dirty="0"/>
-              <a:t>The DOM – Document Object Model is a ‘database’ of ALL objects on your web page.</a:t>
-            </a:r>
-          </a:p>
-          <a:p>
-            <a:r>
-              <a:rPr lang="en-US" dirty="0"/>
-              <a:t>To access a screen element, you have several options.</a:t>
-            </a:r>
-          </a:p>
-          <a:p>
-            <a:pPr lvl="1"/>
-            <a:r>
-              <a:rPr lang="en-US" dirty="0"/>
-              <a:t>Get the element by the id, tag, or name</a:t>
-            </a:r>
+            <a:endParaRPr lang="en-US"/>
           </a:p>
         </p:txBody>
       </p:sp>
     </p:spTree>
     <p:extLst>
       <p:ext uri="{BB962C8B-B14F-4D97-AF65-F5344CB8AC3E}">
-        <p14:creationId xmlns:p14="http://schemas.microsoft.com/office/powerpoint/2010/main" val="2347849855"/>
+        <p14:creationId xmlns:p14="http://schemas.microsoft.com/office/powerpoint/2010/main" val="1611765114"/>
       </p:ext>
     </p:extLst>
   </p:cSld>
@@ -10047,7 +10677,7 @@
           <p:cNvPr id="2" name="Title 1">
             <a:extLst>
               <a:ext uri="{FF2B5EF4-FFF2-40B4-BE49-F238E27FC236}">
-                <a16:creationId xmlns:a16="http://schemas.microsoft.com/office/drawing/2014/main" id="{ADBC1567-C952-2F4F-93A6-ED433CAE1889}"/>
+                <a16:creationId xmlns:a16="http://schemas.microsoft.com/office/drawing/2014/main" id="{AB60BFCC-02B8-B947-842A-ACA6E37B598E}"/>
               </a:ext>
             </a:extLst>
           </p:cNvPr>
@@ -10060,38 +10690,13 @@
         </p:nvSpPr>
         <p:spPr/>
         <p:txBody>
-          <a:bodyPr>
-            <a:normAutofit fontScale="90000"/>
-          </a:bodyPr>
+          <a:bodyPr/>
           <a:lstStyle/>
           <a:p>
             <a:r>
               <a:rPr lang="en-US" dirty="0"/>
-              <a:t>Accessing elements on your page</a:t>
-            </a:r>
-            <a:br>
-              <a:rPr lang="en-US" dirty="0"/>
-            </a:br>
-            <a:r>
-              <a:rPr lang="en-US" sz="2200" dirty="0" err="1"/>
-              <a:t>document.querySelector</a:t>
-            </a:r>
-            <a:r>
-              <a:rPr lang="en-US" sz="2200" dirty="0"/>
-              <a:t>(</a:t>
-            </a:r>
-            <a:r>
-              <a:rPr lang="en-US" sz="2200" i="1" dirty="0"/>
-              <a:t>CSS selectors</a:t>
-            </a:r>
-            <a:r>
-              <a:rPr lang="en-US" sz="2200" dirty="0"/>
-              <a:t>)</a:t>
-            </a:r>
-            <a:br>
-              <a:rPr lang="en-US" dirty="0"/>
-            </a:br>
-            <a:endParaRPr lang="en-US" dirty="0"/>
+              <a:t>Working with DOM</a:t>
+            </a:r>
           </a:p>
         </p:txBody>
       </p:sp>
@@ -10100,7 +10705,7 @@
           <p:cNvPr id="3" name="Content Placeholder 2">
             <a:extLst>
               <a:ext uri="{FF2B5EF4-FFF2-40B4-BE49-F238E27FC236}">
-                <a16:creationId xmlns:a16="http://schemas.microsoft.com/office/drawing/2014/main" id="{23AE2F66-E664-B84B-BD70-8EDAF9A494AD}"/>
+                <a16:creationId xmlns:a16="http://schemas.microsoft.com/office/drawing/2014/main" id="{1F5AD335-1E50-AC49-81F2-778B012A2AAF}"/>
               </a:ext>
             </a:extLst>
           </p:cNvPr>
@@ -10111,190 +10716,41 @@
             <p:ph idx="1"/>
           </p:nvPr>
         </p:nvSpPr>
-        <p:spPr>
-          <a:xfrm>
-            <a:off x="2773599" y="2052115"/>
-            <a:ext cx="8365456" cy="4805885"/>
-          </a:xfrm>
-        </p:spPr>
-        <p:txBody>
-          <a:bodyPr>
-            <a:normAutofit/>
-          </a:bodyPr>
+        <p:spPr/>
+        <p:txBody>
+          <a:bodyPr/>
           <a:lstStyle/>
           <a:p>
             <a:r>
-              <a:rPr lang="en-US" dirty="0" err="1"/>
-              <a:t>querySelector</a:t>
-            </a:r>
-            <a:r>
-              <a:rPr lang="en-US" dirty="0"/>
-              <a:t> returns the FIRST matching element or null</a:t>
-            </a:r>
-          </a:p>
-          <a:p>
-            <a:r>
-              <a:rPr lang="en-US" i="1" dirty="0"/>
-              <a:t>CSS selectors – for instance these selectors return the first</a:t>
+              <a:rPr lang="en-US" dirty="0"/>
+              <a:t>The DOM – Document Object Model is a ‘database’ of ALL objects on your web page.</a:t>
+            </a:r>
+          </a:p>
+          <a:p>
+            <a:r>
+              <a:rPr lang="en-US" dirty="0"/>
+              <a:t>And everything on your page is an object</a:t>
+            </a:r>
+          </a:p>
+          <a:p>
+            <a:r>
+              <a:rPr lang="en-US" dirty="0"/>
+              <a:t>To access a screen element, you have several options.</a:t>
             </a:r>
           </a:p>
           <a:p>
             <a:pPr lvl="1"/>
             <a:r>
-              <a:rPr lang="en-US" i="1" dirty="0"/>
-              <a:t>“h1” 			H1 on your page</a:t>
-            </a:r>
-          </a:p>
-          <a:p>
-            <a:pPr lvl="1"/>
-            <a:r>
-              <a:rPr lang="en-US" i="1" dirty="0"/>
-              <a:t>“h1, h2” 			H1 or H2</a:t>
-            </a:r>
-          </a:p>
-          <a:p>
-            <a:pPr lvl="1"/>
-            <a:r>
-              <a:rPr lang="en-US" i="1" dirty="0"/>
-              <a:t>“</a:t>
-            </a:r>
-            <a:r>
-              <a:rPr lang="en-US" i="1" dirty="0" err="1">
-                <a:solidFill>
-                  <a:schemeClr val="accent1">
-                    <a:lumMod val="75000"/>
-                  </a:schemeClr>
-                </a:solidFill>
-              </a:rPr>
-              <a:t>div</a:t>
-            </a:r>
-            <a:r>
-              <a:rPr lang="en-US" i="1" dirty="0" err="1"/>
-              <a:t>.</a:t>
-            </a:r>
-            <a:r>
-              <a:rPr lang="en-US" i="1" dirty="0" err="1">
-                <a:solidFill>
-                  <a:srgbClr val="92D050"/>
-                </a:solidFill>
-              </a:rPr>
-              <a:t>error</a:t>
-            </a:r>
-            <a:r>
-              <a:rPr lang="en-US" i="1" dirty="0"/>
-              <a:t>”			</a:t>
-            </a:r>
-            <a:r>
-              <a:rPr lang="en-US" i="1" dirty="0">
-                <a:solidFill>
-                  <a:schemeClr val="accent1">
-                    <a:lumMod val="75000"/>
-                  </a:schemeClr>
-                </a:solidFill>
-              </a:rPr>
-              <a:t>div</a:t>
-            </a:r>
-            <a:r>
-              <a:rPr lang="en-US" i="1" dirty="0"/>
-              <a:t> with a class of </a:t>
-            </a:r>
-            <a:r>
-              <a:rPr lang="en-US" i="1" dirty="0">
-                <a:solidFill>
-                  <a:srgbClr val="92D050"/>
-                </a:solidFill>
-              </a:rPr>
-              <a:t>error</a:t>
-            </a:r>
-          </a:p>
-          <a:p>
-            <a:pPr lvl="1"/>
-            <a:r>
-              <a:rPr lang="en-US" dirty="0"/>
-              <a:t>“#</a:t>
-            </a:r>
-            <a:r>
-              <a:rPr lang="en-US" dirty="0">
-                <a:solidFill>
-                  <a:srgbClr val="00B0F0"/>
-                </a:solidFill>
-              </a:rPr>
-              <a:t>demo</a:t>
-            </a:r>
-            <a:r>
-              <a:rPr lang="en-US" dirty="0"/>
-              <a:t>”			id = </a:t>
-            </a:r>
-            <a:r>
-              <a:rPr lang="en-US" dirty="0">
-                <a:solidFill>
-                  <a:srgbClr val="00B0F0"/>
-                </a:solidFill>
-              </a:rPr>
-              <a:t>demo</a:t>
-            </a:r>
-            <a:r>
-              <a:rPr lang="en-US" dirty="0"/>
-              <a:t> (SB only 1)</a:t>
-            </a:r>
-          </a:p>
-          <a:p>
-            <a:pPr lvl="1"/>
-            <a:r>
-              <a:rPr lang="en-US" dirty="0"/>
-              <a:t>“.</a:t>
-            </a:r>
-            <a:r>
-              <a:rPr lang="en-US" dirty="0">
-                <a:solidFill>
-                  <a:srgbClr val="FFC000"/>
-                </a:solidFill>
-              </a:rPr>
-              <a:t>required</a:t>
-            </a:r>
-            <a:r>
-              <a:rPr lang="en-US" dirty="0"/>
-              <a:t>”		the class of </a:t>
-            </a:r>
-            <a:r>
-              <a:rPr lang="en-US" dirty="0">
-                <a:solidFill>
-                  <a:srgbClr val="FFC000"/>
-                </a:solidFill>
-              </a:rPr>
-              <a:t>required</a:t>
-            </a:r>
-            <a:r>
-              <a:rPr lang="en-US" dirty="0"/>
-              <a:t> </a:t>
-            </a:r>
-          </a:p>
-          <a:p>
-            <a:pPr lvl="1"/>
-            <a:r>
-              <a:rPr lang="en-US" dirty="0"/>
-              <a:t>“name=</a:t>
-            </a:r>
-            <a:r>
-              <a:rPr lang="en-US" dirty="0" err="1"/>
-              <a:t>firstName</a:t>
-            </a:r>
-            <a:r>
-              <a:rPr lang="en-US" dirty="0"/>
-              <a:t>”		name attribute = </a:t>
-            </a:r>
-            <a:r>
-              <a:rPr lang="en-US" dirty="0" err="1"/>
-              <a:t>firstName</a:t>
-            </a:r>
-            <a:endParaRPr lang="en-US" dirty="0"/>
+              <a:rPr lang="en-US" dirty="0"/>
+              <a:t>Get the element by the id, tag, or name</a:t>
+            </a:r>
           </a:p>
         </p:txBody>
       </p:sp>
     </p:spTree>
     <p:extLst>
       <p:ext uri="{BB962C8B-B14F-4D97-AF65-F5344CB8AC3E}">
-        <p14:creationId xmlns:p14="http://schemas.microsoft.com/office/powerpoint/2010/main" val="3123458880"/>
+        <p14:creationId xmlns:p14="http://schemas.microsoft.com/office/powerpoint/2010/main" val="2347849855"/>
       </p:ext>
     </p:extLst>
   </p:cSld>
@@ -10326,6 +10782,285 @@
           <p:cNvPr id="2" name="Title 1">
             <a:extLst>
               <a:ext uri="{FF2B5EF4-FFF2-40B4-BE49-F238E27FC236}">
+                <a16:creationId xmlns:a16="http://schemas.microsoft.com/office/drawing/2014/main" id="{ADBC1567-C952-2F4F-93A6-ED433CAE1889}"/>
+              </a:ext>
+            </a:extLst>
+          </p:cNvPr>
+          <p:cNvSpPr>
+            <a:spLocks noGrp="1"/>
+          </p:cNvSpPr>
+          <p:nvPr>
+            <p:ph type="title"/>
+          </p:nvPr>
+        </p:nvSpPr>
+        <p:spPr/>
+        <p:txBody>
+          <a:bodyPr>
+            <a:normAutofit fontScale="90000"/>
+          </a:bodyPr>
+          <a:lstStyle/>
+          <a:p>
+            <a:r>
+              <a:rPr lang="en-US" dirty="0"/>
+              <a:t>Accessing elements on your page</a:t>
+            </a:r>
+            <a:br>
+              <a:rPr lang="en-US" dirty="0"/>
+            </a:br>
+            <a:r>
+              <a:rPr lang="en-US" sz="2200" dirty="0" err="1"/>
+              <a:t>document.querySelector</a:t>
+            </a:r>
+            <a:r>
+              <a:rPr lang="en-US" sz="2200" dirty="0"/>
+              <a:t>(</a:t>
+            </a:r>
+            <a:r>
+              <a:rPr lang="en-US" sz="2200" i="1" dirty="0"/>
+              <a:t>CSS selectors</a:t>
+            </a:r>
+            <a:r>
+              <a:rPr lang="en-US" sz="2200" dirty="0"/>
+              <a:t>)</a:t>
+            </a:r>
+            <a:br>
+              <a:rPr lang="en-US" dirty="0"/>
+            </a:br>
+            <a:endParaRPr lang="en-US" dirty="0"/>
+          </a:p>
+        </p:txBody>
+      </p:sp>
+      <p:sp>
+        <p:nvSpPr>
+          <p:cNvPr id="3" name="Content Placeholder 2">
+            <a:extLst>
+              <a:ext uri="{FF2B5EF4-FFF2-40B4-BE49-F238E27FC236}">
+                <a16:creationId xmlns:a16="http://schemas.microsoft.com/office/drawing/2014/main" id="{23AE2F66-E664-B84B-BD70-8EDAF9A494AD}"/>
+              </a:ext>
+            </a:extLst>
+          </p:cNvPr>
+          <p:cNvSpPr>
+            <a:spLocks noGrp="1"/>
+          </p:cNvSpPr>
+          <p:nvPr>
+            <p:ph idx="1"/>
+          </p:nvPr>
+        </p:nvSpPr>
+        <p:spPr>
+          <a:xfrm>
+            <a:off x="2773599" y="2052115"/>
+            <a:ext cx="8365456" cy="4805885"/>
+          </a:xfrm>
+        </p:spPr>
+        <p:txBody>
+          <a:bodyPr>
+            <a:normAutofit/>
+          </a:bodyPr>
+          <a:lstStyle/>
+          <a:p>
+            <a:r>
+              <a:rPr lang="en-US" dirty="0" err="1"/>
+              <a:t>querySelector</a:t>
+            </a:r>
+            <a:r>
+              <a:rPr lang="en-US" dirty="0"/>
+              <a:t> returns the FIRST matching element or null</a:t>
+            </a:r>
+          </a:p>
+          <a:p>
+            <a:r>
+              <a:rPr lang="en-US" i="1" dirty="0"/>
+              <a:t>CSS selectors – for instance these selectors return the first</a:t>
+            </a:r>
+          </a:p>
+          <a:p>
+            <a:pPr lvl="1"/>
+            <a:r>
+              <a:rPr lang="en-US" i="1" dirty="0"/>
+              <a:t>“h1” 			H1 on your page</a:t>
+            </a:r>
+          </a:p>
+          <a:p>
+            <a:pPr lvl="1"/>
+            <a:r>
+              <a:rPr lang="en-US" i="1" dirty="0"/>
+              <a:t>“h1, h2” 			H1 or H2</a:t>
+            </a:r>
+          </a:p>
+          <a:p>
+            <a:pPr lvl="1"/>
+            <a:r>
+              <a:rPr lang="en-US" i="1" dirty="0"/>
+              <a:t>“</a:t>
+            </a:r>
+            <a:r>
+              <a:rPr lang="en-US" i="1" dirty="0" err="1">
+                <a:solidFill>
+                  <a:schemeClr val="accent1">
+                    <a:lumMod val="75000"/>
+                  </a:schemeClr>
+                </a:solidFill>
+              </a:rPr>
+              <a:t>div</a:t>
+            </a:r>
+            <a:r>
+              <a:rPr lang="en-US" i="1" dirty="0" err="1"/>
+              <a:t>.</a:t>
+            </a:r>
+            <a:r>
+              <a:rPr lang="en-US" i="1" dirty="0" err="1">
+                <a:solidFill>
+                  <a:srgbClr val="92D050"/>
+                </a:solidFill>
+              </a:rPr>
+              <a:t>error</a:t>
+            </a:r>
+            <a:r>
+              <a:rPr lang="en-US" i="1" dirty="0"/>
+              <a:t>”			</a:t>
+            </a:r>
+            <a:r>
+              <a:rPr lang="en-US" i="1" dirty="0">
+                <a:solidFill>
+                  <a:schemeClr val="accent1">
+                    <a:lumMod val="75000"/>
+                  </a:schemeClr>
+                </a:solidFill>
+              </a:rPr>
+              <a:t>div</a:t>
+            </a:r>
+            <a:r>
+              <a:rPr lang="en-US" i="1" dirty="0"/>
+              <a:t> with a class of </a:t>
+            </a:r>
+            <a:r>
+              <a:rPr lang="en-US" i="1" dirty="0">
+                <a:solidFill>
+                  <a:srgbClr val="92D050"/>
+                </a:solidFill>
+              </a:rPr>
+              <a:t>error</a:t>
+            </a:r>
+          </a:p>
+          <a:p>
+            <a:pPr lvl="1"/>
+            <a:r>
+              <a:rPr lang="en-US" dirty="0"/>
+              <a:t>“#</a:t>
+            </a:r>
+            <a:r>
+              <a:rPr lang="en-US" dirty="0">
+                <a:solidFill>
+                  <a:srgbClr val="00B0F0"/>
+                </a:solidFill>
+              </a:rPr>
+              <a:t>demo</a:t>
+            </a:r>
+            <a:r>
+              <a:rPr lang="en-US" dirty="0"/>
+              <a:t>”			id = </a:t>
+            </a:r>
+            <a:r>
+              <a:rPr lang="en-US" dirty="0">
+                <a:solidFill>
+                  <a:srgbClr val="00B0F0"/>
+                </a:solidFill>
+              </a:rPr>
+              <a:t>demo</a:t>
+            </a:r>
+            <a:r>
+              <a:rPr lang="en-US" dirty="0"/>
+              <a:t> (SB only 1)</a:t>
+            </a:r>
+          </a:p>
+          <a:p>
+            <a:pPr lvl="1"/>
+            <a:r>
+              <a:rPr lang="en-US" dirty="0"/>
+              <a:t>“.</a:t>
+            </a:r>
+            <a:r>
+              <a:rPr lang="en-US" dirty="0">
+                <a:solidFill>
+                  <a:srgbClr val="FFC000"/>
+                </a:solidFill>
+              </a:rPr>
+              <a:t>required</a:t>
+            </a:r>
+            <a:r>
+              <a:rPr lang="en-US" dirty="0"/>
+              <a:t>”		the class of </a:t>
+            </a:r>
+            <a:r>
+              <a:rPr lang="en-US" dirty="0">
+                <a:solidFill>
+                  <a:srgbClr val="FFC000"/>
+                </a:solidFill>
+              </a:rPr>
+              <a:t>required</a:t>
+            </a:r>
+            <a:r>
+              <a:rPr lang="en-US" dirty="0"/>
+              <a:t> </a:t>
+            </a:r>
+          </a:p>
+          <a:p>
+            <a:pPr lvl="1"/>
+            <a:r>
+              <a:rPr lang="en-US" dirty="0"/>
+              <a:t>“name=</a:t>
+            </a:r>
+            <a:r>
+              <a:rPr lang="en-US" dirty="0" err="1"/>
+              <a:t>firstName</a:t>
+            </a:r>
+            <a:r>
+              <a:rPr lang="en-US" dirty="0"/>
+              <a:t>”		name attribute = </a:t>
+            </a:r>
+            <a:r>
+              <a:rPr lang="en-US" dirty="0" err="1"/>
+              <a:t>firstName</a:t>
+            </a:r>
+            <a:endParaRPr lang="en-US" dirty="0"/>
+          </a:p>
+        </p:txBody>
+      </p:sp>
+    </p:spTree>
+    <p:extLst>
+      <p:ext uri="{BB962C8B-B14F-4D97-AF65-F5344CB8AC3E}">
+        <p14:creationId xmlns:p14="http://schemas.microsoft.com/office/powerpoint/2010/main" val="3123458880"/>
+      </p:ext>
+    </p:extLst>
+  </p:cSld>
+  <p:clrMapOvr>
+    <a:masterClrMapping/>
+  </p:clrMapOvr>
+</p:sld>
+</file>
+
+<file path=ppt/slides/slide28.xml><?xml version="1.0" encoding="utf-8"?>
+<p:sld xmlns:a="http://schemas.openxmlformats.org/drawingml/2006/main" xmlns:r="http://schemas.openxmlformats.org/officeDocument/2006/relationships" xmlns:p="http://schemas.openxmlformats.org/presentationml/2006/main">
+  <p:cSld>
+    <p:spTree>
+      <p:nvGrpSpPr>
+        <p:cNvPr id="1" name=""/>
+        <p:cNvGrpSpPr/>
+        <p:nvPr/>
+      </p:nvGrpSpPr>
+      <p:grpSpPr>
+        <a:xfrm>
+          <a:off x="0" y="0"/>
+          <a:ext cx="0" cy="0"/>
+          <a:chOff x="0" y="0"/>
+          <a:chExt cx="0" cy="0"/>
+        </a:xfrm>
+      </p:grpSpPr>
+      <p:sp>
+        <p:nvSpPr>
+          <p:cNvPr id="2" name="Title 1">
+            <a:extLst>
+              <a:ext uri="{FF2B5EF4-FFF2-40B4-BE49-F238E27FC236}">
                 <a16:creationId xmlns:a16="http://schemas.microsoft.com/office/drawing/2014/main" id="{B927C89B-447F-4A40-9ADB-9BA8D7434328}"/>
               </a:ext>
             </a:extLst>
@@ -10409,7 +11144,7 @@
 </p:sld>
 </file>
 
-<file path=ppt/slides/slide28.xml><?xml version="1.0" encoding="utf-8"?>
+<file path=ppt/slides/slide29.xml><?xml version="1.0" encoding="utf-8"?>
 <p:sld xmlns:a="http://schemas.openxmlformats.org/drawingml/2006/main" xmlns:r="http://schemas.openxmlformats.org/officeDocument/2006/relationships" xmlns:p="http://schemas.openxmlformats.org/presentationml/2006/main">
   <p:cSld>
     <p:spTree>
@@ -10519,7 +11254,138 @@
 </p:sld>
 </file>
 
-<file path=ppt/slides/slide29.xml><?xml version="1.0" encoding="utf-8"?>
+<file path=ppt/slides/slide3.xml><?xml version="1.0" encoding="utf-8"?>
+<p:sld xmlns:a="http://schemas.openxmlformats.org/drawingml/2006/main" xmlns:r="http://schemas.openxmlformats.org/officeDocument/2006/relationships" xmlns:p="http://schemas.openxmlformats.org/presentationml/2006/main">
+  <p:cSld>
+    <p:spTree>
+      <p:nvGrpSpPr>
+        <p:cNvPr id="1" name=""/>
+        <p:cNvGrpSpPr/>
+        <p:nvPr/>
+      </p:nvGrpSpPr>
+      <p:grpSpPr>
+        <a:xfrm>
+          <a:off x="0" y="0"/>
+          <a:ext cx="0" cy="0"/>
+          <a:chOff x="0" y="0"/>
+          <a:chExt cx="0" cy="0"/>
+        </a:xfrm>
+      </p:grpSpPr>
+      <p:sp>
+        <p:nvSpPr>
+          <p:cNvPr id="2" name="Title 1">
+            <a:extLst>
+              <a:ext uri="{FF2B5EF4-FFF2-40B4-BE49-F238E27FC236}">
+                <a16:creationId xmlns:a16="http://schemas.microsoft.com/office/drawing/2014/main" id="{714E905C-CD4D-0C47-ADEC-06761A032781}"/>
+              </a:ext>
+            </a:extLst>
+          </p:cNvPr>
+          <p:cNvSpPr>
+            <a:spLocks noGrp="1"/>
+          </p:cNvSpPr>
+          <p:nvPr>
+            <p:ph type="title"/>
+          </p:nvPr>
+        </p:nvSpPr>
+        <p:spPr/>
+        <p:txBody>
+          <a:bodyPr/>
+          <a:lstStyle/>
+          <a:p>
+            <a:r>
+              <a:rPr lang="en-US" dirty="0"/>
+              <a:t>The topics to be covered</a:t>
+            </a:r>
+          </a:p>
+        </p:txBody>
+      </p:sp>
+      <p:sp>
+        <p:nvSpPr>
+          <p:cNvPr id="3" name="Content Placeholder 2">
+            <a:extLst>
+              <a:ext uri="{FF2B5EF4-FFF2-40B4-BE49-F238E27FC236}">
+                <a16:creationId xmlns:a16="http://schemas.microsoft.com/office/drawing/2014/main" id="{6F468C4A-6EF5-5442-BBDE-E827FEBAADB5}"/>
+              </a:ext>
+            </a:extLst>
+          </p:cNvPr>
+          <p:cNvSpPr>
+            <a:spLocks noGrp="1"/>
+          </p:cNvSpPr>
+          <p:nvPr>
+            <p:ph idx="1"/>
+          </p:nvPr>
+        </p:nvSpPr>
+        <p:spPr/>
+        <p:txBody>
+          <a:bodyPr>
+            <a:normAutofit/>
+          </a:bodyPr>
+          <a:lstStyle/>
+          <a:p>
+            <a:pPr lvl="0"/>
+            <a:r>
+              <a:rPr lang="en-US" dirty="0"/>
+              <a:t>Using functions and objects</a:t>
+            </a:r>
+          </a:p>
+          <a:p>
+            <a:pPr lvl="0"/>
+            <a:r>
+              <a:rPr lang="en-US" dirty="0"/>
+              <a:t>Working with JavaScript and the DOM</a:t>
+            </a:r>
+          </a:p>
+          <a:p>
+            <a:pPr lvl="0"/>
+            <a:r>
+              <a:rPr lang="en-US" dirty="0"/>
+              <a:t>Changing DOM elements</a:t>
+            </a:r>
+          </a:p>
+          <a:p>
+            <a:pPr lvl="0"/>
+            <a:r>
+              <a:rPr lang="en-US" dirty="0"/>
+              <a:t>Handling events</a:t>
+            </a:r>
+          </a:p>
+          <a:p>
+            <a:pPr lvl="0"/>
+            <a:r>
+              <a:rPr lang="en-US" dirty="0"/>
+              <a:t>Troubleshooting code</a:t>
+            </a:r>
+          </a:p>
+          <a:p>
+            <a:pPr lvl="0"/>
+            <a:r>
+              <a:rPr lang="en-US" dirty="0"/>
+              <a:t>Validating functionality</a:t>
+            </a:r>
+          </a:p>
+          <a:p>
+            <a:pPr lvl="0"/>
+            <a:r>
+              <a:rPr lang="en-US" dirty="0"/>
+              <a:t>Minifying JavaScript</a:t>
+            </a:r>
+          </a:p>
+        </p:txBody>
+      </p:sp>
+    </p:spTree>
+    <p:extLst>
+      <p:ext uri="{BB962C8B-B14F-4D97-AF65-F5344CB8AC3E}">
+        <p14:creationId xmlns:p14="http://schemas.microsoft.com/office/powerpoint/2010/main" val="2928786734"/>
+      </p:ext>
+    </p:extLst>
+  </p:cSld>
+  <p:clrMapOvr>
+    <a:masterClrMapping/>
+  </p:clrMapOvr>
+</p:sld>
+</file>
+
+<file path=ppt/slides/slide30.xml><?xml version="1.0" encoding="utf-8"?>
 <p:sld xmlns:a="http://schemas.openxmlformats.org/drawingml/2006/main" xmlns:r="http://schemas.openxmlformats.org/officeDocument/2006/relationships" xmlns:p="http://schemas.openxmlformats.org/presentationml/2006/main">
   <p:cSld>
     <p:spTree>
@@ -10703,7 +11569,7 @@
         <p:spPr>
           <a:xfrm>
             <a:off x="130629" y="3905260"/>
-            <a:ext cx="9773393" cy="2031325"/>
+            <a:ext cx="9773393" cy="2308324"/>
           </a:xfrm>
           <a:prstGeom prst="rect">
             <a:avLst/>
@@ -10734,7 +11600,7 @@
                   <a:schemeClr val="bg1"/>
                 </a:solidFill>
               </a:rPr>
-              <a:t>("#id").</a:t>
+              <a:t>("[name=name]").</a:t>
             </a:r>
             <a:r>
               <a:rPr lang="en-US" dirty="0" err="1">
@@ -10750,39 +11616,7 @@
                   <a:schemeClr val="bg1"/>
                 </a:solidFill>
               </a:rPr>
-              <a:t> = "&lt;</a:t>
-            </a:r>
-            <a:r>
-              <a:rPr lang="en-US" dirty="0" err="1">
-                <a:solidFill>
-                  <a:schemeClr val="bg1"/>
-                </a:solidFill>
-              </a:rPr>
-              <a:t>em</a:t>
-            </a:r>
-            <a:r>
-              <a:rPr lang="en-US" dirty="0">
-                <a:solidFill>
-                  <a:schemeClr val="bg1"/>
-                </a:solidFill>
-              </a:rPr>
-              <a:t>&gt;id&lt;/</a:t>
-            </a:r>
-            <a:r>
-              <a:rPr lang="en-US" dirty="0" err="1">
-                <a:solidFill>
-                  <a:schemeClr val="bg1"/>
-                </a:solidFill>
-              </a:rPr>
-              <a:t>em</a:t>
-            </a:r>
-            <a:r>
-              <a:rPr lang="en-US" dirty="0">
-                <a:solidFill>
-                  <a:schemeClr val="bg1"/>
-                </a:solidFill>
-              </a:rPr>
-              <a:t>&gt;";</a:t>
+              <a:t> = "&lt;b&gt;Name&lt;/b&gt;";</a:t>
             </a:r>
             <a:br>
               <a:rPr lang="en-US" dirty="0">
@@ -10805,7 +11639,7 @@
                   <a:schemeClr val="bg1"/>
                 </a:solidFill>
               </a:rPr>
-              <a:t>(".class").</a:t>
+              <a:t>("#id").</a:t>
             </a:r>
             <a:r>
               <a:rPr lang="en-US" dirty="0" err="1">
@@ -10821,7 +11655,39 @@
                   <a:schemeClr val="bg1"/>
                 </a:solidFill>
               </a:rPr>
-              <a:t> = "&lt;b&gt;Class&lt;/b&gt;";</a:t>
+              <a:t>                  = "&lt;</a:t>
+            </a:r>
+            <a:r>
+              <a:rPr lang="en-US" dirty="0" err="1">
+                <a:solidFill>
+                  <a:schemeClr val="bg1"/>
+                </a:solidFill>
+              </a:rPr>
+              <a:t>em</a:t>
+            </a:r>
+            <a:r>
+              <a:rPr lang="en-US" dirty="0">
+                <a:solidFill>
+                  <a:schemeClr val="bg1"/>
+                </a:solidFill>
+              </a:rPr>
+              <a:t>&gt;id&lt;/</a:t>
+            </a:r>
+            <a:r>
+              <a:rPr lang="en-US" dirty="0" err="1">
+                <a:solidFill>
+                  <a:schemeClr val="bg1"/>
+                </a:solidFill>
+              </a:rPr>
+              <a:t>em</a:t>
+            </a:r>
+            <a:r>
+              <a:rPr lang="en-US" dirty="0">
+                <a:solidFill>
+                  <a:schemeClr val="bg1"/>
+                </a:solidFill>
+              </a:rPr>
+              <a:t>&gt;";</a:t>
             </a:r>
             <a:br>
               <a:rPr lang="en-US" dirty="0">
@@ -10844,7 +11710,7 @@
                   <a:schemeClr val="bg1"/>
                 </a:solidFill>
               </a:rPr>
-              <a:t>("[name=name]").</a:t>
+              <a:t>(".class").</a:t>
             </a:r>
             <a:r>
               <a:rPr lang="en-US" dirty="0" err="1">
@@ -10860,7 +11726,7 @@
                   <a:schemeClr val="bg1"/>
                 </a:solidFill>
               </a:rPr>
-              <a:t> = "&lt;b&gt;Name&lt;/b&gt;";</a:t>
+              <a:t>              =  "&lt;b&gt;Class&lt;/b&gt;";</a:t>
             </a:r>
             <a:br>
               <a:rPr lang="en-US" dirty="0">
@@ -10869,116 +11735,6 @@
                 </a:solidFill>
               </a:rPr>
             </a:br>
-            <a:br>
-              <a:rPr lang="en-US" dirty="0">
-                <a:solidFill>
-                  <a:schemeClr val="bg1"/>
-                </a:solidFill>
-              </a:rPr>
-            </a:br>
-            <a:r>
-              <a:rPr lang="en-US" dirty="0" err="1">
-                <a:solidFill>
-                  <a:schemeClr val="bg1"/>
-                </a:solidFill>
-              </a:rPr>
-              <a:t>document.querySelector</a:t>
-            </a:r>
-            <a:r>
-              <a:rPr lang="en-US" dirty="0">
-                <a:solidFill>
-                  <a:schemeClr val="bg1"/>
-                </a:solidFill>
-              </a:rPr>
-              <a:t>("#id").</a:t>
-            </a:r>
-            <a:r>
-              <a:rPr lang="en-US" dirty="0" err="1">
-                <a:solidFill>
-                  <a:schemeClr val="bg1"/>
-                </a:solidFill>
-              </a:rPr>
-              <a:t>style.backgroundColor</a:t>
-            </a:r>
-            <a:r>
-              <a:rPr lang="en-US" dirty="0">
-                <a:solidFill>
-                  <a:schemeClr val="bg1"/>
-                </a:solidFill>
-              </a:rPr>
-              <a:t> = </a:t>
-            </a:r>
-            <a:r>
-              <a:rPr lang="en-US" i="1" dirty="0" err="1">
-                <a:solidFill>
-                  <a:schemeClr val="bg1"/>
-                </a:solidFill>
-              </a:rPr>
-              <a:t>getRandomColor</a:t>
-            </a:r>
-            <a:r>
-              <a:rPr lang="en-US" dirty="0">
-                <a:solidFill>
-                  <a:schemeClr val="bg1"/>
-                </a:solidFill>
-              </a:rPr>
-              <a:t>();</a:t>
-            </a:r>
-            <a:br>
-              <a:rPr lang="en-US" dirty="0">
-                <a:solidFill>
-                  <a:schemeClr val="bg1"/>
-                </a:solidFill>
-              </a:rPr>
-            </a:br>
-            <a:r>
-              <a:rPr lang="en-US" dirty="0" err="1">
-                <a:solidFill>
-                  <a:schemeClr val="bg1"/>
-                </a:solidFill>
-              </a:rPr>
-              <a:t>document.querySelector</a:t>
-            </a:r>
-            <a:r>
-              <a:rPr lang="en-US" dirty="0">
-                <a:solidFill>
-                  <a:schemeClr val="bg1"/>
-                </a:solidFill>
-              </a:rPr>
-              <a:t>(".class").</a:t>
-            </a:r>
-            <a:r>
-              <a:rPr lang="en-US" dirty="0" err="1">
-                <a:solidFill>
-                  <a:schemeClr val="bg1"/>
-                </a:solidFill>
-              </a:rPr>
-              <a:t>style.backgroundColor</a:t>
-            </a:r>
-            <a:r>
-              <a:rPr lang="en-US" dirty="0">
-                <a:solidFill>
-                  <a:schemeClr val="bg1"/>
-                </a:solidFill>
-              </a:rPr>
-              <a:t> = </a:t>
-            </a:r>
-            <a:r>
-              <a:rPr lang="en-US" i="1" dirty="0" err="1">
-                <a:solidFill>
-                  <a:schemeClr val="bg1"/>
-                </a:solidFill>
-              </a:rPr>
-              <a:t>getRandomColor</a:t>
-            </a:r>
-            <a:r>
-              <a:rPr lang="en-US" dirty="0">
-                <a:solidFill>
-                  <a:schemeClr val="bg1"/>
-                </a:solidFill>
-              </a:rPr>
-              <a:t>();</a:t>
-            </a:r>
             <a:br>
               <a:rPr lang="en-US" dirty="0">
                 <a:solidFill>
@@ -11041,399 +11797,130 @@
               <a:latin typeface="Courier" pitchFamily="2" charset="0"/>
             </a:endParaRPr>
           </a:p>
+          <a:p>
+            <a:r>
+              <a:rPr lang="en-US" dirty="0" err="1">
+                <a:solidFill>
+                  <a:schemeClr val="bg1"/>
+                </a:solidFill>
+              </a:rPr>
+              <a:t>document.querySelector</a:t>
+            </a:r>
+            <a:r>
+              <a:rPr lang="en-US" dirty="0">
+                <a:solidFill>
+                  <a:schemeClr val="bg1"/>
+                </a:solidFill>
+              </a:rPr>
+              <a:t>("#id").</a:t>
+            </a:r>
+            <a:r>
+              <a:rPr lang="en-US" dirty="0" err="1">
+                <a:solidFill>
+                  <a:schemeClr val="bg1"/>
+                </a:solidFill>
+              </a:rPr>
+              <a:t>style.backgroundColor</a:t>
+            </a:r>
+            <a:r>
+              <a:rPr lang="en-US" dirty="0">
+                <a:solidFill>
+                  <a:schemeClr val="bg1"/>
+                </a:solidFill>
+              </a:rPr>
+              <a:t> 		   = </a:t>
+            </a:r>
+            <a:r>
+              <a:rPr lang="en-US" i="1" dirty="0" err="1">
+                <a:solidFill>
+                  <a:schemeClr val="bg1"/>
+                </a:solidFill>
+              </a:rPr>
+              <a:t>getRandomColor</a:t>
+            </a:r>
+            <a:r>
+              <a:rPr lang="en-US" dirty="0">
+                <a:solidFill>
+                  <a:schemeClr val="bg1"/>
+                </a:solidFill>
+              </a:rPr>
+              <a:t>();</a:t>
+            </a:r>
+            <a:br>
+              <a:rPr lang="en-US" dirty="0">
+                <a:solidFill>
+                  <a:schemeClr val="bg1"/>
+                </a:solidFill>
+              </a:rPr>
+            </a:br>
+            <a:r>
+              <a:rPr lang="en-US" dirty="0" err="1">
+                <a:solidFill>
+                  <a:schemeClr val="bg1"/>
+                </a:solidFill>
+              </a:rPr>
+              <a:t>document.querySelector</a:t>
+            </a:r>
+            <a:r>
+              <a:rPr lang="en-US" dirty="0">
+                <a:solidFill>
+                  <a:schemeClr val="bg1"/>
+                </a:solidFill>
+              </a:rPr>
+              <a:t>(".class").</a:t>
+            </a:r>
+            <a:r>
+              <a:rPr lang="en-US" dirty="0" err="1">
+                <a:solidFill>
+                  <a:schemeClr val="bg1"/>
+                </a:solidFill>
+              </a:rPr>
+              <a:t>style.backgroundColor</a:t>
+            </a:r>
+            <a:r>
+              <a:rPr lang="en-US" dirty="0">
+                <a:solidFill>
+                  <a:schemeClr val="bg1"/>
+                </a:solidFill>
+              </a:rPr>
+              <a:t> 		   = </a:t>
+            </a:r>
+            <a:r>
+              <a:rPr lang="en-US" i="1" dirty="0" err="1">
+                <a:solidFill>
+                  <a:schemeClr val="bg1"/>
+                </a:solidFill>
+              </a:rPr>
+              <a:t>getRandomColor</a:t>
+            </a:r>
+            <a:r>
+              <a:rPr lang="en-US" dirty="0">
+                <a:solidFill>
+                  <a:schemeClr val="bg1"/>
+                </a:solidFill>
+              </a:rPr>
+              <a:t>();</a:t>
+            </a:r>
+            <a:br>
+              <a:rPr lang="en-US" dirty="0">
+                <a:solidFill>
+                  <a:schemeClr val="bg1"/>
+                </a:solidFill>
+              </a:rPr>
+            </a:br>
+            <a:endParaRPr lang="en-US" dirty="0">
+              <a:solidFill>
+                <a:schemeClr val="bg1"/>
+              </a:solidFill>
+              <a:latin typeface="Courier" pitchFamily="2" charset="0"/>
+            </a:endParaRPr>
+          </a:p>
         </p:txBody>
       </p:sp>
     </p:spTree>
     <p:extLst>
       <p:ext uri="{BB962C8B-B14F-4D97-AF65-F5344CB8AC3E}">
         <p14:creationId xmlns:p14="http://schemas.microsoft.com/office/powerpoint/2010/main" val="1413750905"/>
-      </p:ext>
-    </p:extLst>
-  </p:cSld>
-  <p:clrMapOvr>
-    <a:masterClrMapping/>
-  </p:clrMapOvr>
-</p:sld>
-</file>
-
-<file path=ppt/slides/slide3.xml><?xml version="1.0" encoding="utf-8"?>
-<p:sld xmlns:a="http://schemas.openxmlformats.org/drawingml/2006/main" xmlns:r="http://schemas.openxmlformats.org/officeDocument/2006/relationships" xmlns:p="http://schemas.openxmlformats.org/presentationml/2006/main">
-  <p:cSld>
-    <p:spTree>
-      <p:nvGrpSpPr>
-        <p:cNvPr id="1" name=""/>
-        <p:cNvGrpSpPr/>
-        <p:nvPr/>
-      </p:nvGrpSpPr>
-      <p:grpSpPr>
-        <a:xfrm>
-          <a:off x="0" y="0"/>
-          <a:ext cx="0" cy="0"/>
-          <a:chOff x="0" y="0"/>
-          <a:chExt cx="0" cy="0"/>
-        </a:xfrm>
-      </p:grpSpPr>
-      <p:sp>
-        <p:nvSpPr>
-          <p:cNvPr id="2" name="Title 1">
-            <a:extLst>
-              <a:ext uri="{FF2B5EF4-FFF2-40B4-BE49-F238E27FC236}">
-                <a16:creationId xmlns:a16="http://schemas.microsoft.com/office/drawing/2014/main" id="{714E905C-CD4D-0C47-ADEC-06761A032781}"/>
-              </a:ext>
-            </a:extLst>
-          </p:cNvPr>
-          <p:cNvSpPr>
-            <a:spLocks noGrp="1"/>
-          </p:cNvSpPr>
-          <p:nvPr>
-            <p:ph type="title"/>
-          </p:nvPr>
-        </p:nvSpPr>
-        <p:spPr/>
-        <p:txBody>
-          <a:bodyPr/>
-          <a:lstStyle/>
-          <a:p>
-            <a:r>
-              <a:rPr lang="en-US" dirty="0"/>
-              <a:t>The topics to be covered</a:t>
-            </a:r>
-          </a:p>
-        </p:txBody>
-      </p:sp>
-      <p:sp>
-        <p:nvSpPr>
-          <p:cNvPr id="3" name="Content Placeholder 2">
-            <a:extLst>
-              <a:ext uri="{FF2B5EF4-FFF2-40B4-BE49-F238E27FC236}">
-                <a16:creationId xmlns:a16="http://schemas.microsoft.com/office/drawing/2014/main" id="{6F468C4A-6EF5-5442-BBDE-E827FEBAADB5}"/>
-              </a:ext>
-            </a:extLst>
-          </p:cNvPr>
-          <p:cNvSpPr>
-            <a:spLocks noGrp="1"/>
-          </p:cNvSpPr>
-          <p:nvPr>
-            <p:ph idx="1"/>
-          </p:nvPr>
-        </p:nvSpPr>
-        <p:spPr/>
-        <p:txBody>
-          <a:bodyPr>
-            <a:normAutofit/>
-          </a:bodyPr>
-          <a:lstStyle/>
-          <a:p>
-            <a:pPr lvl="0"/>
-            <a:r>
-              <a:rPr lang="en-US" dirty="0"/>
-              <a:t>Using functions and objects</a:t>
-            </a:r>
-          </a:p>
-          <a:p>
-            <a:pPr lvl="0"/>
-            <a:r>
-              <a:rPr lang="en-US" dirty="0"/>
-              <a:t>Working with JavaScript and the DOM</a:t>
-            </a:r>
-          </a:p>
-          <a:p>
-            <a:pPr lvl="0"/>
-            <a:r>
-              <a:rPr lang="en-US" dirty="0"/>
-              <a:t>Changing DOM elements</a:t>
-            </a:r>
-          </a:p>
-          <a:p>
-            <a:pPr lvl="0"/>
-            <a:r>
-              <a:rPr lang="en-US" dirty="0"/>
-              <a:t>Handling events</a:t>
-            </a:r>
-          </a:p>
-          <a:p>
-            <a:pPr lvl="0"/>
-            <a:r>
-              <a:rPr lang="en-US" dirty="0"/>
-              <a:t>Troubleshooting code</a:t>
-            </a:r>
-          </a:p>
-          <a:p>
-            <a:pPr lvl="0"/>
-            <a:r>
-              <a:rPr lang="en-US" dirty="0"/>
-              <a:t>Validating functionality</a:t>
-            </a:r>
-          </a:p>
-          <a:p>
-            <a:pPr lvl="0"/>
-            <a:r>
-              <a:rPr lang="en-US" dirty="0"/>
-              <a:t>Minifying JavaScript</a:t>
-            </a:r>
-          </a:p>
-        </p:txBody>
-      </p:sp>
-    </p:spTree>
-    <p:extLst>
-      <p:ext uri="{BB962C8B-B14F-4D97-AF65-F5344CB8AC3E}">
-        <p14:creationId xmlns:p14="http://schemas.microsoft.com/office/powerpoint/2010/main" val="2928786734"/>
-      </p:ext>
-    </p:extLst>
-  </p:cSld>
-  <p:clrMapOvr>
-    <a:masterClrMapping/>
-  </p:clrMapOvr>
-</p:sld>
-</file>
-
-<file path=ppt/slides/slide30.xml><?xml version="1.0" encoding="utf-8"?>
-<p:sld xmlns:a="http://schemas.openxmlformats.org/drawingml/2006/main" xmlns:r="http://schemas.openxmlformats.org/officeDocument/2006/relationships" xmlns:p="http://schemas.openxmlformats.org/presentationml/2006/main">
-  <p:cSld>
-    <p:spTree>
-      <p:nvGrpSpPr>
-        <p:cNvPr id="1" name=""/>
-        <p:cNvGrpSpPr/>
-        <p:nvPr/>
-      </p:nvGrpSpPr>
-      <p:grpSpPr>
-        <a:xfrm>
-          <a:off x="0" y="0"/>
-          <a:ext cx="0" cy="0"/>
-          <a:chOff x="0" y="0"/>
-          <a:chExt cx="0" cy="0"/>
-        </a:xfrm>
-      </p:grpSpPr>
-      <p:sp>
-        <p:nvSpPr>
-          <p:cNvPr id="2" name="Title 1">
-            <a:extLst>
-              <a:ext uri="{FF2B5EF4-FFF2-40B4-BE49-F238E27FC236}">
-                <a16:creationId xmlns:a16="http://schemas.microsoft.com/office/drawing/2014/main" id="{F7A594B7-6B4C-D040-866A-23732E0126FA}"/>
-              </a:ext>
-            </a:extLst>
-          </p:cNvPr>
-          <p:cNvSpPr>
-            <a:spLocks noGrp="1"/>
-          </p:cNvSpPr>
-          <p:nvPr>
-            <p:ph type="title"/>
-          </p:nvPr>
-        </p:nvSpPr>
-        <p:spPr/>
-        <p:txBody>
-          <a:bodyPr/>
-          <a:lstStyle/>
-          <a:p>
-            <a:r>
-              <a:rPr lang="en-US" dirty="0"/>
-              <a:t>Other ways to reference a screen element</a:t>
-            </a:r>
-          </a:p>
-        </p:txBody>
-      </p:sp>
-      <p:sp>
-        <p:nvSpPr>
-          <p:cNvPr id="3" name="Content Placeholder 2">
-            <a:extLst>
-              <a:ext uri="{FF2B5EF4-FFF2-40B4-BE49-F238E27FC236}">
-                <a16:creationId xmlns:a16="http://schemas.microsoft.com/office/drawing/2014/main" id="{B91A6ABC-DE52-754A-BD68-36B710AFBE82}"/>
-              </a:ext>
-            </a:extLst>
-          </p:cNvPr>
-          <p:cNvSpPr>
-            <a:spLocks noGrp="1"/>
-          </p:cNvSpPr>
-          <p:nvPr>
-            <p:ph idx="1"/>
-          </p:nvPr>
-        </p:nvSpPr>
-        <p:spPr>
-          <a:xfrm>
-            <a:off x="2773599" y="2052116"/>
-            <a:ext cx="8329830" cy="3997828"/>
-          </a:xfrm>
-        </p:spPr>
-        <p:txBody>
-          <a:bodyPr>
-            <a:normAutofit/>
-          </a:bodyPr>
-          <a:lstStyle/>
-          <a:p>
-            <a:r>
-              <a:rPr lang="en-US" dirty="0" err="1"/>
-              <a:t>querySelector</a:t>
-            </a:r>
-            <a:r>
-              <a:rPr lang="en-US" dirty="0"/>
-              <a:t> is great of a single element</a:t>
-            </a:r>
-          </a:p>
-          <a:p>
-            <a:r>
-              <a:rPr lang="en-US" dirty="0" err="1"/>
-              <a:t>querySelectorAll</a:t>
-            </a:r>
-            <a:r>
-              <a:rPr lang="en-US" dirty="0"/>
-              <a:t> will return an array of matching elements</a:t>
-            </a:r>
-          </a:p>
-          <a:p>
-            <a:r>
-              <a:rPr lang="en-US" dirty="0"/>
-              <a:t>We also have </a:t>
-            </a:r>
-          </a:p>
-          <a:p>
-            <a:r>
-              <a:rPr lang="en-US" dirty="0" err="1"/>
-              <a:t>document.get</a:t>
-            </a:r>
-            <a:r>
-              <a:rPr lang="en-US" dirty="0" err="1">
-                <a:solidFill>
-                  <a:schemeClr val="tx2">
-                    <a:lumMod val="75000"/>
-                  </a:schemeClr>
-                </a:solidFill>
-              </a:rPr>
-              <a:t>Element</a:t>
-            </a:r>
-            <a:r>
-              <a:rPr lang="en-US" dirty="0" err="1"/>
-              <a:t>ById</a:t>
-            </a:r>
-            <a:r>
-              <a:rPr lang="en-US" dirty="0"/>
-              <a:t>		//  returns a </a:t>
-            </a:r>
-            <a:r>
-              <a:rPr lang="en-US" dirty="0">
-                <a:solidFill>
-                  <a:schemeClr val="tx2">
-                    <a:lumMod val="75000"/>
-                  </a:schemeClr>
-                </a:solidFill>
-              </a:rPr>
-              <a:t>single</a:t>
-            </a:r>
-            <a:r>
-              <a:rPr lang="en-US" dirty="0"/>
-              <a:t> element</a:t>
-            </a:r>
-          </a:p>
-          <a:p>
-            <a:r>
-              <a:rPr lang="en-US" dirty="0" err="1"/>
-              <a:t>document.get</a:t>
-            </a:r>
-            <a:r>
-              <a:rPr lang="en-US" dirty="0" err="1">
-                <a:solidFill>
-                  <a:srgbClr val="FF0000"/>
-                </a:solidFill>
-              </a:rPr>
-              <a:t>Elements</a:t>
-            </a:r>
-            <a:r>
-              <a:rPr lang="en-US" dirty="0" err="1"/>
-              <a:t>ByClassName</a:t>
-            </a:r>
-            <a:r>
-              <a:rPr lang="en-US" dirty="0"/>
-              <a:t>	//  </a:t>
-            </a:r>
-            <a:r>
-              <a:rPr lang="en-US" dirty="0">
-                <a:solidFill>
-                  <a:srgbClr val="FF0000"/>
-                </a:solidFill>
-              </a:rPr>
-              <a:t>all</a:t>
-            </a:r>
-            <a:r>
-              <a:rPr lang="en-US" dirty="0"/>
-              <a:t> matching class name</a:t>
-            </a:r>
-          </a:p>
-          <a:p>
-            <a:r>
-              <a:rPr lang="en-US" dirty="0" err="1"/>
-              <a:t>document.get</a:t>
-            </a:r>
-            <a:r>
-              <a:rPr lang="en-US" dirty="0" err="1">
-                <a:solidFill>
-                  <a:srgbClr val="FF0000"/>
-                </a:solidFill>
-              </a:rPr>
-              <a:t>Elements</a:t>
-            </a:r>
-            <a:r>
-              <a:rPr lang="en-US" dirty="0" err="1"/>
-              <a:t>ByName</a:t>
-            </a:r>
-            <a:r>
-              <a:rPr lang="en-US" dirty="0"/>
-              <a:t>	//  </a:t>
-            </a:r>
-            <a:r>
-              <a:rPr lang="en-US" dirty="0">
-                <a:solidFill>
-                  <a:srgbClr val="FF0000"/>
-                </a:solidFill>
-              </a:rPr>
-              <a:t>all</a:t>
-            </a:r>
-            <a:r>
-              <a:rPr lang="en-US" dirty="0"/>
-              <a:t> matching names</a:t>
-            </a:r>
-          </a:p>
-          <a:p>
-            <a:r>
-              <a:rPr lang="en-US" dirty="0" err="1"/>
-              <a:t>document.get</a:t>
-            </a:r>
-            <a:r>
-              <a:rPr lang="en-US" dirty="0" err="1">
-                <a:solidFill>
-                  <a:srgbClr val="FF0000"/>
-                </a:solidFill>
-              </a:rPr>
-              <a:t>Elements</a:t>
-            </a:r>
-            <a:r>
-              <a:rPr lang="en-US" dirty="0" err="1"/>
-              <a:t>ByTagName</a:t>
-            </a:r>
-            <a:r>
-              <a:rPr lang="en-US" dirty="0"/>
-              <a:t>	//  </a:t>
-            </a:r>
-            <a:r>
-              <a:rPr lang="en-US" dirty="0">
-                <a:solidFill>
-                  <a:srgbClr val="FF0000"/>
-                </a:solidFill>
-              </a:rPr>
-              <a:t>all</a:t>
-            </a:r>
-            <a:r>
-              <a:rPr lang="en-US" dirty="0"/>
-              <a:t> matching tag names</a:t>
-            </a:r>
-          </a:p>
-          <a:p>
-            <a:endParaRPr lang="en-US" dirty="0"/>
-          </a:p>
-        </p:txBody>
-      </p:sp>
-    </p:spTree>
-    <p:extLst>
-      <p:ext uri="{BB962C8B-B14F-4D97-AF65-F5344CB8AC3E}">
-        <p14:creationId xmlns:p14="http://schemas.microsoft.com/office/powerpoint/2010/main" val="3717859759"/>
       </p:ext>
     </p:extLst>
   </p:cSld>
@@ -11465,6 +11952,262 @@
           <p:cNvPr id="2" name="Title 1">
             <a:extLst>
               <a:ext uri="{FF2B5EF4-FFF2-40B4-BE49-F238E27FC236}">
+                <a16:creationId xmlns:a16="http://schemas.microsoft.com/office/drawing/2014/main" id="{F7A594B7-6B4C-D040-866A-23732E0126FA}"/>
+              </a:ext>
+            </a:extLst>
+          </p:cNvPr>
+          <p:cNvSpPr>
+            <a:spLocks noGrp="1"/>
+          </p:cNvSpPr>
+          <p:nvPr>
+            <p:ph type="title"/>
+          </p:nvPr>
+        </p:nvSpPr>
+        <p:spPr/>
+        <p:txBody>
+          <a:bodyPr/>
+          <a:lstStyle/>
+          <a:p>
+            <a:r>
+              <a:rPr lang="en-US" dirty="0"/>
+              <a:t>Other ways to reference a screen element</a:t>
+            </a:r>
+          </a:p>
+        </p:txBody>
+      </p:sp>
+      <p:sp>
+        <p:nvSpPr>
+          <p:cNvPr id="3" name="Content Placeholder 2">
+            <a:extLst>
+              <a:ext uri="{FF2B5EF4-FFF2-40B4-BE49-F238E27FC236}">
+                <a16:creationId xmlns:a16="http://schemas.microsoft.com/office/drawing/2014/main" id="{B91A6ABC-DE52-754A-BD68-36B710AFBE82}"/>
+              </a:ext>
+            </a:extLst>
+          </p:cNvPr>
+          <p:cNvSpPr>
+            <a:spLocks noGrp="1"/>
+          </p:cNvSpPr>
+          <p:nvPr>
+            <p:ph idx="1"/>
+          </p:nvPr>
+        </p:nvSpPr>
+        <p:spPr>
+          <a:xfrm>
+            <a:off x="2773599" y="2052116"/>
+            <a:ext cx="8329830" cy="3997828"/>
+          </a:xfrm>
+        </p:spPr>
+        <p:txBody>
+          <a:bodyPr>
+            <a:normAutofit/>
+          </a:bodyPr>
+          <a:lstStyle/>
+          <a:p>
+            <a:r>
+              <a:rPr lang="en-US" dirty="0" err="1"/>
+              <a:t>querySelector</a:t>
+            </a:r>
+            <a:r>
+              <a:rPr lang="en-US" dirty="0"/>
+              <a:t> is great of a single element</a:t>
+            </a:r>
+          </a:p>
+          <a:p>
+            <a:r>
+              <a:rPr lang="en-US" dirty="0" err="1"/>
+              <a:t>querySelectorAll</a:t>
+            </a:r>
+            <a:r>
+              <a:rPr lang="en-US" dirty="0"/>
+              <a:t> will return an array of matching elements</a:t>
+            </a:r>
+          </a:p>
+          <a:p>
+            <a:r>
+              <a:rPr lang="en-US" dirty="0"/>
+              <a:t>We also have </a:t>
+            </a:r>
+          </a:p>
+          <a:p>
+            <a:r>
+              <a:rPr lang="en-US" dirty="0" err="1"/>
+              <a:t>document.get</a:t>
+            </a:r>
+            <a:r>
+              <a:rPr lang="en-US" dirty="0" err="1">
+                <a:solidFill>
+                  <a:schemeClr val="tx2">
+                    <a:lumMod val="75000"/>
+                  </a:schemeClr>
+                </a:solidFill>
+              </a:rPr>
+              <a:t>Element</a:t>
+            </a:r>
+            <a:r>
+              <a:rPr lang="en-US" dirty="0" err="1"/>
+              <a:t>ById</a:t>
+            </a:r>
+            <a:r>
+              <a:rPr lang="en-US" dirty="0"/>
+              <a:t>		//  returns a </a:t>
+            </a:r>
+            <a:r>
+              <a:rPr lang="en-US" dirty="0">
+                <a:solidFill>
+                  <a:schemeClr val="tx2">
+                    <a:lumMod val="75000"/>
+                  </a:schemeClr>
+                </a:solidFill>
+              </a:rPr>
+              <a:t>single</a:t>
+            </a:r>
+            <a:r>
+              <a:rPr lang="en-US" dirty="0"/>
+              <a:t> element</a:t>
+            </a:r>
+          </a:p>
+          <a:p>
+            <a:r>
+              <a:rPr lang="en-US" dirty="0" err="1"/>
+              <a:t>document.get</a:t>
+            </a:r>
+            <a:r>
+              <a:rPr lang="en-US" dirty="0" err="1">
+                <a:solidFill>
+                  <a:srgbClr val="FF0000"/>
+                </a:solidFill>
+              </a:rPr>
+              <a:t>Elements</a:t>
+            </a:r>
+            <a:r>
+              <a:rPr lang="en-US" dirty="0" err="1"/>
+              <a:t>ByClassName</a:t>
+            </a:r>
+            <a:r>
+              <a:rPr lang="en-US" dirty="0"/>
+              <a:t>	//  </a:t>
+            </a:r>
+            <a:r>
+              <a:rPr lang="en-US" dirty="0">
+                <a:solidFill>
+                  <a:srgbClr val="FF0000"/>
+                </a:solidFill>
+              </a:rPr>
+              <a:t>all</a:t>
+            </a:r>
+            <a:r>
+              <a:rPr lang="en-US" dirty="0"/>
+              <a:t> matching class name</a:t>
+            </a:r>
+          </a:p>
+          <a:p>
+            <a:r>
+              <a:rPr lang="en-US" dirty="0" err="1"/>
+              <a:t>document.get</a:t>
+            </a:r>
+            <a:r>
+              <a:rPr lang="en-US" dirty="0" err="1">
+                <a:solidFill>
+                  <a:srgbClr val="FF0000"/>
+                </a:solidFill>
+              </a:rPr>
+              <a:t>Elements</a:t>
+            </a:r>
+            <a:r>
+              <a:rPr lang="en-US" dirty="0" err="1"/>
+              <a:t>ByName</a:t>
+            </a:r>
+            <a:r>
+              <a:rPr lang="en-US" dirty="0"/>
+              <a:t>	//  </a:t>
+            </a:r>
+            <a:r>
+              <a:rPr lang="en-US" dirty="0">
+                <a:solidFill>
+                  <a:srgbClr val="FF0000"/>
+                </a:solidFill>
+              </a:rPr>
+              <a:t>all</a:t>
+            </a:r>
+            <a:r>
+              <a:rPr lang="en-US" dirty="0"/>
+              <a:t> matching names</a:t>
+            </a:r>
+          </a:p>
+          <a:p>
+            <a:r>
+              <a:rPr lang="en-US" dirty="0" err="1"/>
+              <a:t>document.get</a:t>
+            </a:r>
+            <a:r>
+              <a:rPr lang="en-US" dirty="0" err="1">
+                <a:solidFill>
+                  <a:srgbClr val="FF0000"/>
+                </a:solidFill>
+              </a:rPr>
+              <a:t>Elements</a:t>
+            </a:r>
+            <a:r>
+              <a:rPr lang="en-US" dirty="0" err="1"/>
+              <a:t>ByTagName</a:t>
+            </a:r>
+            <a:r>
+              <a:rPr lang="en-US" dirty="0"/>
+              <a:t>	//  </a:t>
+            </a:r>
+            <a:r>
+              <a:rPr lang="en-US" dirty="0">
+                <a:solidFill>
+                  <a:srgbClr val="FF0000"/>
+                </a:solidFill>
+              </a:rPr>
+              <a:t>all</a:t>
+            </a:r>
+            <a:r>
+              <a:rPr lang="en-US" dirty="0"/>
+              <a:t> matching tag names</a:t>
+            </a:r>
+          </a:p>
+          <a:p>
+            <a:endParaRPr lang="en-US" dirty="0"/>
+          </a:p>
+        </p:txBody>
+      </p:sp>
+    </p:spTree>
+    <p:extLst>
+      <p:ext uri="{BB962C8B-B14F-4D97-AF65-F5344CB8AC3E}">
+        <p14:creationId xmlns:p14="http://schemas.microsoft.com/office/powerpoint/2010/main" val="3717859759"/>
+      </p:ext>
+    </p:extLst>
+  </p:cSld>
+  <p:clrMapOvr>
+    <a:masterClrMapping/>
+  </p:clrMapOvr>
+</p:sld>
+</file>
+
+<file path=ppt/slides/slide32.xml><?xml version="1.0" encoding="utf-8"?>
+<p:sld xmlns:a="http://schemas.openxmlformats.org/drawingml/2006/main" xmlns:r="http://schemas.openxmlformats.org/officeDocument/2006/relationships" xmlns:p="http://schemas.openxmlformats.org/presentationml/2006/main">
+  <p:cSld>
+    <p:spTree>
+      <p:nvGrpSpPr>
+        <p:cNvPr id="1" name=""/>
+        <p:cNvGrpSpPr/>
+        <p:nvPr/>
+      </p:nvGrpSpPr>
+      <p:grpSpPr>
+        <a:xfrm>
+          <a:off x="0" y="0"/>
+          <a:ext cx="0" cy="0"/>
+          <a:chOff x="0" y="0"/>
+          <a:chExt cx="0" cy="0"/>
+        </a:xfrm>
+      </p:grpSpPr>
+      <p:sp>
+        <p:nvSpPr>
+          <p:cNvPr id="2" name="Title 1">
+            <a:extLst>
+              <a:ext uri="{FF2B5EF4-FFF2-40B4-BE49-F238E27FC236}">
                 <a16:creationId xmlns:a16="http://schemas.microsoft.com/office/drawing/2014/main" id="{58F54B16-9690-BB43-AD4B-414C14483F7A}"/>
               </a:ext>
             </a:extLst>
@@ -11526,7 +12269,7 @@
 </p:sld>
 </file>
 
-<file path=ppt/slides/slide32.xml><?xml version="1.0" encoding="utf-8"?>
+<file path=ppt/slides/slide33.xml><?xml version="1.0" encoding="utf-8"?>
 <p:sld xmlns:a="http://schemas.openxmlformats.org/drawingml/2006/main" xmlns:r="http://schemas.openxmlformats.org/officeDocument/2006/relationships" xmlns:p="http://schemas.openxmlformats.org/presentationml/2006/main">
   <p:cSld>
     <p:spTree>
@@ -11683,7 +12426,7 @@
 </p:sld>
 </file>
 
-<file path=ppt/slides/slide33.xml><?xml version="1.0" encoding="utf-8"?>
+<file path=ppt/slides/slide34.xml><?xml version="1.0" encoding="utf-8"?>
 <p:sld xmlns:a="http://schemas.openxmlformats.org/drawingml/2006/main" xmlns:r="http://schemas.openxmlformats.org/officeDocument/2006/relationships" xmlns:p="http://schemas.openxmlformats.org/presentationml/2006/main">
   <p:cSld>
     <p:spTree>
@@ -11912,132 +12655,6 @@
 </p:sld>
 </file>
 
-<file path=ppt/slides/slide34.xml><?xml version="1.0" encoding="utf-8"?>
-<p:sld xmlns:a="http://schemas.openxmlformats.org/drawingml/2006/main" xmlns:r="http://schemas.openxmlformats.org/officeDocument/2006/relationships" xmlns:p="http://schemas.openxmlformats.org/presentationml/2006/main">
-  <p:cSld>
-    <p:spTree>
-      <p:nvGrpSpPr>
-        <p:cNvPr id="1" name=""/>
-        <p:cNvGrpSpPr/>
-        <p:nvPr/>
-      </p:nvGrpSpPr>
-      <p:grpSpPr>
-        <a:xfrm>
-          <a:off x="0" y="0"/>
-          <a:ext cx="0" cy="0"/>
-          <a:chOff x="0" y="0"/>
-          <a:chExt cx="0" cy="0"/>
-        </a:xfrm>
-      </p:grpSpPr>
-      <p:sp>
-        <p:nvSpPr>
-          <p:cNvPr id="2" name="Title 1">
-            <a:extLst>
-              <a:ext uri="{FF2B5EF4-FFF2-40B4-BE49-F238E27FC236}">
-                <a16:creationId xmlns:a16="http://schemas.microsoft.com/office/drawing/2014/main" id="{EEED339F-2BE6-424C-B93A-8322D8D721EF}"/>
-              </a:ext>
-            </a:extLst>
-          </p:cNvPr>
-          <p:cNvSpPr>
-            <a:spLocks noGrp="1"/>
-          </p:cNvSpPr>
-          <p:nvPr>
-            <p:ph type="title"/>
-          </p:nvPr>
-        </p:nvSpPr>
-        <p:spPr/>
-        <p:txBody>
-          <a:bodyPr/>
-          <a:lstStyle/>
-          <a:p>
-            <a:r>
-              <a:rPr lang="en-US" dirty="0"/>
-              <a:t>Debugging Tips</a:t>
-            </a:r>
-          </a:p>
-        </p:txBody>
-      </p:sp>
-      <p:sp>
-        <p:nvSpPr>
-          <p:cNvPr id="3" name="Content Placeholder 2">
-            <a:extLst>
-              <a:ext uri="{FF2B5EF4-FFF2-40B4-BE49-F238E27FC236}">
-                <a16:creationId xmlns:a16="http://schemas.microsoft.com/office/drawing/2014/main" id="{AFCBD54E-A21B-304A-B05F-50EAD1842879}"/>
-              </a:ext>
-            </a:extLst>
-          </p:cNvPr>
-          <p:cNvSpPr>
-            <a:spLocks noGrp="1"/>
-          </p:cNvSpPr>
-          <p:nvPr>
-            <p:ph idx="1"/>
-          </p:nvPr>
-        </p:nvSpPr>
-        <p:spPr/>
-        <p:txBody>
-          <a:bodyPr/>
-          <a:lstStyle/>
-          <a:p>
-            <a:r>
-              <a:rPr lang="en-US" dirty="0" err="1"/>
-              <a:t>console.log</a:t>
-            </a:r>
-            <a:r>
-              <a:rPr lang="en-US" dirty="0"/>
-              <a:t> and </a:t>
-            </a:r>
-            <a:r>
-              <a:rPr lang="en-US" dirty="0" err="1"/>
-              <a:t>console.table</a:t>
-            </a:r>
-            <a:r>
-              <a:rPr lang="en-US" dirty="0"/>
-              <a:t> are great for dumping the contents of variables or arrays, respectively</a:t>
-            </a:r>
-          </a:p>
-          <a:p>
-            <a:r>
-              <a:rPr lang="en-US" dirty="0"/>
-              <a:t>Pepper them through your code and look in the console to see what is happening.</a:t>
-            </a:r>
-          </a:p>
-          <a:p>
-            <a:r>
-              <a:rPr lang="en-US" dirty="0"/>
-              <a:t>I have added a </a:t>
-            </a:r>
-            <a:r>
-              <a:rPr lang="en-US" dirty="0" err="1"/>
-              <a:t>console.log</a:t>
-            </a:r>
-            <a:r>
-              <a:rPr lang="en-US" dirty="0"/>
-              <a:t> for the X and Y </a:t>
-            </a:r>
-            <a:r>
-              <a:rPr lang="en-US" dirty="0" err="1"/>
-              <a:t>coords</a:t>
-            </a:r>
-            <a:r>
-              <a:rPr lang="en-US" dirty="0"/>
-              <a:t> in the sample code for this module. Open the console to see the flow of info</a:t>
-            </a:r>
-          </a:p>
-        </p:txBody>
-      </p:sp>
-    </p:spTree>
-    <p:extLst>
-      <p:ext uri="{BB962C8B-B14F-4D97-AF65-F5344CB8AC3E}">
-        <p14:creationId xmlns:p14="http://schemas.microsoft.com/office/powerpoint/2010/main" val="3747061541"/>
-      </p:ext>
-    </p:extLst>
-  </p:cSld>
-  <p:clrMapOvr>
-    <a:masterClrMapping/>
-  </p:clrMapOvr>
-</p:sld>
-</file>
-
 <file path=ppt/slides/slide35.xml><?xml version="1.0" encoding="utf-8"?>
 <p:sld xmlns:a="http://schemas.openxmlformats.org/drawingml/2006/main" xmlns:r="http://schemas.openxmlformats.org/officeDocument/2006/relationships" xmlns:p="http://schemas.openxmlformats.org/presentationml/2006/main">
   <p:cSld>
@@ -12060,7 +12677,7 @@
           <p:cNvPr id="2" name="Title 1">
             <a:extLst>
               <a:ext uri="{FF2B5EF4-FFF2-40B4-BE49-F238E27FC236}">
-                <a16:creationId xmlns:a16="http://schemas.microsoft.com/office/drawing/2014/main" id="{92D14981-F431-8641-8379-5EA142679709}"/>
+                <a16:creationId xmlns:a16="http://schemas.microsoft.com/office/drawing/2014/main" id="{EEED339F-2BE6-424C-B93A-8322D8D721EF}"/>
               </a:ext>
             </a:extLst>
           </p:cNvPr>
@@ -12078,7 +12695,7 @@
           <a:p>
             <a:r>
               <a:rPr lang="en-US" dirty="0"/>
-              <a:t>Debugging</a:t>
+              <a:t>Debugging Tips</a:t>
             </a:r>
           </a:p>
         </p:txBody>
@@ -12088,7 +12705,7 @@
           <p:cNvPr id="3" name="Content Placeholder 2">
             <a:extLst>
               <a:ext uri="{FF2B5EF4-FFF2-40B4-BE49-F238E27FC236}">
-                <a16:creationId xmlns:a16="http://schemas.microsoft.com/office/drawing/2014/main" id="{8D8E1E0A-CB88-694E-8179-656A0B285833}"/>
+                <a16:creationId xmlns:a16="http://schemas.microsoft.com/office/drawing/2014/main" id="{AFCBD54E-A21B-304A-B05F-50EAD1842879}"/>
               </a:ext>
             </a:extLst>
           </p:cNvPr>
@@ -12105,40 +12722,48 @@
           <a:lstStyle/>
           <a:p>
             <a:r>
-              <a:rPr lang="en-US" dirty="0"/>
-              <a:t>Make sure you have a good </a:t>
-            </a:r>
-            <a:r>
-              <a:rPr lang="en-US" dirty="0">
-                <a:solidFill>
-                  <a:srgbClr val="FF0000"/>
-                </a:solidFill>
-              </a:rPr>
-              <a:t>lint</a:t>
-            </a:r>
-            <a:r>
-              <a:rPr lang="en-US" dirty="0"/>
-              <a:t> extension added to your editor</a:t>
-            </a:r>
-          </a:p>
-          <a:p>
-            <a:r>
-              <a:rPr lang="en-US" dirty="0"/>
-              <a:t>In VS Code just search for LINT in the extensions window</a:t>
-            </a:r>
-          </a:p>
-          <a:p>
-            <a:r>
-              <a:rPr lang="en-US" dirty="0"/>
-              <a:t>I use </a:t>
-            </a:r>
-            <a:r>
               <a:rPr lang="en-US" dirty="0" err="1"/>
-              <a:t>ESLint</a:t>
-            </a:r>
-            <a:r>
-              <a:rPr lang="en-US" dirty="0"/>
-              <a:t> but there are many to choose from</a:t>
+              <a:t>console.log</a:t>
+            </a:r>
+            <a:r>
+              <a:rPr lang="en-US" dirty="0"/>
+              <a:t> and </a:t>
+            </a:r>
+            <a:r>
+              <a:rPr lang="en-US" dirty="0" err="1"/>
+              <a:t>console.table</a:t>
+            </a:r>
+            <a:r>
+              <a:rPr lang="en-US" dirty="0"/>
+              <a:t> are great for dumping the contents of variables or arrays, respectively</a:t>
+            </a:r>
+          </a:p>
+          <a:p>
+            <a:r>
+              <a:rPr lang="en-US" dirty="0"/>
+              <a:t>Pepper them through your code and look in the console to see what is happening.</a:t>
+            </a:r>
+          </a:p>
+          <a:p>
+            <a:r>
+              <a:rPr lang="en-US" dirty="0"/>
+              <a:t>I have added a </a:t>
+            </a:r>
+            <a:r>
+              <a:rPr lang="en-US" dirty="0" err="1"/>
+              <a:t>console.log</a:t>
+            </a:r>
+            <a:r>
+              <a:rPr lang="en-US" dirty="0"/>
+              <a:t> for the X and Y </a:t>
+            </a:r>
+            <a:r>
+              <a:rPr lang="en-US" dirty="0" err="1"/>
+              <a:t>coords</a:t>
+            </a:r>
+            <a:r>
+              <a:rPr lang="en-US" dirty="0"/>
+              <a:t> in the sample code for this module. Open the console to see the flow of info</a:t>
             </a:r>
           </a:p>
         </p:txBody>
@@ -12146,7 +12771,7 @@
     </p:spTree>
     <p:extLst>
       <p:ext uri="{BB962C8B-B14F-4D97-AF65-F5344CB8AC3E}">
-        <p14:creationId xmlns:p14="http://schemas.microsoft.com/office/powerpoint/2010/main" val="1182121146"/>
+        <p14:creationId xmlns:p14="http://schemas.microsoft.com/office/powerpoint/2010/main" val="3747061541"/>
       </p:ext>
     </p:extLst>
   </p:cSld>
@@ -12178,7 +12803,7 @@
           <p:cNvPr id="2" name="Title 1">
             <a:extLst>
               <a:ext uri="{FF2B5EF4-FFF2-40B4-BE49-F238E27FC236}">
-                <a16:creationId xmlns:a16="http://schemas.microsoft.com/office/drawing/2014/main" id="{B20F70B3-FE08-7F41-A65E-7B0233C2CE87}"/>
+                <a16:creationId xmlns:a16="http://schemas.microsoft.com/office/drawing/2014/main" id="{92D14981-F431-8641-8379-5EA142679709}"/>
               </a:ext>
             </a:extLst>
           </p:cNvPr>
@@ -12196,7 +12821,7 @@
           <a:p>
             <a:r>
               <a:rPr lang="en-US" dirty="0"/>
-              <a:t>Minification</a:t>
+              <a:t>Debugging</a:t>
             </a:r>
           </a:p>
         </p:txBody>
@@ -12206,7 +12831,7 @@
           <p:cNvPr id="3" name="Content Placeholder 2">
             <a:extLst>
               <a:ext uri="{FF2B5EF4-FFF2-40B4-BE49-F238E27FC236}">
-                <a16:creationId xmlns:a16="http://schemas.microsoft.com/office/drawing/2014/main" id="{73AC4215-F7D3-5548-B503-EA3A05F0AB34}"/>
+                <a16:creationId xmlns:a16="http://schemas.microsoft.com/office/drawing/2014/main" id="{8D8E1E0A-CB88-694E-8179-656A0B285833}"/>
               </a:ext>
             </a:extLst>
           </p:cNvPr>
@@ -12224,37 +12849,39 @@
           <a:p>
             <a:r>
               <a:rPr lang="en-US" dirty="0"/>
-              <a:t>Often you will see Bootstrap CSS or JS file that has .min. in the name</a:t>
-            </a:r>
-          </a:p>
-          <a:p>
-            <a:r>
-              <a:rPr lang="en-US" dirty="0"/>
-              <a:t>What is going on there?</a:t>
-            </a:r>
-          </a:p>
-          <a:p>
-            <a:r>
-              <a:rPr lang="en-US" dirty="0"/>
-              <a:t>You can minify (opposite of magnify) your files.</a:t>
-            </a:r>
-          </a:p>
-          <a:p>
-            <a:r>
-              <a:rPr lang="en-US" dirty="0"/>
-              <a:t>This will strip out all unnecessary white space to make the file smaller and faster loading</a:t>
-            </a:r>
-          </a:p>
-          <a:p>
-            <a:r>
-              <a:rPr lang="en-US" dirty="0"/>
-              <a:t>It also makes it neigh impossible to read</a:t>
-            </a:r>
-          </a:p>
-          <a:p>
-            <a:r>
-              <a:rPr lang="en-US" dirty="0"/>
-              <a:t>(not helpful for debugging purposes)</a:t>
+              <a:t>Make sure you have a good </a:t>
+            </a:r>
+            <a:r>
+              <a:rPr lang="en-US" dirty="0">
+                <a:solidFill>
+                  <a:srgbClr val="FF0000"/>
+                </a:solidFill>
+              </a:rPr>
+              <a:t>lint</a:t>
+            </a:r>
+            <a:r>
+              <a:rPr lang="en-US" dirty="0"/>
+              <a:t> extension added to your editor</a:t>
+            </a:r>
+          </a:p>
+          <a:p>
+            <a:r>
+              <a:rPr lang="en-US" dirty="0"/>
+              <a:t>In VS Code just search for LINT in the extensions window</a:t>
+            </a:r>
+          </a:p>
+          <a:p>
+            <a:r>
+              <a:rPr lang="en-US" dirty="0"/>
+              <a:t>I use </a:t>
+            </a:r>
+            <a:r>
+              <a:rPr lang="en-US" dirty="0" err="1"/>
+              <a:t>ESLint</a:t>
+            </a:r>
+            <a:r>
+              <a:rPr lang="en-US" dirty="0"/>
+              <a:t> but there are many to choose from</a:t>
             </a:r>
           </a:p>
         </p:txBody>
@@ -12262,7 +12889,7 @@
     </p:spTree>
     <p:extLst>
       <p:ext uri="{BB962C8B-B14F-4D97-AF65-F5344CB8AC3E}">
-        <p14:creationId xmlns:p14="http://schemas.microsoft.com/office/powerpoint/2010/main" val="1880326198"/>
+        <p14:creationId xmlns:p14="http://schemas.microsoft.com/office/powerpoint/2010/main" val="1182121146"/>
       </p:ext>
     </p:extLst>
   </p:cSld>
@@ -12294,7 +12921,7 @@
           <p:cNvPr id="2" name="Title 1">
             <a:extLst>
               <a:ext uri="{FF2B5EF4-FFF2-40B4-BE49-F238E27FC236}">
-                <a16:creationId xmlns:a16="http://schemas.microsoft.com/office/drawing/2014/main" id="{F76EEFF3-B5B7-1C47-B4F5-3B9339D6ABDE}"/>
+                <a16:creationId xmlns:a16="http://schemas.microsoft.com/office/drawing/2014/main" id="{B20F70B3-FE08-7F41-A65E-7B0233C2CE87}"/>
               </a:ext>
             </a:extLst>
           </p:cNvPr>
@@ -12312,14 +12939,7 @@
           <a:p>
             <a:r>
               <a:rPr lang="en-US" dirty="0"/>
-              <a:t>JavaScript Code</a:t>
-            </a:r>
-            <a:br>
-              <a:rPr lang="en-US" dirty="0"/>
-            </a:br>
-            <a:r>
-              <a:rPr lang="en-US" dirty="0"/>
-              <a:t>What is the same with other languages</a:t>
+              <a:t>Minification</a:t>
             </a:r>
           </a:p>
         </p:txBody>
@@ -12329,7 +12949,7 @@
           <p:cNvPr id="3" name="Content Placeholder 2">
             <a:extLst>
               <a:ext uri="{FF2B5EF4-FFF2-40B4-BE49-F238E27FC236}">
-                <a16:creationId xmlns:a16="http://schemas.microsoft.com/office/drawing/2014/main" id="{7B74AF37-EEC6-7942-B32E-F1139F3EEB09}"/>
+                <a16:creationId xmlns:a16="http://schemas.microsoft.com/office/drawing/2014/main" id="{73AC4215-F7D3-5548-B503-EA3A05F0AB34}"/>
               </a:ext>
             </a:extLst>
           </p:cNvPr>
@@ -12347,42 +12967,49 @@
           <a:p>
             <a:r>
               <a:rPr lang="en-US" dirty="0"/>
-              <a:t>JS has all the usual constructs from Java and C</a:t>
-            </a:r>
-          </a:p>
-          <a:p>
-            <a:pPr lvl="1"/>
-            <a:r>
-              <a:rPr lang="en-US" dirty="0"/>
-              <a:t>if else</a:t>
-            </a:r>
-          </a:p>
-          <a:p>
-            <a:pPr lvl="1"/>
-            <a:r>
-              <a:rPr lang="en-US" dirty="0"/>
-              <a:t>switch case</a:t>
-            </a:r>
-          </a:p>
-          <a:p>
-            <a:pPr lvl="1"/>
-            <a:r>
-              <a:rPr lang="en-US" dirty="0"/>
-              <a:t>while</a:t>
-            </a:r>
-          </a:p>
-          <a:p>
-            <a:pPr lvl="1"/>
-            <a:r>
-              <a:rPr lang="en-US" dirty="0"/>
-              <a:t>for</a:t>
-            </a:r>
-          </a:p>
-          <a:p>
-            <a:pPr lvl="1"/>
-            <a:r>
-              <a:rPr lang="en-US" dirty="0"/>
-              <a:t>do while</a:t>
+              <a:t>Often you will see Bootstrap CSS or JS file that has </a:t>
+            </a:r>
+            <a:r>
+              <a:rPr lang="en-US" dirty="0">
+                <a:solidFill>
+                  <a:srgbClr val="FFC000"/>
+                </a:solidFill>
+              </a:rPr>
+              <a:t>.min.</a:t>
+            </a:r>
+            <a:r>
+              <a:rPr lang="en-US" dirty="0"/>
+              <a:t> in the name</a:t>
+            </a:r>
+          </a:p>
+          <a:p>
+            <a:r>
+              <a:rPr lang="en-US" dirty="0"/>
+              <a:t>What is going on there?</a:t>
+            </a:r>
+          </a:p>
+          <a:p>
+            <a:r>
+              <a:rPr lang="en-US" dirty="0"/>
+              <a:t>You can minify (opposite of magnify) your files.</a:t>
+            </a:r>
+          </a:p>
+          <a:p>
+            <a:r>
+              <a:rPr lang="en-US" dirty="0"/>
+              <a:t>This will strip out all unnecessary white space to make the file smaller and faster loading</a:t>
+            </a:r>
+          </a:p>
+          <a:p>
+            <a:r>
+              <a:rPr lang="en-US" dirty="0"/>
+              <a:t>It also makes it neigh impossible to read</a:t>
+            </a:r>
+          </a:p>
+          <a:p>
+            <a:r>
+              <a:rPr lang="en-US" dirty="0"/>
+              <a:t>(not helpful for debugging purposes)</a:t>
             </a:r>
           </a:p>
         </p:txBody>
@@ -12390,7 +13017,7 @@
     </p:spTree>
     <p:extLst>
       <p:ext uri="{BB962C8B-B14F-4D97-AF65-F5344CB8AC3E}">
-        <p14:creationId xmlns:p14="http://schemas.microsoft.com/office/powerpoint/2010/main" val="3898245699"/>
+        <p14:creationId xmlns:p14="http://schemas.microsoft.com/office/powerpoint/2010/main" val="1880326198"/>
       </p:ext>
     </p:extLst>
   </p:cSld>
@@ -12447,7 +13074,7 @@
             </a:br>
             <a:r>
               <a:rPr lang="en-US" dirty="0"/>
-              <a:t>What is different with other languages</a:t>
+              <a:t>What is the same with other languages</a:t>
             </a:r>
           </a:p>
         </p:txBody>
@@ -12475,55 +13102,42 @@
           <a:p>
             <a:r>
               <a:rPr lang="en-US" dirty="0"/>
-              <a:t>Variables do not have ‘types’</a:t>
-            </a:r>
-          </a:p>
-          <a:p>
-            <a:r>
-              <a:rPr lang="en-US" dirty="0"/>
-              <a:t>There are no int, string, long, float key words</a:t>
-            </a:r>
-          </a:p>
-          <a:p>
-            <a:r>
-              <a:rPr lang="en-US" dirty="0"/>
-              <a:t>How ever a variable CAN contain an int, string, long, or float</a:t>
-            </a:r>
-          </a:p>
-          <a:p>
-            <a:r>
-              <a:rPr lang="en-US" dirty="0"/>
-              <a:t>And the same variable can at different times be a float or an int or a string</a:t>
-            </a:r>
-          </a:p>
-          <a:p>
-            <a:r>
-              <a:rPr lang="en-US" dirty="0"/>
-              <a:t>We declare a variable using the </a:t>
-            </a:r>
-            <a:r>
-              <a:rPr lang="en-US" dirty="0">
-                <a:solidFill>
-                  <a:srgbClr val="FF0000"/>
-                </a:solidFill>
-              </a:rPr>
-              <a:t>let</a:t>
-            </a:r>
-            <a:r>
-              <a:rPr lang="en-US" dirty="0"/>
-              <a:t> or </a:t>
-            </a:r>
-            <a:r>
-              <a:rPr lang="en-US" dirty="0">
-                <a:solidFill>
-                  <a:srgbClr val="FF0000"/>
-                </a:solidFill>
-              </a:rPr>
-              <a:t>var</a:t>
-            </a:r>
-            <a:r>
-              <a:rPr lang="en-US" dirty="0"/>
-              <a:t> key word</a:t>
+              <a:t>JS has all the usual constructs from Java and C</a:t>
+            </a:r>
+          </a:p>
+          <a:p>
+            <a:pPr lvl="1"/>
+            <a:r>
+              <a:rPr lang="en-US" dirty="0"/>
+              <a:t>if else</a:t>
+            </a:r>
+          </a:p>
+          <a:p>
+            <a:pPr lvl="1"/>
+            <a:r>
+              <a:rPr lang="en-US" dirty="0"/>
+              <a:t>switch case</a:t>
+            </a:r>
+          </a:p>
+          <a:p>
+            <a:pPr lvl="1"/>
+            <a:r>
+              <a:rPr lang="en-US" dirty="0"/>
+              <a:t>while</a:t>
+            </a:r>
+          </a:p>
+          <a:p>
+            <a:pPr lvl="1"/>
+            <a:r>
+              <a:rPr lang="en-US" dirty="0"/>
+              <a:t>for</a:t>
+            </a:r>
+          </a:p>
+          <a:p>
+            <a:pPr lvl="1"/>
+            <a:r>
+              <a:rPr lang="en-US" dirty="0"/>
+              <a:t>do while</a:t>
             </a:r>
           </a:p>
         </p:txBody>
@@ -12531,7 +13145,7 @@
     </p:spTree>
     <p:extLst>
       <p:ext uri="{BB962C8B-B14F-4D97-AF65-F5344CB8AC3E}">
-        <p14:creationId xmlns:p14="http://schemas.microsoft.com/office/powerpoint/2010/main" val="2174092732"/>
+        <p14:creationId xmlns:p14="http://schemas.microsoft.com/office/powerpoint/2010/main" val="3898245699"/>
       </p:ext>
     </p:extLst>
   </p:cSld>
@@ -12563,7 +13177,7 @@
           <p:cNvPr id="2" name="Title 1">
             <a:extLst>
               <a:ext uri="{FF2B5EF4-FFF2-40B4-BE49-F238E27FC236}">
-                <a16:creationId xmlns:a16="http://schemas.microsoft.com/office/drawing/2014/main" id="{3EE7C3E4-C198-BB4A-A611-E87197D14B32}"/>
+                <a16:creationId xmlns:a16="http://schemas.microsoft.com/office/drawing/2014/main" id="{F76EEFF3-B5B7-1C47-B4F5-3B9339D6ABDE}"/>
               </a:ext>
             </a:extLst>
           </p:cNvPr>
@@ -12581,14 +13195,14 @@
           <a:p>
             <a:r>
               <a:rPr lang="en-US" dirty="0"/>
-              <a:t>Let or var</a:t>
+              <a:t>JavaScript Code</a:t>
             </a:r>
             <a:br>
               <a:rPr lang="en-US" dirty="0"/>
             </a:br>
             <a:r>
               <a:rPr lang="en-US" dirty="0"/>
-              <a:t>What is the difference?</a:t>
+              <a:t>What is different with other languages</a:t>
             </a:r>
           </a:p>
         </p:txBody>
@@ -12598,7 +13212,7 @@
           <p:cNvPr id="3" name="Content Placeholder 2">
             <a:extLst>
               <a:ext uri="{FF2B5EF4-FFF2-40B4-BE49-F238E27FC236}">
-                <a16:creationId xmlns:a16="http://schemas.microsoft.com/office/drawing/2014/main" id="{76AD7463-DDEB-2543-85C4-D2CD5BAE85E1}"/>
+                <a16:creationId xmlns:a16="http://schemas.microsoft.com/office/drawing/2014/main" id="{7B74AF37-EEC6-7942-B32E-F1139F3EEB09}"/>
               </a:ext>
             </a:extLst>
           </p:cNvPr>
@@ -12615,110 +13229,56 @@
           <a:lstStyle/>
           <a:p>
             <a:r>
+              <a:rPr lang="en-US" dirty="0"/>
+              <a:t>Variables do not have ‘types’</a:t>
+            </a:r>
+          </a:p>
+          <a:p>
+            <a:r>
+              <a:rPr lang="en-US" dirty="0"/>
+              <a:t>There are no int, string, long, float key words</a:t>
+            </a:r>
+          </a:p>
+          <a:p>
+            <a:r>
+              <a:rPr lang="en-US" dirty="0"/>
+              <a:t>How ever a variable CAN contain an int, string, long, or float</a:t>
+            </a:r>
+          </a:p>
+          <a:p>
+            <a:r>
+              <a:rPr lang="en-US" dirty="0"/>
+              <a:t>And the same variable can at different times be a float or an int or a string</a:t>
+            </a:r>
+          </a:p>
+          <a:p>
+            <a:r>
+              <a:rPr lang="en-US" dirty="0"/>
+              <a:t>We declare a variable using the </a:t>
+            </a:r>
+            <a:r>
               <a:rPr lang="en-US" dirty="0">
                 <a:solidFill>
-                  <a:schemeClr val="tx2">
-                    <a:lumMod val="50000"/>
-                  </a:schemeClr>
+                  <a:srgbClr val="FF0000"/>
+                </a:solidFill>
+              </a:rPr>
+              <a:t>let</a:t>
+            </a:r>
+            <a:r>
+              <a:rPr lang="en-US" dirty="0"/>
+              <a:t> or </a:t>
+            </a:r>
+            <a:r>
+              <a:rPr lang="en-US" dirty="0">
+                <a:solidFill>
+                  <a:srgbClr val="FF0000"/>
                 </a:solidFill>
               </a:rPr>
               <a:t>var</a:t>
             </a:r>
             <a:r>
               <a:rPr lang="en-US" dirty="0"/>
-              <a:t> was the original variable declaration key word</a:t>
-            </a:r>
-          </a:p>
-          <a:p>
-            <a:pPr lvl="1"/>
-            <a:r>
-              <a:rPr lang="en-US" dirty="0">
-                <a:solidFill>
-                  <a:schemeClr val="tx2">
-                    <a:lumMod val="50000"/>
-                  </a:schemeClr>
-                </a:solidFill>
-              </a:rPr>
-              <a:t>var</a:t>
-            </a:r>
-            <a:r>
-              <a:rPr lang="en-US" dirty="0"/>
-              <a:t> </a:t>
-            </a:r>
-            <a:r>
-              <a:rPr lang="en-US" dirty="0" err="1"/>
-              <a:t>firstName</a:t>
-            </a:r>
-            <a:r>
-              <a:rPr lang="en-US" dirty="0"/>
-              <a:t>, </a:t>
-            </a:r>
-            <a:r>
-              <a:rPr lang="en-US" dirty="0" err="1"/>
-              <a:t>lastName</a:t>
-            </a:r>
-            <a:r>
-              <a:rPr lang="en-US" dirty="0"/>
-              <a:t>, </a:t>
-            </a:r>
-            <a:r>
-              <a:rPr lang="en-US" dirty="0" err="1"/>
-              <a:t>dateOfBirth</a:t>
-            </a:r>
-            <a:r>
-              <a:rPr lang="en-US" dirty="0"/>
-              <a:t>;</a:t>
-            </a:r>
-          </a:p>
-          <a:p>
-            <a:r>
-              <a:rPr lang="en-US" dirty="0"/>
-              <a:t>You could actually just get away with this originally</a:t>
-            </a:r>
-          </a:p>
-          <a:p>
-            <a:pPr lvl="1"/>
-            <a:r>
-              <a:rPr lang="en-US" strike="sngStrike" dirty="0" err="1">
-                <a:solidFill>
-                  <a:srgbClr val="FF0000"/>
-                </a:solidFill>
-              </a:rPr>
-              <a:t>firstName</a:t>
-            </a:r>
-            <a:r>
-              <a:rPr lang="en-US" dirty="0"/>
-              <a:t> = “Gary James”;</a:t>
-            </a:r>
-          </a:p>
-          <a:p>
-            <a:pPr lvl="1"/>
-            <a:r>
-              <a:rPr lang="en-US" dirty="0"/>
-              <a:t>Bad bad bad!</a:t>
-            </a:r>
-          </a:p>
-          <a:p>
-            <a:r>
-              <a:rPr lang="en-US" dirty="0">
-                <a:solidFill>
-                  <a:schemeClr val="tx2">
-                    <a:lumMod val="50000"/>
-                  </a:schemeClr>
-                </a:solidFill>
-              </a:rPr>
-              <a:t>var</a:t>
-            </a:r>
-            <a:r>
-              <a:rPr lang="en-US" dirty="0"/>
-              <a:t> makes a variable have global scope</a:t>
-            </a:r>
-          </a:p>
-          <a:p>
-            <a:pPr lvl="1"/>
-            <a:r>
-              <a:rPr lang="en-US" dirty="0"/>
-              <a:t>Not a safe practice </a:t>
+              <a:t> key word</a:t>
             </a:r>
           </a:p>
         </p:txBody>
@@ -12726,7 +13286,7 @@
     </p:spTree>
     <p:extLst>
       <p:ext uri="{BB962C8B-B14F-4D97-AF65-F5344CB8AC3E}">
-        <p14:creationId xmlns:p14="http://schemas.microsoft.com/office/powerpoint/2010/main" val="1124414137"/>
+        <p14:creationId xmlns:p14="http://schemas.microsoft.com/office/powerpoint/2010/main" val="2174092732"/>
       </p:ext>
     </p:extLst>
   </p:cSld>
@@ -12797,9 +13357,16 @@
             <p:ph idx="1"/>
           </p:nvPr>
         </p:nvSpPr>
-        <p:spPr/>
-        <p:txBody>
-          <a:bodyPr/>
+        <p:spPr>
+          <a:xfrm>
+            <a:off x="2773599" y="2052116"/>
+            <a:ext cx="7796540" cy="4294896"/>
+          </a:xfrm>
+        </p:spPr>
+        <p:txBody>
+          <a:bodyPr>
+            <a:normAutofit/>
+          </a:bodyPr>
           <a:lstStyle/>
           <a:p>
             <a:r>
@@ -12808,21 +13375,77 @@
             </a:r>
           </a:p>
           <a:p>
-            <a:r>
-              <a:rPr lang="en-US" dirty="0"/>
-              <a:t>But that mixes your MVC</a:t>
-            </a:r>
-          </a:p>
-          <a:p>
-            <a:r>
-              <a:rPr lang="en-US" dirty="0"/>
-              <a:t>Or better yet put it in a JS file, usually in a sub folder </a:t>
-            </a:r>
-            <a:r>
-              <a:rPr lang="en-US"/>
-              <a:t>just for JS</a:t>
-            </a:r>
-            <a:endParaRPr lang="en-US" dirty="0"/>
+            <a:pPr lvl="1"/>
+            <a:r>
+              <a:rPr lang="en-US" dirty="0"/>
+              <a:t>But that messes with your </a:t>
+            </a:r>
+            <a:r>
+              <a:rPr lang="en-US" dirty="0">
+                <a:solidFill>
+                  <a:srgbClr val="92D050"/>
+                </a:solidFill>
+              </a:rPr>
+              <a:t>MVC</a:t>
+            </a:r>
+          </a:p>
+          <a:p>
+            <a:r>
+              <a:rPr lang="en-US" dirty="0"/>
+              <a:t>Better yet put it in a JS file, usually in a sub folder just for JS</a:t>
+            </a:r>
+          </a:p>
+          <a:p>
+            <a:pPr lvl="1"/>
+            <a:r>
+              <a:rPr lang="en-US" dirty="0"/>
+              <a:t>Folder is often called </a:t>
+            </a:r>
+            <a:r>
+              <a:rPr lang="en-US" dirty="0" err="1">
+                <a:solidFill>
+                  <a:schemeClr val="tx2">
+                    <a:lumMod val="75000"/>
+                  </a:schemeClr>
+                </a:solidFill>
+              </a:rPr>
+              <a:t>js</a:t>
+            </a:r>
+            <a:r>
+              <a:rPr lang="en-US" dirty="0"/>
+              <a:t> or </a:t>
+            </a:r>
+            <a:r>
+              <a:rPr lang="en-US" dirty="0">
+                <a:solidFill>
+                  <a:schemeClr val="tx2">
+                    <a:lumMod val="75000"/>
+                  </a:schemeClr>
+                </a:solidFill>
+              </a:rPr>
+              <a:t>script</a:t>
+            </a:r>
+            <a:r>
+              <a:rPr lang="en-US" dirty="0"/>
+              <a:t> or </a:t>
+            </a:r>
+            <a:r>
+              <a:rPr lang="en-US" dirty="0" err="1">
+                <a:solidFill>
+                  <a:schemeClr val="tx2">
+                    <a:lumMod val="75000"/>
+                  </a:schemeClr>
+                </a:solidFill>
+              </a:rPr>
+              <a:t>javascript</a:t>
+            </a:r>
+            <a:endParaRPr lang="en-US" dirty="0">
+              <a:solidFill>
+                <a:schemeClr val="tx2">
+                  <a:lumMod val="75000"/>
+                </a:schemeClr>
+              </a:solidFill>
+            </a:endParaRPr>
           </a:p>
           <a:p>
             <a:pPr lvl="1"/>
@@ -12839,7 +13462,13 @@
               <a:t>="</a:t>
             </a:r>
             <a:r>
-              <a:rPr lang="en-US" dirty="0" err="1"/>
+              <a:rPr lang="en-US" dirty="0" err="1">
+                <a:solidFill>
+                  <a:schemeClr val="tx2">
+                    <a:lumMod val="75000"/>
+                  </a:schemeClr>
+                </a:solidFill>
+              </a:rPr>
               <a:t>js</a:t>
             </a:r>
             <a:r>
@@ -12858,19 +13487,55 @@
           <a:p>
             <a:r>
               <a:rPr lang="en-US" dirty="0"/>
-              <a:t>HTML files separate out the View </a:t>
-            </a:r>
-          </a:p>
-          <a:p>
-            <a:r>
-              <a:rPr lang="en-US" dirty="0"/>
-              <a:t>JS files separate out the Controller logic</a:t>
-            </a:r>
-          </a:p>
-          <a:p>
-            <a:r>
-              <a:rPr lang="en-US" dirty="0"/>
-              <a:t>Your Model data comes from an API request in JSON format</a:t>
+              <a:t>HTML files separate out the </a:t>
+            </a:r>
+            <a:r>
+              <a:rPr lang="en-US" dirty="0">
+                <a:solidFill>
+                  <a:srgbClr val="92D050"/>
+                </a:solidFill>
+              </a:rPr>
+              <a:t>View</a:t>
+            </a:r>
+            <a:r>
+              <a:rPr lang="en-US" dirty="0"/>
+              <a:t> </a:t>
+            </a:r>
+          </a:p>
+          <a:p>
+            <a:r>
+              <a:rPr lang="en-US" dirty="0"/>
+              <a:t>JS files separate out the </a:t>
+            </a:r>
+            <a:r>
+              <a:rPr lang="en-US" dirty="0">
+                <a:solidFill>
+                  <a:srgbClr val="92D050"/>
+                </a:solidFill>
+              </a:rPr>
+              <a:t>Controller</a:t>
+            </a:r>
+            <a:r>
+              <a:rPr lang="en-US" dirty="0"/>
+              <a:t> logic</a:t>
+            </a:r>
+          </a:p>
+          <a:p>
+            <a:r>
+              <a:rPr lang="en-US" dirty="0"/>
+              <a:t>Your </a:t>
+            </a:r>
+            <a:r>
+              <a:rPr lang="en-US" dirty="0">
+                <a:solidFill>
+                  <a:srgbClr val="92D050"/>
+                </a:solidFill>
+              </a:rPr>
+              <a:t>Model</a:t>
+            </a:r>
+            <a:r>
+              <a:rPr lang="en-US" dirty="0"/>
+              <a:t> data comes from an API request in JSON format</a:t>
             </a:r>
           </a:p>
           <a:p>
@@ -12913,7 +13578,7 @@
           <p:cNvPr id="2" name="Title 1">
             <a:extLst>
               <a:ext uri="{FF2B5EF4-FFF2-40B4-BE49-F238E27FC236}">
-                <a16:creationId xmlns:a16="http://schemas.microsoft.com/office/drawing/2014/main" id="{C51CA1B0-CB79-EB40-B6E6-A83C8F504BCE}"/>
+                <a16:creationId xmlns:a16="http://schemas.microsoft.com/office/drawing/2014/main" id="{3EE7C3E4-C198-BB4A-A611-E87197D14B32}"/>
               </a:ext>
             </a:extLst>
           </p:cNvPr>
@@ -12931,15 +13596,14 @@
           <a:p>
             <a:r>
               <a:rPr lang="en-US" dirty="0"/>
-              <a:t>Let’s create a variable using </a:t>
-            </a:r>
-            <a:r>
-              <a:rPr lang="en-US" dirty="0">
-                <a:solidFill>
-                  <a:srgbClr val="92D050"/>
-                </a:solidFill>
-              </a:rPr>
-              <a:t>let</a:t>
+              <a:t>Let or var</a:t>
+            </a:r>
+            <a:br>
+              <a:rPr lang="en-US" dirty="0"/>
+            </a:br>
+            <a:r>
+              <a:rPr lang="en-US" dirty="0"/>
+              <a:t>What is the difference?</a:t>
             </a:r>
           </a:p>
         </p:txBody>
@@ -12949,7 +13613,7 @@
           <p:cNvPr id="3" name="Content Placeholder 2">
             <a:extLst>
               <a:ext uri="{FF2B5EF4-FFF2-40B4-BE49-F238E27FC236}">
-                <a16:creationId xmlns:a16="http://schemas.microsoft.com/office/drawing/2014/main" id="{8F1E7018-09E8-084D-ABB2-16CC27A475B3}"/>
+                <a16:creationId xmlns:a16="http://schemas.microsoft.com/office/drawing/2014/main" id="{76AD7463-DDEB-2543-85C4-D2CD5BAE85E1}"/>
               </a:ext>
             </a:extLst>
           </p:cNvPr>
@@ -12968,50 +13632,116 @@
             <a:r>
               <a:rPr lang="en-US" dirty="0">
                 <a:solidFill>
-                  <a:srgbClr val="92D050"/>
-                </a:solidFill>
-              </a:rPr>
-              <a:t>let</a:t>
-            </a:r>
-            <a:r>
-              <a:rPr lang="en-US" dirty="0"/>
-              <a:t> functions the same as </a:t>
-            </a:r>
+                  <a:schemeClr val="tx2">
+                    <a:lumMod val="50000"/>
+                  </a:schemeClr>
+                </a:solidFill>
+              </a:rPr>
+              <a:t>var</a:t>
+            </a:r>
+            <a:r>
+              <a:rPr lang="en-US" dirty="0"/>
+              <a:t> was the original variable declaration key word</a:t>
+            </a:r>
+          </a:p>
+          <a:p>
+            <a:pPr lvl="1"/>
             <a:r>
               <a:rPr lang="en-US" dirty="0">
                 <a:solidFill>
                   <a:schemeClr val="tx2">
-                    <a:lumMod val="75000"/>
+                    <a:lumMod val="50000"/>
                   </a:schemeClr>
                 </a:solidFill>
               </a:rPr>
               <a:t>var</a:t>
             </a:r>
-          </a:p>
-          <a:p>
-            <a:r>
-              <a:rPr lang="en-US" dirty="0"/>
-              <a:t>But the scope of a variable declared using let is constrained to the scope in which it is defined</a:t>
+            <a:r>
+              <a:rPr lang="en-US" dirty="0"/>
+              <a:t> </a:t>
+            </a:r>
+            <a:r>
+              <a:rPr lang="en-US" dirty="0" err="1"/>
+              <a:t>firstName</a:t>
+            </a:r>
+            <a:r>
+              <a:rPr lang="en-US" dirty="0"/>
+              <a:t>, </a:t>
+            </a:r>
+            <a:r>
+              <a:rPr lang="en-US" dirty="0" err="1"/>
+              <a:t>lastName</a:t>
+            </a:r>
+            <a:r>
+              <a:rPr lang="en-US" dirty="0"/>
+              <a:t>, </a:t>
+            </a:r>
+            <a:r>
+              <a:rPr lang="en-US" dirty="0" err="1"/>
+              <a:t>dateOfBirth</a:t>
+            </a:r>
+            <a:r>
+              <a:rPr lang="en-US" dirty="0"/>
+              <a:t>;</a:t>
+            </a:r>
+          </a:p>
+          <a:p>
+            <a:r>
+              <a:rPr lang="en-US" dirty="0"/>
+              <a:t>You could actually just get away with this originally</a:t>
             </a:r>
           </a:p>
           <a:p>
             <a:pPr lvl="1"/>
             <a:r>
-              <a:rPr lang="en-US" dirty="0"/>
-              <a:t>Meaning whatever set of enclosing curly braces defines the scope of the variable’s </a:t>
-            </a:r>
-            <a:r>
-              <a:rPr lang="en-US" dirty="0" err="1"/>
-              <a:t>visability</a:t>
-            </a:r>
-            <a:endParaRPr lang="en-US" dirty="0"/>
+              <a:rPr lang="en-US" strike="sngStrike" dirty="0" err="1">
+                <a:solidFill>
+                  <a:srgbClr val="FF0000"/>
+                </a:solidFill>
+              </a:rPr>
+              <a:t>firstName</a:t>
+            </a:r>
+            <a:r>
+              <a:rPr lang="en-US" dirty="0"/>
+              <a:t> = “Gary James”;</a:t>
+            </a:r>
+          </a:p>
+          <a:p>
+            <a:pPr lvl="1"/>
+            <a:r>
+              <a:rPr lang="en-US" dirty="0"/>
+              <a:t>Bad bad bad!</a:t>
+            </a:r>
+          </a:p>
+          <a:p>
+            <a:r>
+              <a:rPr lang="en-US" dirty="0">
+                <a:solidFill>
+                  <a:schemeClr val="tx2">
+                    <a:lumMod val="50000"/>
+                  </a:schemeClr>
+                </a:solidFill>
+              </a:rPr>
+              <a:t>var</a:t>
+            </a:r>
+            <a:r>
+              <a:rPr lang="en-US" dirty="0"/>
+              <a:t> makes a variable have global scope</a:t>
+            </a:r>
+          </a:p>
+          <a:p>
+            <a:pPr lvl="1"/>
+            <a:r>
+              <a:rPr lang="en-US" dirty="0"/>
+              <a:t>Not a safe practice </a:t>
+            </a:r>
           </a:p>
         </p:txBody>
       </p:sp>
     </p:spTree>
     <p:extLst>
       <p:ext uri="{BB962C8B-B14F-4D97-AF65-F5344CB8AC3E}">
-        <p14:creationId xmlns:p14="http://schemas.microsoft.com/office/powerpoint/2010/main" val="3213860514"/>
+        <p14:creationId xmlns:p14="http://schemas.microsoft.com/office/powerpoint/2010/main" val="1124414137"/>
       </p:ext>
     </p:extLst>
   </p:cSld>
@@ -13043,7 +13773,7 @@
           <p:cNvPr id="2" name="Title 1">
             <a:extLst>
               <a:ext uri="{FF2B5EF4-FFF2-40B4-BE49-F238E27FC236}">
-                <a16:creationId xmlns:a16="http://schemas.microsoft.com/office/drawing/2014/main" id="{10EA55B6-A315-1842-8349-211916CA3690}"/>
+                <a16:creationId xmlns:a16="http://schemas.microsoft.com/office/drawing/2014/main" id="{C51CA1B0-CB79-EB40-B6E6-A83C8F504BCE}"/>
               </a:ext>
             </a:extLst>
           </p:cNvPr>
@@ -13061,7 +13791,15 @@
           <a:p>
             <a:r>
               <a:rPr lang="en-US" dirty="0"/>
-              <a:t>Naming Conventions</a:t>
+              <a:t>Let’s create a variable using </a:t>
+            </a:r>
+            <a:r>
+              <a:rPr lang="en-US" dirty="0">
+                <a:solidFill>
+                  <a:srgbClr val="92D050"/>
+                </a:solidFill>
+              </a:rPr>
+              <a:t>let</a:t>
             </a:r>
           </a:p>
         </p:txBody>
@@ -13071,7 +13809,7 @@
           <p:cNvPr id="3" name="Content Placeholder 2">
             <a:extLst>
               <a:ext uri="{FF2B5EF4-FFF2-40B4-BE49-F238E27FC236}">
-                <a16:creationId xmlns:a16="http://schemas.microsoft.com/office/drawing/2014/main" id="{0C1798C3-DA62-E345-A011-DEF418293CDF}"/>
+                <a16:creationId xmlns:a16="http://schemas.microsoft.com/office/drawing/2014/main" id="{8F1E7018-09E8-084D-ABB2-16CC27A475B3}"/>
               </a:ext>
             </a:extLst>
           </p:cNvPr>
@@ -13088,63 +13826,56 @@
           <a:lstStyle/>
           <a:p>
             <a:r>
-              <a:rPr lang="en-US" dirty="0"/>
-              <a:t>JavaScript follows the usual CamelCase Java naming convention</a:t>
+              <a:rPr lang="en-US" dirty="0">
+                <a:solidFill>
+                  <a:srgbClr val="92D050"/>
+                </a:solidFill>
+              </a:rPr>
+              <a:t>let</a:t>
+            </a:r>
+            <a:r>
+              <a:rPr lang="en-US" dirty="0"/>
+              <a:t> functions similar to </a:t>
+            </a:r>
+            <a:r>
+              <a:rPr lang="en-US" dirty="0">
+                <a:solidFill>
+                  <a:schemeClr val="tx2">
+                    <a:lumMod val="75000"/>
+                  </a:schemeClr>
+                </a:solidFill>
+              </a:rPr>
+              <a:t>var</a:t>
+            </a:r>
+            <a:r>
+              <a:rPr lang="en-US" dirty="0"/>
+              <a:t> but better</a:t>
+            </a:r>
+          </a:p>
+          <a:p>
+            <a:r>
+              <a:rPr lang="en-US" dirty="0"/>
+              <a:t>But the scope of a variable declared using let is constrained to the scope in which it is defined</a:t>
             </a:r>
           </a:p>
           <a:p>
             <a:pPr lvl="1"/>
             <a:r>
               <a:rPr lang="en-US" dirty="0"/>
-              <a:t>let </a:t>
+              <a:t>Meaning whatever set of enclosing curly braces defines the scope of the variable’s </a:t>
             </a:r>
             <a:r>
               <a:rPr lang="en-US" dirty="0" err="1"/>
-              <a:t>firstName</a:t>
-            </a:r>
-            <a:r>
-              <a:rPr lang="en-US" dirty="0"/>
-              <a:t>, </a:t>
-            </a:r>
-            <a:r>
-              <a:rPr lang="en-US" dirty="0" err="1"/>
-              <a:t>lastName</a:t>
-            </a:r>
-            <a:r>
-              <a:rPr lang="en-US" dirty="0"/>
-              <a:t>, </a:t>
-            </a:r>
-            <a:r>
-              <a:rPr lang="en-US" dirty="0" err="1"/>
-              <a:t>timeOfDay</a:t>
-            </a:r>
-            <a:r>
-              <a:rPr lang="en-US" dirty="0"/>
-              <a:t>;</a:t>
-            </a:r>
-          </a:p>
-          <a:p>
-            <a:r>
-              <a:rPr lang="en-US" dirty="0" err="1"/>
-              <a:t>firstName</a:t>
-            </a:r>
-            <a:r>
-              <a:rPr lang="en-US" dirty="0"/>
-              <a:t> and FirstName are two different variables!</a:t>
-            </a:r>
-          </a:p>
-          <a:p>
-            <a:r>
-              <a:rPr lang="en-US" dirty="0"/>
-              <a:t>Case matters</a:t>
-            </a:r>
+              <a:t>visability</a:t>
+            </a:r>
+            <a:endParaRPr lang="en-US" dirty="0"/>
           </a:p>
         </p:txBody>
       </p:sp>
     </p:spTree>
     <p:extLst>
       <p:ext uri="{BB962C8B-B14F-4D97-AF65-F5344CB8AC3E}">
-        <p14:creationId xmlns:p14="http://schemas.microsoft.com/office/powerpoint/2010/main" val="743135046"/>
+        <p14:creationId xmlns:p14="http://schemas.microsoft.com/office/powerpoint/2010/main" val="3213860514"/>
       </p:ext>
     </p:extLst>
   </p:cSld>
@@ -13176,7 +13907,7 @@
           <p:cNvPr id="2" name="Title 1">
             <a:extLst>
               <a:ext uri="{FF2B5EF4-FFF2-40B4-BE49-F238E27FC236}">
-                <a16:creationId xmlns:a16="http://schemas.microsoft.com/office/drawing/2014/main" id="{C3B199C9-2661-BE48-9AF0-D9A1AFC60398}"/>
+                <a16:creationId xmlns:a16="http://schemas.microsoft.com/office/drawing/2014/main" id="{10EA55B6-A315-1842-8349-211916CA3690}"/>
               </a:ext>
             </a:extLst>
           </p:cNvPr>
@@ -13194,7 +13925,7 @@
           <a:p>
             <a:r>
               <a:rPr lang="en-US" dirty="0"/>
-              <a:t>A few words on Arrays</a:t>
+              <a:t>Naming Conventions</a:t>
             </a:r>
           </a:p>
         </p:txBody>
@@ -13204,7 +13935,7 @@
           <p:cNvPr id="3" name="Content Placeholder 2">
             <a:extLst>
               <a:ext uri="{FF2B5EF4-FFF2-40B4-BE49-F238E27FC236}">
-                <a16:creationId xmlns:a16="http://schemas.microsoft.com/office/drawing/2014/main" id="{F331933E-8E4A-4D40-9FD3-84F0EDAAB3B4}"/>
+                <a16:creationId xmlns:a16="http://schemas.microsoft.com/office/drawing/2014/main" id="{0C1798C3-DA62-E345-A011-DEF418293CDF}"/>
               </a:ext>
             </a:extLst>
           </p:cNvPr>
@@ -13222,88 +13953,54 @@
           <a:p>
             <a:r>
               <a:rPr lang="en-US" dirty="0"/>
-              <a:t>Since JavaScript does not have ‘types’ an array does not have a type</a:t>
-            </a:r>
-          </a:p>
-          <a:p>
+              <a:t>JavaScript follows the usual CamelCase Java naming convention</a:t>
+            </a:r>
+          </a:p>
+          <a:p>
+            <a:pPr lvl="1"/>
             <a:r>
               <a:rPr lang="en-US" dirty="0"/>
               <a:t>let </a:t>
             </a:r>
             <a:r>
               <a:rPr lang="en-US" dirty="0" err="1"/>
-              <a:t>studentInfo</a:t>
-            </a:r>
-            <a:r>
-              <a:rPr lang="en-US" dirty="0"/>
-              <a:t> = [‘Jack Flash’, 28, ‘blue eyes’, 3.66];</a:t>
-            </a:r>
-          </a:p>
-          <a:p>
-            <a:r>
-              <a:rPr lang="en-US" dirty="0"/>
-              <a:t>This is a perfectly acceptable array as permitted by JavaScript</a:t>
-            </a:r>
-          </a:p>
-          <a:p>
-            <a:pPr lvl="1"/>
-            <a:r>
-              <a:rPr lang="en-US" dirty="0"/>
-              <a:t>let name = </a:t>
+              <a:t>firstName</a:t>
+            </a:r>
+            <a:r>
+              <a:rPr lang="en-US" dirty="0"/>
+              <a:t>, </a:t>
             </a:r>
             <a:r>
               <a:rPr lang="en-US" dirty="0" err="1"/>
-              <a:t>studentInfo</a:t>
-            </a:r>
-            <a:r>
-              <a:rPr lang="en-US" dirty="0"/>
-              <a:t>[0];	// name would contain ‘Jack Flash’</a:t>
-            </a:r>
-          </a:p>
-          <a:p>
-            <a:pPr lvl="1"/>
-            <a:r>
-              <a:rPr lang="en-US" dirty="0"/>
-              <a:t>let age = </a:t>
+              <a:t>lastName</a:t>
+            </a:r>
+            <a:r>
+              <a:rPr lang="en-US" dirty="0"/>
+              <a:t>, </a:t>
             </a:r>
             <a:r>
               <a:rPr lang="en-US" dirty="0" err="1"/>
-              <a:t>studentInfo</a:t>
-            </a:r>
-            <a:r>
-              <a:rPr lang="en-US" dirty="0"/>
-              <a:t>[1];	// age would contain 28</a:t>
-            </a:r>
-          </a:p>
-          <a:p>
-            <a:pPr lvl="1"/>
-            <a:r>
-              <a:rPr lang="en-US" dirty="0"/>
-              <a:t>let </a:t>
-            </a:r>
+              <a:t>timeOfDay</a:t>
+            </a:r>
+            <a:r>
+              <a:rPr lang="en-US" dirty="0"/>
+              <a:t>;</a:t>
+            </a:r>
+          </a:p>
+          <a:p>
             <a:r>
               <a:rPr lang="en-US" dirty="0" err="1"/>
-              <a:t>gpa</a:t>
-            </a:r>
-            <a:r>
-              <a:rPr lang="en-US" dirty="0"/>
-              <a:t> = </a:t>
-            </a:r>
-            <a:r>
-              <a:rPr lang="en-US" dirty="0" err="1"/>
-              <a:t>studentInfo</a:t>
-            </a:r>
-            <a:r>
-              <a:rPr lang="en-US" dirty="0"/>
-              <a:t>[3];	// </a:t>
-            </a:r>
-            <a:r>
-              <a:rPr lang="en-US" dirty="0" err="1"/>
-              <a:t>gpa</a:t>
-            </a:r>
-            <a:r>
-              <a:rPr lang="en-US" dirty="0"/>
-              <a:t> would contain 3.66</a:t>
+              <a:t>firstName</a:t>
+            </a:r>
+            <a:r>
+              <a:rPr lang="en-US" dirty="0"/>
+              <a:t> and FirstName are two different variables!</a:t>
+            </a:r>
+          </a:p>
+          <a:p>
+            <a:r>
+              <a:rPr lang="en-US" dirty="0"/>
+              <a:t>Case matters</a:t>
             </a:r>
           </a:p>
         </p:txBody>
@@ -13311,7 +14008,7 @@
     </p:spTree>
     <p:extLst>
       <p:ext uri="{BB962C8B-B14F-4D97-AF65-F5344CB8AC3E}">
-        <p14:creationId xmlns:p14="http://schemas.microsoft.com/office/powerpoint/2010/main" val="1801471314"/>
+        <p14:creationId xmlns:p14="http://schemas.microsoft.com/office/powerpoint/2010/main" val="743135046"/>
       </p:ext>
     </p:extLst>
   </p:cSld>
@@ -13384,20 +14081,12 @@
         </p:nvSpPr>
         <p:spPr/>
         <p:txBody>
-          <a:bodyPr>
-            <a:normAutofit lnSpcReduction="10000"/>
-          </a:bodyPr>
+          <a:bodyPr/>
           <a:lstStyle/>
           <a:p>
             <a:r>
               <a:rPr lang="en-US" dirty="0"/>
-              <a:t>You can see how ‘convenient’ it is to put everything in an array</a:t>
-            </a:r>
-          </a:p>
-          <a:p>
-            <a:r>
-              <a:rPr lang="en-US" dirty="0"/>
-              <a:t>We don’t cover JSON yet but you can see how much clearer it would be to have something like this:</a:t>
+              <a:t>Since JavaScript does not have ‘types’ an array does not have a type</a:t>
             </a:r>
           </a:p>
           <a:p>
@@ -13406,172 +14095,87 @@
               <a:t>let </a:t>
             </a:r>
             <a:r>
-              <a:rPr lang="en-US" dirty="0" err="1">
-                <a:solidFill>
-                  <a:schemeClr val="tx2">
-                    <a:lumMod val="50000"/>
-                  </a:schemeClr>
-                </a:solidFill>
-              </a:rPr>
+              <a:rPr lang="en-US" dirty="0" err="1"/>
               <a:t>studentInfo</a:t>
             </a:r>
             <a:r>
               <a:rPr lang="en-US" dirty="0"/>
-              <a:t> = { </a:t>
-            </a:r>
-            <a:r>
-              <a:rPr lang="en-US" dirty="0">
-                <a:solidFill>
-                  <a:srgbClr val="FFFF00"/>
-                </a:solidFill>
-              </a:rPr>
-              <a:t>name</a:t>
-            </a:r>
-            <a:r>
-              <a:rPr lang="en-US" dirty="0"/>
-              <a:t> : ‘Jack Flash’, </a:t>
-            </a:r>
-            <a:r>
-              <a:rPr lang="en-US" dirty="0">
-                <a:solidFill>
-                  <a:srgbClr val="FFFF00"/>
-                </a:solidFill>
-              </a:rPr>
-              <a:t>age</a:t>
-            </a:r>
-            <a:r>
-              <a:rPr lang="en-US" dirty="0"/>
-              <a:t> : 28, </a:t>
-            </a:r>
-            <a:r>
-              <a:rPr lang="en-US" dirty="0" err="1">
-                <a:solidFill>
-                  <a:srgbClr val="FFFF00"/>
-                </a:solidFill>
-              </a:rPr>
-              <a:t>eyeColor</a:t>
-            </a:r>
-            <a:r>
-              <a:rPr lang="en-US" dirty="0"/>
-              <a:t> : ‘blue eyes’, </a:t>
-            </a:r>
-            <a:r>
-              <a:rPr lang="en-US" dirty="0" err="1">
-                <a:solidFill>
-                  <a:srgbClr val="FFFF00"/>
-                </a:solidFill>
-              </a:rPr>
-              <a:t>gpa</a:t>
-            </a:r>
-            <a:r>
-              <a:rPr lang="en-US" dirty="0"/>
-              <a:t> : 3.66};</a:t>
-            </a:r>
-          </a:p>
-          <a:p>
-            <a:r>
-              <a:rPr lang="en-US" dirty="0"/>
-              <a:t>Now we have a JSON object and can use the ‘dot’ operator</a:t>
+              <a:t> = [‘Jack Flash’, 28, ‘blue eyes’, 3.66];</a:t>
+            </a:r>
+          </a:p>
+          <a:p>
+            <a:r>
+              <a:rPr lang="en-US" dirty="0"/>
+              <a:t>This is a perfectly acceptable array as permitted by JavaScript</a:t>
             </a:r>
           </a:p>
           <a:p>
             <a:pPr lvl="1"/>
             <a:r>
-              <a:rPr lang="en-US" dirty="0" err="1">
-                <a:solidFill>
-                  <a:schemeClr val="tx2">
-                    <a:lumMod val="50000"/>
-                  </a:schemeClr>
-                </a:solidFill>
-              </a:rPr>
+              <a:rPr lang="en-US" dirty="0"/>
+              <a:t>let name = </a:t>
+            </a:r>
+            <a:r>
+              <a:rPr lang="en-US" dirty="0" err="1"/>
               <a:t>studentInfo</a:t>
             </a:r>
             <a:r>
+              <a:rPr lang="en-US" dirty="0"/>
+              <a:t>[0];	// name would contain ‘Jack Flash’</a:t>
+            </a:r>
+          </a:p>
+          <a:p>
+            <a:pPr lvl="1"/>
+            <a:r>
+              <a:rPr lang="en-US" dirty="0"/>
+              <a:t>let age = </a:t>
+            </a:r>
+            <a:r>
               <a:rPr lang="en-US" dirty="0" err="1"/>
-              <a:t>.</a:t>
-            </a:r>
-            <a:r>
-              <a:rPr lang="en-US" dirty="0" err="1">
-                <a:solidFill>
-                  <a:srgbClr val="FFFF00"/>
-                </a:solidFill>
-              </a:rPr>
-              <a:t>name</a:t>
-            </a:r>
-            <a:r>
-              <a:rPr lang="en-US" dirty="0"/>
-              <a:t>;	// when we need the name</a:t>
+              <a:t>studentInfo</a:t>
+            </a:r>
+            <a:r>
+              <a:rPr lang="en-US" dirty="0"/>
+              <a:t>[1];	// age would contain 28</a:t>
             </a:r>
           </a:p>
           <a:p>
             <a:pPr lvl="1"/>
             <a:r>
-              <a:rPr lang="en-US" dirty="0" err="1">
-                <a:solidFill>
-                  <a:schemeClr val="tx2">
-                    <a:lumMod val="50000"/>
-                  </a:schemeClr>
-                </a:solidFill>
-              </a:rPr>
-              <a:t>studentInfo</a:t>
-            </a:r>
-            <a:r>
-              <a:rPr lang="en-US" dirty="0" err="1"/>
-              <a:t>.</a:t>
-            </a:r>
-            <a:r>
-              <a:rPr lang="en-US" dirty="0" err="1">
-                <a:solidFill>
-                  <a:srgbClr val="FFFF00"/>
-                </a:solidFill>
-              </a:rPr>
-              <a:t>age</a:t>
-            </a:r>
-            <a:r>
-              <a:rPr lang="en-US" dirty="0"/>
-              <a:t>;	// when we need the age</a:t>
-            </a:r>
-          </a:p>
-          <a:p>
-            <a:pPr lvl="1"/>
-            <a:r>
-              <a:rPr lang="en-US" dirty="0" err="1">
-                <a:solidFill>
-                  <a:schemeClr val="tx2">
-                    <a:lumMod val="50000"/>
-                  </a:schemeClr>
-                </a:solidFill>
-              </a:rPr>
-              <a:t>studentInfo</a:t>
-            </a:r>
-            <a:r>
-              <a:rPr lang="en-US" dirty="0" err="1"/>
-              <a:t>.</a:t>
-            </a:r>
-            <a:r>
-              <a:rPr lang="en-US" dirty="0" err="1">
-                <a:solidFill>
-                  <a:srgbClr val="FFFF00"/>
-                </a:solidFill>
-              </a:rPr>
-              <a:t>gpa</a:t>
-            </a:r>
-            <a:r>
-              <a:rPr lang="en-US" dirty="0"/>
-              <a:t>;	// when we need the </a:t>
+              <a:rPr lang="en-US" dirty="0"/>
+              <a:t>let </a:t>
             </a:r>
             <a:r>
               <a:rPr lang="en-US" dirty="0" err="1"/>
               <a:t>gpa</a:t>
             </a:r>
-            <a:endParaRPr lang="en-US" dirty="0"/>
+            <a:r>
+              <a:rPr lang="en-US" dirty="0"/>
+              <a:t> = </a:t>
+            </a:r>
+            <a:r>
+              <a:rPr lang="en-US" dirty="0" err="1"/>
+              <a:t>studentInfo</a:t>
+            </a:r>
+            <a:r>
+              <a:rPr lang="en-US" dirty="0"/>
+              <a:t>[3];	// </a:t>
+            </a:r>
+            <a:r>
+              <a:rPr lang="en-US" dirty="0" err="1"/>
+              <a:t>gpa</a:t>
+            </a:r>
+            <a:r>
+              <a:rPr lang="en-US" dirty="0"/>
+              <a:t> would contain 3.66</a:t>
+            </a:r>
           </a:p>
         </p:txBody>
       </p:sp>
     </p:spTree>
     <p:extLst>
       <p:ext uri="{BB962C8B-B14F-4D97-AF65-F5344CB8AC3E}">
-        <p14:creationId xmlns:p14="http://schemas.microsoft.com/office/powerpoint/2010/main" val="2622006595"/>
+        <p14:creationId xmlns:p14="http://schemas.microsoft.com/office/powerpoint/2010/main" val="1801471314"/>
       </p:ext>
     </p:extLst>
   </p:cSld>
@@ -13603,7 +14207,7 @@
           <p:cNvPr id="2" name="Title 1">
             <a:extLst>
               <a:ext uri="{FF2B5EF4-FFF2-40B4-BE49-F238E27FC236}">
-                <a16:creationId xmlns:a16="http://schemas.microsoft.com/office/drawing/2014/main" id="{5E183D5B-98A1-1742-BE38-B4332C49BC99}"/>
+                <a16:creationId xmlns:a16="http://schemas.microsoft.com/office/drawing/2014/main" id="{C3B199C9-2661-BE48-9AF0-D9A1AFC60398}"/>
               </a:ext>
             </a:extLst>
           </p:cNvPr>
@@ -13619,7 +14223,10 @@
           <a:bodyPr/>
           <a:lstStyle/>
           <a:p>
-            <a:endParaRPr lang="en-US"/>
+            <a:r>
+              <a:rPr lang="en-US" dirty="0"/>
+              <a:t>A few words on Arrays</a:t>
+            </a:r>
           </a:p>
         </p:txBody>
       </p:sp>
@@ -13628,7 +14235,7 @@
           <p:cNvPr id="3" name="Content Placeholder 2">
             <a:extLst>
               <a:ext uri="{FF2B5EF4-FFF2-40B4-BE49-F238E27FC236}">
-                <a16:creationId xmlns:a16="http://schemas.microsoft.com/office/drawing/2014/main" id="{B96CE11D-CB83-1C4C-85A8-EE27883D0975}"/>
+                <a16:creationId xmlns:a16="http://schemas.microsoft.com/office/drawing/2014/main" id="{F331933E-8E4A-4D40-9FD3-84F0EDAAB3B4}"/>
               </a:ext>
             </a:extLst>
           </p:cNvPr>
@@ -13639,60 +14246,193 @@
             <p:ph idx="1"/>
           </p:nvPr>
         </p:nvSpPr>
-        <p:spPr/>
+        <p:spPr>
+          <a:xfrm>
+            <a:off x="2773599" y="2052116"/>
+            <a:ext cx="8177686" cy="3997828"/>
+          </a:xfrm>
+        </p:spPr>
         <p:txBody>
           <a:bodyPr>
-            <a:normAutofit/>
+            <a:normAutofit lnSpcReduction="10000"/>
           </a:bodyPr>
           <a:lstStyle/>
           <a:p>
             <a:r>
               <a:rPr lang="en-US" dirty="0"/>
-              <a:t>The Bootstrap .</a:t>
+              <a:t>You can see how ‘convenient’ it is to put everything in an array</a:t>
+            </a:r>
+          </a:p>
+          <a:p>
+            <a:r>
+              <a:rPr lang="en-US" dirty="0"/>
+              <a:t>We don’t cover JSON yet but you can see how much clearer it would be to have something like this:</a:t>
+            </a:r>
+          </a:p>
+          <a:p>
+            <a:r>
+              <a:rPr lang="en-US" dirty="0"/>
+              <a:t>let </a:t>
+            </a:r>
+            <a:r>
+              <a:rPr lang="en-US" dirty="0" err="1">
+                <a:solidFill>
+                  <a:schemeClr val="tx2">
+                    <a:lumMod val="50000"/>
+                  </a:schemeClr>
+                </a:solidFill>
+              </a:rPr>
+              <a:t>studentInfo</a:t>
+            </a:r>
+            <a:r>
+              <a:rPr lang="en-US" dirty="0"/>
+              <a:t> = { </a:t>
+            </a:r>
+            <a:r>
+              <a:rPr lang="en-US" dirty="0">
+                <a:solidFill>
+                  <a:srgbClr val="FFFF00"/>
+                </a:solidFill>
+              </a:rPr>
+              <a:t>name</a:t>
+            </a:r>
+            <a:r>
+              <a:rPr lang="en-US" dirty="0"/>
+              <a:t> : ‘Jack Flash’, </a:t>
+            </a:r>
+            <a:r>
+              <a:rPr lang="en-US" dirty="0">
+                <a:solidFill>
+                  <a:srgbClr val="FFFF00"/>
+                </a:solidFill>
+              </a:rPr>
+              <a:t>age</a:t>
+            </a:r>
+            <a:r>
+              <a:rPr lang="en-US" dirty="0"/>
+              <a:t> : 28, </a:t>
+            </a:r>
+            <a:r>
+              <a:rPr lang="en-US" dirty="0" err="1">
+                <a:solidFill>
+                  <a:srgbClr val="FFFF00"/>
+                </a:solidFill>
+              </a:rPr>
+              <a:t>eyeColor</a:t>
+            </a:r>
+            <a:r>
+              <a:rPr lang="en-US" dirty="0"/>
+              <a:t> : ‘blue’, </a:t>
+            </a:r>
+            <a:r>
+              <a:rPr lang="en-US" dirty="0" err="1">
+                <a:solidFill>
+                  <a:srgbClr val="FFFF00"/>
+                </a:solidFill>
+              </a:rPr>
+              <a:t>gpa</a:t>
+            </a:r>
+            <a:r>
+              <a:rPr lang="en-US" dirty="0"/>
+              <a:t> : 3.66};</a:t>
+            </a:r>
+          </a:p>
+          <a:p>
+            <a:r>
+              <a:rPr lang="en-US" dirty="0"/>
+              <a:t>Now we have a JSON object and can use the ‘dot’ operator</a:t>
+            </a:r>
+          </a:p>
+          <a:p>
+            <a:pPr lvl="1"/>
+            <a:r>
+              <a:rPr lang="en-US" dirty="0" err="1">
+                <a:solidFill>
+                  <a:schemeClr val="tx2">
+                    <a:lumMod val="50000"/>
+                  </a:schemeClr>
+                </a:solidFill>
+              </a:rPr>
+              <a:t>studentInfo</a:t>
             </a:r>
             <a:r>
               <a:rPr lang="en-US" dirty="0" err="1"/>
-              <a:t>js</a:t>
-            </a:r>
-            <a:r>
-              <a:rPr lang="en-US" dirty="0"/>
-              <a:t> (JavaScript) files can be located on:</a:t>
-            </a:r>
-          </a:p>
-          <a:p>
-            <a:r>
-              <a:rPr lang="en-US" b="1" dirty="0"/>
-              <a:t>Correct Answer	</a:t>
-            </a:r>
-            <a:r>
-              <a:rPr lang="en-US" dirty="0"/>
-              <a:t>all of these answers are correct</a:t>
-            </a:r>
-          </a:p>
-          <a:p>
-            <a:r>
-              <a:rPr lang="en-US" dirty="0"/>
-              <a:t>your server</a:t>
-            </a:r>
-          </a:p>
-          <a:p>
-            <a:r>
-              <a:rPr lang="en-US" dirty="0"/>
-              <a:t>the </a:t>
+              <a:t>.</a:t>
+            </a:r>
+            <a:r>
+              <a:rPr lang="en-US" dirty="0" err="1">
+                <a:solidFill>
+                  <a:srgbClr val="FFFF00"/>
+                </a:solidFill>
+              </a:rPr>
+              <a:t>name</a:t>
+            </a:r>
+            <a:r>
+              <a:rPr lang="en-US" dirty="0"/>
+              <a:t>;	// when we need the name</a:t>
+            </a:r>
+          </a:p>
+          <a:p>
+            <a:pPr lvl="1"/>
+            <a:r>
+              <a:rPr lang="en-US" dirty="0" err="1">
+                <a:solidFill>
+                  <a:schemeClr val="tx2">
+                    <a:lumMod val="50000"/>
+                  </a:schemeClr>
+                </a:solidFill>
+              </a:rPr>
+              <a:t>studentInfo</a:t>
             </a:r>
             <a:r>
               <a:rPr lang="en-US" dirty="0" err="1"/>
-              <a:t>BootstrapCDN</a:t>
-            </a:r>
-            <a:endParaRPr lang="en-US" dirty="0"/>
-          </a:p>
-          <a:p>
-            <a:r>
-              <a:rPr lang="en-US" dirty="0"/>
-              <a:t>a third party server</a:t>
-            </a:r>
-          </a:p>
-          <a:p>
+              <a:t>.</a:t>
+            </a:r>
+            <a:r>
+              <a:rPr lang="en-US" dirty="0" err="1">
+                <a:solidFill>
+                  <a:srgbClr val="FFFF00"/>
+                </a:solidFill>
+              </a:rPr>
+              <a:t>age</a:t>
+            </a:r>
+            <a:r>
+              <a:rPr lang="en-US" dirty="0"/>
+              <a:t>;	// when we need the age</a:t>
+            </a:r>
+          </a:p>
+          <a:p>
+            <a:pPr lvl="1"/>
+            <a:r>
+              <a:rPr lang="en-US" dirty="0" err="1">
+                <a:solidFill>
+                  <a:schemeClr val="tx2">
+                    <a:lumMod val="50000"/>
+                  </a:schemeClr>
+                </a:solidFill>
+              </a:rPr>
+              <a:t>studentInfo</a:t>
+            </a:r>
+            <a:r>
+              <a:rPr lang="en-US" dirty="0" err="1"/>
+              <a:t>.</a:t>
+            </a:r>
+            <a:r>
+              <a:rPr lang="en-US" dirty="0" err="1">
+                <a:solidFill>
+                  <a:srgbClr val="FFFF00"/>
+                </a:solidFill>
+              </a:rPr>
+              <a:t>gpa</a:t>
+            </a:r>
+            <a:r>
+              <a:rPr lang="en-US" dirty="0"/>
+              <a:t>;	// when we need the </a:t>
+            </a:r>
+            <a:r>
+              <a:rPr lang="en-US" dirty="0" err="1"/>
+              <a:t>gpa</a:t>
+            </a:r>
             <a:endParaRPr lang="en-US" dirty="0"/>
           </a:p>
         </p:txBody>
@@ -13700,7 +14440,7 @@
     </p:spTree>
     <p:extLst>
       <p:ext uri="{BB962C8B-B14F-4D97-AF65-F5344CB8AC3E}">
-        <p14:creationId xmlns:p14="http://schemas.microsoft.com/office/powerpoint/2010/main" val="2124510500"/>
+        <p14:creationId xmlns:p14="http://schemas.microsoft.com/office/powerpoint/2010/main" val="2622006595"/>
       </p:ext>
     </p:extLst>
   </p:cSld>
@@ -13732,7 +14472,7 @@
           <p:cNvPr id="2" name="Title 1">
             <a:extLst>
               <a:ext uri="{FF2B5EF4-FFF2-40B4-BE49-F238E27FC236}">
-                <a16:creationId xmlns:a16="http://schemas.microsoft.com/office/drawing/2014/main" id="{52BE29D5-2098-8B45-8416-8DE78E85958A}"/>
+                <a16:creationId xmlns:a16="http://schemas.microsoft.com/office/drawing/2014/main" id="{3BDB3172-93C8-F24E-906B-964E06EB3F6A}"/>
               </a:ext>
             </a:extLst>
           </p:cNvPr>
@@ -13757,7 +14497,7 @@
           <p:cNvPr id="3" name="Content Placeholder 2">
             <a:extLst>
               <a:ext uri="{FF2B5EF4-FFF2-40B4-BE49-F238E27FC236}">
-                <a16:creationId xmlns:a16="http://schemas.microsoft.com/office/drawing/2014/main" id="{0DD13C11-18C6-9E44-AFD6-D658A676FA83}"/>
+                <a16:creationId xmlns:a16="http://schemas.microsoft.com/office/drawing/2014/main" id="{BFE91C3E-263C-CD45-AA81-5336B0FF2344}"/>
               </a:ext>
             </a:extLst>
           </p:cNvPr>
@@ -13770,62 +14510,13 @@
         </p:nvSpPr>
         <p:spPr/>
         <p:txBody>
-          <a:bodyPr>
-            <a:normAutofit/>
-          </a:bodyPr>
+          <a:bodyPr/>
           <a:lstStyle/>
           <a:p>
             <a:r>
               <a:rPr lang="en-US" dirty="0"/>
-              <a:t>In the CSS box model, pick the one that </a:t>
-            </a:r>
-            <a:r>
-              <a:rPr lang="en-US" b="1" dirty="0"/>
-              <a:t>DOES NOT</a:t>
-            </a:r>
-            <a:r>
-              <a:rPr lang="en-US" dirty="0"/>
-              <a:t> belong:</a:t>
-            </a:r>
-          </a:p>
-          <a:p>
-            <a:r>
-              <a:rPr lang="en-US" dirty="0"/>
-              <a:t>Margin	border		padding</a:t>
-            </a:r>
-          </a:p>
-          <a:p>
-            <a:r>
-              <a:rPr lang="en-US" b="1" dirty="0"/>
-              <a:t>Correct Answer			</a:t>
-            </a:r>
-            <a:r>
-              <a:rPr lang="en-US" dirty="0"/>
-              <a:t>spacing</a:t>
-            </a:r>
-          </a:p>
-          <a:p>
-            <a:endParaRPr lang="en-US" dirty="0"/>
-          </a:p>
-          <a:p>
-            <a:r>
-              <a:rPr lang="en-US" dirty="0"/>
-              <a:t>A common file name for the homepage of a website is:</a:t>
-            </a:r>
-          </a:p>
-          <a:p>
-            <a:r>
-              <a:rPr lang="en-US" b="1" dirty="0"/>
-              <a:t>Correct Answer			</a:t>
-            </a:r>
-            <a:r>
-              <a:rPr lang="en-US" dirty="0" err="1"/>
-              <a:t>index.html</a:t>
-            </a:r>
-            <a:endParaRPr lang="en-US" dirty="0"/>
-          </a:p>
-          <a:p>
-            <a:endParaRPr lang="en-US" dirty="0"/>
+              <a:t>CSS Ids have greater specificity than classes. If an HTML element is using both id and class attributes, the CSS rule for the id will take precedence over that of the class.</a:t>
+            </a:r>
           </a:p>
           <a:p>
             <a:endParaRPr lang="en-US" dirty="0"/>
@@ -13835,7 +14526,7 @@
     </p:spTree>
     <p:extLst>
       <p:ext uri="{BB962C8B-B14F-4D97-AF65-F5344CB8AC3E}">
-        <p14:creationId xmlns:p14="http://schemas.microsoft.com/office/powerpoint/2010/main" val="2572716297"/>
+        <p14:creationId xmlns:p14="http://schemas.microsoft.com/office/powerpoint/2010/main" val="1848769784"/>
       </p:ext>
     </p:extLst>
   </p:cSld>
@@ -13867,7 +14558,7 @@
           <p:cNvPr id="2" name="Title 1">
             <a:extLst>
               <a:ext uri="{FF2B5EF4-FFF2-40B4-BE49-F238E27FC236}">
-                <a16:creationId xmlns:a16="http://schemas.microsoft.com/office/drawing/2014/main" id="{3BDB3172-93C8-F24E-906B-964E06EB3F6A}"/>
+                <a16:creationId xmlns:a16="http://schemas.microsoft.com/office/drawing/2014/main" id="{C271BEA4-AA62-BF47-9BED-4FC3BD57CE7A}"/>
               </a:ext>
             </a:extLst>
           </p:cNvPr>
@@ -13883,7 +14574,10 @@
           <a:bodyPr/>
           <a:lstStyle/>
           <a:p>
-            <a:endParaRPr lang="en-US"/>
+            <a:r>
+              <a:rPr lang="en-US" dirty="0"/>
+              <a:t>A final word to cover that last of the questions in the Quiz</a:t>
+            </a:r>
           </a:p>
         </p:txBody>
       </p:sp>
@@ -13892,7 +14586,7 @@
           <p:cNvPr id="3" name="Content Placeholder 2">
             <a:extLst>
               <a:ext uri="{FF2B5EF4-FFF2-40B4-BE49-F238E27FC236}">
-                <a16:creationId xmlns:a16="http://schemas.microsoft.com/office/drawing/2014/main" id="{BFE91C3E-263C-CD45-AA81-5336B0FF2344}"/>
+                <a16:creationId xmlns:a16="http://schemas.microsoft.com/office/drawing/2014/main" id="{DECE9EBD-F32A-B74F-9F7A-C4C09B5B14F3}"/>
               </a:ext>
             </a:extLst>
           </p:cNvPr>
@@ -13910,354 +14604,33 @@
           <a:p>
             <a:r>
               <a:rPr lang="en-US" dirty="0"/>
-              <a:t>CSS Ids have greater specificity than classes. If an HTML element is using both id and class attributes, the CSS rule for the id will take precedence over that of the class.</a:t>
-            </a:r>
-          </a:p>
-          <a:p>
-            <a:endParaRPr lang="en-US" dirty="0"/>
+              <a:t>JavaScript is all client side (next week we will discuss server side Node.js)</a:t>
+            </a:r>
+          </a:p>
+          <a:p>
+            <a:r>
+              <a:rPr lang="en-US" dirty="0"/>
+              <a:t>In fact everything we have covered is client side, HTML, CSS and JS</a:t>
+            </a:r>
+          </a:p>
+          <a:p>
+            <a:r>
+              <a:rPr lang="en-US" dirty="0"/>
+              <a:t>But they still need to be pushed to your server to be passed on to the browser when requested</a:t>
+            </a:r>
+          </a:p>
+          <a:p>
+            <a:r>
+              <a:rPr lang="en-US" dirty="0"/>
+              <a:t>JavaScript is hosted on the server but executed in the browser</a:t>
+            </a:r>
           </a:p>
         </p:txBody>
       </p:sp>
     </p:spTree>
     <p:extLst>
       <p:ext uri="{BB962C8B-B14F-4D97-AF65-F5344CB8AC3E}">
-        <p14:creationId xmlns:p14="http://schemas.microsoft.com/office/powerpoint/2010/main" val="1848769784"/>
-      </p:ext>
-    </p:extLst>
-  </p:cSld>
-  <p:clrMapOvr>
-    <a:masterClrMapping/>
-  </p:clrMapOvr>
-</p:sld>
-</file>
-
-<file path=ppt/slides/slide47.xml><?xml version="1.0" encoding="utf-8"?>
-<p:sld xmlns:a="http://schemas.openxmlformats.org/drawingml/2006/main" xmlns:r="http://schemas.openxmlformats.org/officeDocument/2006/relationships" xmlns:p="http://schemas.openxmlformats.org/presentationml/2006/main">
-  <p:cSld>
-    <p:spTree>
-      <p:nvGrpSpPr>
-        <p:cNvPr id="1" name=""/>
-        <p:cNvGrpSpPr/>
-        <p:nvPr/>
-      </p:nvGrpSpPr>
-      <p:grpSpPr>
-        <a:xfrm>
-          <a:off x="0" y="0"/>
-          <a:ext cx="0" cy="0"/>
-          <a:chOff x="0" y="0"/>
-          <a:chExt cx="0" cy="0"/>
-        </a:xfrm>
-      </p:grpSpPr>
-      <p:sp>
-        <p:nvSpPr>
-          <p:cNvPr id="2" name="Title 1">
-            <a:extLst>
-              <a:ext uri="{FF2B5EF4-FFF2-40B4-BE49-F238E27FC236}">
-                <a16:creationId xmlns:a16="http://schemas.microsoft.com/office/drawing/2014/main" id="{DE7A9BE5-B37C-8442-9B37-07C3890034C1}"/>
-              </a:ext>
-            </a:extLst>
-          </p:cNvPr>
-          <p:cNvSpPr>
-            <a:spLocks noGrp="1"/>
-          </p:cNvSpPr>
-          <p:nvPr>
-            <p:ph type="title"/>
-          </p:nvPr>
-        </p:nvSpPr>
-        <p:spPr/>
-        <p:txBody>
-          <a:bodyPr/>
-          <a:lstStyle/>
-          <a:p>
-            <a:endParaRPr lang="en-US"/>
-          </a:p>
-        </p:txBody>
-      </p:sp>
-      <p:sp>
-        <p:nvSpPr>
-          <p:cNvPr id="3" name="Content Placeholder 2">
-            <a:extLst>
-              <a:ext uri="{FF2B5EF4-FFF2-40B4-BE49-F238E27FC236}">
-                <a16:creationId xmlns:a16="http://schemas.microsoft.com/office/drawing/2014/main" id="{EE99A52F-0E38-4D45-95C7-72E3AC41E78E}"/>
-              </a:ext>
-            </a:extLst>
-          </p:cNvPr>
-          <p:cNvSpPr>
-            <a:spLocks noGrp="1"/>
-          </p:cNvSpPr>
-          <p:nvPr>
-            <p:ph idx="1"/>
-          </p:nvPr>
-        </p:nvSpPr>
-        <p:spPr/>
-        <p:txBody>
-          <a:bodyPr>
-            <a:normAutofit/>
-          </a:bodyPr>
-          <a:lstStyle/>
-          <a:p>
-            <a:r>
-              <a:rPr lang="en-US" dirty="0"/>
-              <a:t>In JavaScript, arguments can be passed to a function that is triggered by an event listener. </a:t>
-            </a:r>
-            <a:r>
-              <a:rPr lang="en-US" b="1" dirty="0"/>
-              <a:t>		</a:t>
-            </a:r>
-            <a:r>
-              <a:rPr lang="en-US" dirty="0"/>
-              <a:t>True</a:t>
-            </a:r>
-          </a:p>
-          <a:p>
-            <a:r>
-              <a:rPr lang="en-US" dirty="0"/>
-              <a:t>We need to give variables a type when we create them in JavaScript</a:t>
-            </a:r>
-            <a:r>
-              <a:rPr lang="en-US" b="1" dirty="0"/>
-              <a:t>		</a:t>
-            </a:r>
-            <a:r>
-              <a:rPr lang="en-US" dirty="0"/>
-              <a:t>False</a:t>
-            </a:r>
-          </a:p>
-          <a:p>
-            <a:r>
-              <a:rPr lang="en-US" dirty="0"/>
-              <a:t>It matters where in an html file (the head tag versus after the body, for example) JavaScript is placed</a:t>
-            </a:r>
-            <a:r>
-              <a:rPr lang="en-US" b="1" dirty="0"/>
-              <a:t>		</a:t>
-            </a:r>
-            <a:r>
-              <a:rPr lang="en-US" dirty="0"/>
-              <a:t>True</a:t>
-            </a:r>
-          </a:p>
-          <a:p>
-            <a:endParaRPr lang="en-US" dirty="0"/>
-          </a:p>
-        </p:txBody>
-      </p:sp>
-    </p:spTree>
-    <p:extLst>
-      <p:ext uri="{BB962C8B-B14F-4D97-AF65-F5344CB8AC3E}">
-        <p14:creationId xmlns:p14="http://schemas.microsoft.com/office/powerpoint/2010/main" val="4114547371"/>
-      </p:ext>
-    </p:extLst>
-  </p:cSld>
-  <p:clrMapOvr>
-    <a:masterClrMapping/>
-  </p:clrMapOvr>
-</p:sld>
-</file>
-
-<file path=ppt/slides/slide48.xml><?xml version="1.0" encoding="utf-8"?>
-<p:sld xmlns:a="http://schemas.openxmlformats.org/drawingml/2006/main" xmlns:r="http://schemas.openxmlformats.org/officeDocument/2006/relationships" xmlns:p="http://schemas.openxmlformats.org/presentationml/2006/main">
-  <p:cSld>
-    <p:spTree>
-      <p:nvGrpSpPr>
-        <p:cNvPr id="1" name=""/>
-        <p:cNvGrpSpPr/>
-        <p:nvPr/>
-      </p:nvGrpSpPr>
-      <p:grpSpPr>
-        <a:xfrm>
-          <a:off x="0" y="0"/>
-          <a:ext cx="0" cy="0"/>
-          <a:chOff x="0" y="0"/>
-          <a:chExt cx="0" cy="0"/>
-        </a:xfrm>
-      </p:grpSpPr>
-      <p:sp>
-        <p:nvSpPr>
-          <p:cNvPr id="2" name="Title 1">
-            <a:extLst>
-              <a:ext uri="{FF2B5EF4-FFF2-40B4-BE49-F238E27FC236}">
-                <a16:creationId xmlns:a16="http://schemas.microsoft.com/office/drawing/2014/main" id="{C7756D87-D661-AB43-9A9D-3AB3D56F23BC}"/>
-              </a:ext>
-            </a:extLst>
-          </p:cNvPr>
-          <p:cNvSpPr>
-            <a:spLocks noGrp="1"/>
-          </p:cNvSpPr>
-          <p:nvPr>
-            <p:ph type="title"/>
-          </p:nvPr>
-        </p:nvSpPr>
-        <p:spPr/>
-        <p:txBody>
-          <a:bodyPr/>
-          <a:lstStyle/>
-          <a:p>
-            <a:endParaRPr lang="en-US"/>
-          </a:p>
-        </p:txBody>
-      </p:sp>
-      <p:sp>
-        <p:nvSpPr>
-          <p:cNvPr id="3" name="Content Placeholder 2">
-            <a:extLst>
-              <a:ext uri="{FF2B5EF4-FFF2-40B4-BE49-F238E27FC236}">
-                <a16:creationId xmlns:a16="http://schemas.microsoft.com/office/drawing/2014/main" id="{A48E81F4-2B89-2143-BA55-4BC69AE5F828}"/>
-              </a:ext>
-            </a:extLst>
-          </p:cNvPr>
-          <p:cNvSpPr>
-            <a:spLocks noGrp="1"/>
-          </p:cNvSpPr>
-          <p:nvPr>
-            <p:ph idx="1"/>
-          </p:nvPr>
-        </p:nvSpPr>
-        <p:spPr/>
-        <p:txBody>
-          <a:bodyPr>
-            <a:normAutofit/>
-          </a:bodyPr>
-          <a:lstStyle/>
-          <a:p>
-            <a:r>
-              <a:rPr lang="en-US" dirty="0"/>
-              <a:t>I want to get something from the html document so that I can do something to it in JavaScript. What should I use? </a:t>
-            </a:r>
-            <a:r>
-              <a:rPr lang="en-US" b="1" dirty="0"/>
-              <a:t>		</a:t>
-            </a:r>
-            <a:r>
-              <a:rPr lang="en-US" dirty="0" err="1"/>
-              <a:t>querySelector</a:t>
-            </a:r>
-            <a:r>
-              <a:rPr lang="en-US" dirty="0"/>
-              <a:t> </a:t>
-            </a:r>
-          </a:p>
-          <a:p>
-            <a:r>
-              <a:rPr lang="en-US" dirty="0"/>
-              <a:t>Pick the one that is </a:t>
-            </a:r>
-            <a:r>
-              <a:rPr lang="en-US" b="1" dirty="0"/>
-              <a:t>NOT</a:t>
-            </a:r>
-            <a:r>
-              <a:rPr lang="en-US" dirty="0"/>
-              <a:t> helpful when debugging JavaScript code</a:t>
-            </a:r>
-            <a:r>
-              <a:rPr lang="en-US" b="1" dirty="0"/>
-              <a:t>		</a:t>
-            </a:r>
-            <a:r>
-              <a:rPr lang="en-US" dirty="0"/>
-              <a:t>code minification</a:t>
-            </a:r>
-          </a:p>
-        </p:txBody>
-      </p:sp>
-    </p:spTree>
-    <p:extLst>
-      <p:ext uri="{BB962C8B-B14F-4D97-AF65-F5344CB8AC3E}">
-        <p14:creationId xmlns:p14="http://schemas.microsoft.com/office/powerpoint/2010/main" val="2875373071"/>
-      </p:ext>
-    </p:extLst>
-  </p:cSld>
-  <p:clrMapOvr>
-    <a:masterClrMapping/>
-  </p:clrMapOvr>
-</p:sld>
-</file>
-
-<file path=ppt/slides/slide49.xml><?xml version="1.0" encoding="utf-8"?>
-<p:sld xmlns:a="http://schemas.openxmlformats.org/drawingml/2006/main" xmlns:r="http://schemas.openxmlformats.org/officeDocument/2006/relationships" xmlns:p="http://schemas.openxmlformats.org/presentationml/2006/main">
-  <p:cSld>
-    <p:spTree>
-      <p:nvGrpSpPr>
-        <p:cNvPr id="1" name=""/>
-        <p:cNvGrpSpPr/>
-        <p:nvPr/>
-      </p:nvGrpSpPr>
-      <p:grpSpPr>
-        <a:xfrm>
-          <a:off x="0" y="0"/>
-          <a:ext cx="0" cy="0"/>
-          <a:chOff x="0" y="0"/>
-          <a:chExt cx="0" cy="0"/>
-        </a:xfrm>
-      </p:grpSpPr>
-      <p:sp>
-        <p:nvSpPr>
-          <p:cNvPr id="2" name="Title 1">
-            <a:extLst>
-              <a:ext uri="{FF2B5EF4-FFF2-40B4-BE49-F238E27FC236}">
-                <a16:creationId xmlns:a16="http://schemas.microsoft.com/office/drawing/2014/main" id="{21542EBF-26C3-C54D-91A3-EDA8E97ADB75}"/>
-              </a:ext>
-            </a:extLst>
-          </p:cNvPr>
-          <p:cNvSpPr>
-            <a:spLocks noGrp="1"/>
-          </p:cNvSpPr>
-          <p:nvPr>
-            <p:ph type="title"/>
-          </p:nvPr>
-        </p:nvSpPr>
-        <p:spPr/>
-        <p:txBody>
-          <a:bodyPr/>
-          <a:lstStyle/>
-          <a:p>
-            <a:endParaRPr lang="en-US"/>
-          </a:p>
-        </p:txBody>
-      </p:sp>
-      <p:sp>
-        <p:nvSpPr>
-          <p:cNvPr id="3" name="Content Placeholder 2">
-            <a:extLst>
-              <a:ext uri="{FF2B5EF4-FFF2-40B4-BE49-F238E27FC236}">
-                <a16:creationId xmlns:a16="http://schemas.microsoft.com/office/drawing/2014/main" id="{F5D2D350-F865-AA4F-B531-16314A658FFE}"/>
-              </a:ext>
-            </a:extLst>
-          </p:cNvPr>
-          <p:cNvSpPr>
-            <a:spLocks noGrp="1"/>
-          </p:cNvSpPr>
-          <p:nvPr>
-            <p:ph idx="1"/>
-          </p:nvPr>
-        </p:nvSpPr>
-        <p:spPr/>
-        <p:txBody>
-          <a:bodyPr>
-            <a:normAutofit/>
-          </a:bodyPr>
-          <a:lstStyle/>
-          <a:p>
-            <a:r>
-              <a:rPr lang="en-US" dirty="0"/>
-              <a:t>I am creating a website. I buy hosting from GoDaddy, and use FTP to transfer my html and image files for the website to the server. Moving my JavaScript code to the web server is un-necessary, since JavaScript is client side. </a:t>
-            </a:r>
-            <a:r>
-              <a:rPr lang="en-US" b="1" dirty="0"/>
-              <a:t>		</a:t>
-            </a:r>
-            <a:r>
-              <a:rPr lang="en-US" dirty="0"/>
-              <a:t>False</a:t>
-            </a:r>
-          </a:p>
-        </p:txBody>
-      </p:sp>
-    </p:spTree>
-    <p:extLst>
-      <p:ext uri="{BB962C8B-B14F-4D97-AF65-F5344CB8AC3E}">
-        <p14:creationId xmlns:p14="http://schemas.microsoft.com/office/powerpoint/2010/main" val="270789006"/>
+        <p14:creationId xmlns:p14="http://schemas.microsoft.com/office/powerpoint/2010/main" val="1467839163"/>
       </p:ext>
     </p:extLst>
   </p:cSld>
@@ -14353,7 +14726,7 @@
           <a:p>
             <a:r>
               <a:rPr lang="en-US" dirty="0"/>
-              <a:t>JS may need to do some initializing of the data on your page. It can not do that until your page is loaded</a:t>
+              <a:t>JS may need to do some initializing of the data on your page. It can not do that until your page is loaded.</a:t>
             </a:r>
           </a:p>
           <a:p>
@@ -14376,392 +14749,6 @@
     <p:extLst>
       <p:ext uri="{BB962C8B-B14F-4D97-AF65-F5344CB8AC3E}">
         <p14:creationId xmlns:p14="http://schemas.microsoft.com/office/powerpoint/2010/main" val="4138842692"/>
-      </p:ext>
-    </p:extLst>
-  </p:cSld>
-  <p:clrMapOvr>
-    <a:masterClrMapping/>
-  </p:clrMapOvr>
-</p:sld>
-</file>
-
-<file path=ppt/slides/slide50.xml><?xml version="1.0" encoding="utf-8"?>
-<p:sld xmlns:a="http://schemas.openxmlformats.org/drawingml/2006/main" xmlns:r="http://schemas.openxmlformats.org/officeDocument/2006/relationships" xmlns:p="http://schemas.openxmlformats.org/presentationml/2006/main">
-  <p:cSld>
-    <p:spTree>
-      <p:nvGrpSpPr>
-        <p:cNvPr id="1" name=""/>
-        <p:cNvGrpSpPr/>
-        <p:nvPr/>
-      </p:nvGrpSpPr>
-      <p:grpSpPr>
-        <a:xfrm>
-          <a:off x="0" y="0"/>
-          <a:ext cx="0" cy="0"/>
-          <a:chOff x="0" y="0"/>
-          <a:chExt cx="0" cy="0"/>
-        </a:xfrm>
-      </p:grpSpPr>
-      <p:sp>
-        <p:nvSpPr>
-          <p:cNvPr id="2" name="Title 1">
-            <a:extLst>
-              <a:ext uri="{FF2B5EF4-FFF2-40B4-BE49-F238E27FC236}">
-                <a16:creationId xmlns:a16="http://schemas.microsoft.com/office/drawing/2014/main" id="{4AD494A5-D209-C342-92C2-709CDC0368D0}"/>
-              </a:ext>
-            </a:extLst>
-          </p:cNvPr>
-          <p:cNvSpPr>
-            <a:spLocks noGrp="1"/>
-          </p:cNvSpPr>
-          <p:nvPr>
-            <p:ph type="title"/>
-          </p:nvPr>
-        </p:nvSpPr>
-        <p:spPr/>
-        <p:txBody>
-          <a:bodyPr/>
-          <a:lstStyle/>
-          <a:p>
-            <a:endParaRPr lang="en-US"/>
-          </a:p>
-        </p:txBody>
-      </p:sp>
-      <p:sp>
-        <p:nvSpPr>
-          <p:cNvPr id="3" name="Content Placeholder 2">
-            <a:extLst>
-              <a:ext uri="{FF2B5EF4-FFF2-40B4-BE49-F238E27FC236}">
-                <a16:creationId xmlns:a16="http://schemas.microsoft.com/office/drawing/2014/main" id="{8330CABB-5F59-884F-8078-B6DD8AA61909}"/>
-              </a:ext>
-            </a:extLst>
-          </p:cNvPr>
-          <p:cNvSpPr>
-            <a:spLocks noGrp="1"/>
-          </p:cNvSpPr>
-          <p:nvPr>
-            <p:ph idx="1"/>
-          </p:nvPr>
-        </p:nvSpPr>
-        <p:spPr/>
-        <p:txBody>
-          <a:bodyPr/>
-          <a:lstStyle/>
-          <a:p>
-            <a:r>
-              <a:rPr lang="en-US" dirty="0"/>
-              <a:t>JavaScript filenames typically end in:	</a:t>
-            </a:r>
-            <a:r>
-              <a:rPr lang="en-US" b="1" dirty="0"/>
-              <a:t>	</a:t>
-            </a:r>
-            <a:r>
-              <a:rPr lang="en-US" dirty="0"/>
-              <a:t>.</a:t>
-            </a:r>
-            <a:r>
-              <a:rPr lang="en-US" dirty="0" err="1"/>
-              <a:t>js</a:t>
-            </a:r>
-            <a:endParaRPr lang="en-US" dirty="0"/>
-          </a:p>
-          <a:p>
-            <a:r>
-              <a:rPr lang="en-US" dirty="0"/>
-              <a:t> </a:t>
-            </a:r>
-          </a:p>
-          <a:p>
-            <a:r>
-              <a:rPr lang="en-US" dirty="0"/>
-              <a:t>A nice function for displaying the output of a variable in JavaScript is:</a:t>
-            </a:r>
-            <a:r>
-              <a:rPr lang="en-US" b="1" dirty="0"/>
-              <a:t>			</a:t>
-            </a:r>
-            <a:r>
-              <a:rPr lang="en-US" dirty="0" err="1"/>
-              <a:t>console.log</a:t>
-            </a:r>
-            <a:r>
-              <a:rPr lang="en-US" dirty="0"/>
-              <a:t>()</a:t>
-            </a:r>
-          </a:p>
-          <a:p>
-            <a:endParaRPr lang="en-US" dirty="0"/>
-          </a:p>
-        </p:txBody>
-      </p:sp>
-    </p:spTree>
-    <p:extLst>
-      <p:ext uri="{BB962C8B-B14F-4D97-AF65-F5344CB8AC3E}">
-        <p14:creationId xmlns:p14="http://schemas.microsoft.com/office/powerpoint/2010/main" val="4251776538"/>
-      </p:ext>
-    </p:extLst>
-  </p:cSld>
-  <p:clrMapOvr>
-    <a:masterClrMapping/>
-  </p:clrMapOvr>
-</p:sld>
-</file>
-
-<file path=ppt/slides/slide51.xml><?xml version="1.0" encoding="utf-8"?>
-<p:sld xmlns:a="http://schemas.openxmlformats.org/drawingml/2006/main" xmlns:r="http://schemas.openxmlformats.org/officeDocument/2006/relationships" xmlns:p="http://schemas.openxmlformats.org/presentationml/2006/main">
-  <p:cSld>
-    <p:spTree>
-      <p:nvGrpSpPr>
-        <p:cNvPr id="1" name=""/>
-        <p:cNvGrpSpPr/>
-        <p:nvPr/>
-      </p:nvGrpSpPr>
-      <p:grpSpPr>
-        <a:xfrm>
-          <a:off x="0" y="0"/>
-          <a:ext cx="0" cy="0"/>
-          <a:chOff x="0" y="0"/>
-          <a:chExt cx="0" cy="0"/>
-        </a:xfrm>
-      </p:grpSpPr>
-      <p:sp>
-        <p:nvSpPr>
-          <p:cNvPr id="2" name="Title 1">
-            <a:extLst>
-              <a:ext uri="{FF2B5EF4-FFF2-40B4-BE49-F238E27FC236}">
-                <a16:creationId xmlns:a16="http://schemas.microsoft.com/office/drawing/2014/main" id="{82C17A0B-3BC7-714A-A0C8-58C6A430B895}"/>
-              </a:ext>
-            </a:extLst>
-          </p:cNvPr>
-          <p:cNvSpPr>
-            <a:spLocks noGrp="1"/>
-          </p:cNvSpPr>
-          <p:nvPr>
-            <p:ph type="title"/>
-          </p:nvPr>
-        </p:nvSpPr>
-        <p:spPr/>
-        <p:txBody>
-          <a:bodyPr/>
-          <a:lstStyle/>
-          <a:p>
-            <a:endParaRPr lang="en-US"/>
-          </a:p>
-        </p:txBody>
-      </p:sp>
-      <p:sp>
-        <p:nvSpPr>
-          <p:cNvPr id="3" name="Content Placeholder 2">
-            <a:extLst>
-              <a:ext uri="{FF2B5EF4-FFF2-40B4-BE49-F238E27FC236}">
-                <a16:creationId xmlns:a16="http://schemas.microsoft.com/office/drawing/2014/main" id="{3DDC4CF6-D899-2E45-8807-1B72752C2975}"/>
-              </a:ext>
-            </a:extLst>
-          </p:cNvPr>
-          <p:cNvSpPr>
-            <a:spLocks noGrp="1"/>
-          </p:cNvSpPr>
-          <p:nvPr>
-            <p:ph idx="1"/>
-          </p:nvPr>
-        </p:nvSpPr>
-        <p:spPr/>
-        <p:txBody>
-          <a:bodyPr>
-            <a:normAutofit fontScale="77500" lnSpcReduction="20000"/>
-          </a:bodyPr>
-          <a:lstStyle/>
-          <a:p>
-            <a:r>
-              <a:rPr lang="en-US" dirty="0"/>
-              <a:t>I want to get the URL of the document in JavaScript. I should use ____________.URL</a:t>
-            </a:r>
-            <a:r>
-              <a:rPr lang="en-US" b="1" dirty="0"/>
-              <a:t>		</a:t>
-            </a:r>
-            <a:r>
-              <a:rPr lang="en-US" dirty="0"/>
-              <a:t>document</a:t>
-            </a:r>
-          </a:p>
-          <a:p>
-            <a:r>
-              <a:rPr lang="en-US" dirty="0"/>
-              <a:t> </a:t>
-            </a:r>
-          </a:p>
-          <a:p>
-            <a:r>
-              <a:rPr lang="en-US" dirty="0"/>
-              <a:t>In JavaScript, you type the following into the console:</a:t>
-            </a:r>
-          </a:p>
-          <a:p>
-            <a:r>
-              <a:rPr lang="en-US" b="1" dirty="0" err="1"/>
-              <a:t>document.querySelector</a:t>
-            </a:r>
-            <a:r>
-              <a:rPr lang="en-US" b="1" dirty="0"/>
-              <a:t>(".main-title").</a:t>
-            </a:r>
-            <a:r>
-              <a:rPr lang="en-US" b="1" dirty="0" err="1"/>
-              <a:t>innerHTML</a:t>
-            </a:r>
-            <a:endParaRPr lang="en-US" dirty="0"/>
-          </a:p>
-          <a:p>
-            <a:r>
-              <a:rPr lang="en-US" dirty="0"/>
-              <a:t>you would expect to see something like this... </a:t>
-            </a:r>
-            <a:r>
-              <a:rPr lang="en-US" b="1" dirty="0"/>
-              <a:t>	</a:t>
-            </a:r>
-            <a:r>
-              <a:rPr lang="en-US" dirty="0"/>
-              <a:t>"Welcome to my Homepage"</a:t>
-            </a:r>
-          </a:p>
-          <a:p>
-            <a:r>
-              <a:rPr lang="en-US" dirty="0"/>
-              <a:t> </a:t>
-            </a:r>
-          </a:p>
-          <a:p>
-            <a:r>
-              <a:rPr lang="en-US" dirty="0"/>
-              <a:t>I want to have a function in JavaScript that runs when the user hovers over an element on my webpage. What should I Google to learn more about this?</a:t>
-            </a:r>
-          </a:p>
-          <a:p>
-            <a:r>
-              <a:rPr lang="en-US" b="1" dirty="0"/>
-              <a:t>Correct Answer			</a:t>
-            </a:r>
-            <a:r>
-              <a:rPr lang="en-US" dirty="0"/>
-              <a:t>JavaScript event handler</a:t>
-            </a:r>
-          </a:p>
-          <a:p>
-            <a:endParaRPr lang="en-US" dirty="0"/>
-          </a:p>
-        </p:txBody>
-      </p:sp>
-    </p:spTree>
-    <p:extLst>
-      <p:ext uri="{BB962C8B-B14F-4D97-AF65-F5344CB8AC3E}">
-        <p14:creationId xmlns:p14="http://schemas.microsoft.com/office/powerpoint/2010/main" val="1594982831"/>
-      </p:ext>
-    </p:extLst>
-  </p:cSld>
-  <p:clrMapOvr>
-    <a:masterClrMapping/>
-  </p:clrMapOvr>
-</p:sld>
-</file>
-
-<file path=ppt/slides/slide52.xml><?xml version="1.0" encoding="utf-8"?>
-<p:sld xmlns:a="http://schemas.openxmlformats.org/drawingml/2006/main" xmlns:r="http://schemas.openxmlformats.org/officeDocument/2006/relationships" xmlns:p="http://schemas.openxmlformats.org/presentationml/2006/main">
-  <p:cSld>
-    <p:spTree>
-      <p:nvGrpSpPr>
-        <p:cNvPr id="1" name=""/>
-        <p:cNvGrpSpPr/>
-        <p:nvPr/>
-      </p:nvGrpSpPr>
-      <p:grpSpPr>
-        <a:xfrm>
-          <a:off x="0" y="0"/>
-          <a:ext cx="0" cy="0"/>
-          <a:chOff x="0" y="0"/>
-          <a:chExt cx="0" cy="0"/>
-        </a:xfrm>
-      </p:grpSpPr>
-      <p:sp>
-        <p:nvSpPr>
-          <p:cNvPr id="2" name="Title 1">
-            <a:extLst>
-              <a:ext uri="{FF2B5EF4-FFF2-40B4-BE49-F238E27FC236}">
-                <a16:creationId xmlns:a16="http://schemas.microsoft.com/office/drawing/2014/main" id="{C271BEA4-AA62-BF47-9BED-4FC3BD57CE7A}"/>
-              </a:ext>
-            </a:extLst>
-          </p:cNvPr>
-          <p:cNvSpPr>
-            <a:spLocks noGrp="1"/>
-          </p:cNvSpPr>
-          <p:nvPr>
-            <p:ph type="title"/>
-          </p:nvPr>
-        </p:nvSpPr>
-        <p:spPr/>
-        <p:txBody>
-          <a:bodyPr/>
-          <a:lstStyle/>
-          <a:p>
-            <a:r>
-              <a:rPr lang="en-US" dirty="0"/>
-              <a:t>A final word to cover that last of the questions in the Quiz</a:t>
-            </a:r>
-          </a:p>
-        </p:txBody>
-      </p:sp>
-      <p:sp>
-        <p:nvSpPr>
-          <p:cNvPr id="3" name="Content Placeholder 2">
-            <a:extLst>
-              <a:ext uri="{FF2B5EF4-FFF2-40B4-BE49-F238E27FC236}">
-                <a16:creationId xmlns:a16="http://schemas.microsoft.com/office/drawing/2014/main" id="{DECE9EBD-F32A-B74F-9F7A-C4C09B5B14F3}"/>
-              </a:ext>
-            </a:extLst>
-          </p:cNvPr>
-          <p:cNvSpPr>
-            <a:spLocks noGrp="1"/>
-          </p:cNvSpPr>
-          <p:nvPr>
-            <p:ph idx="1"/>
-          </p:nvPr>
-        </p:nvSpPr>
-        <p:spPr/>
-        <p:txBody>
-          <a:bodyPr/>
-          <a:lstStyle/>
-          <a:p>
-            <a:r>
-              <a:rPr lang="en-US" dirty="0"/>
-              <a:t>JavaScript is all client side (next week we will discuss server side Node.js)</a:t>
-            </a:r>
-          </a:p>
-          <a:p>
-            <a:r>
-              <a:rPr lang="en-US" dirty="0"/>
-              <a:t>In fact everything we have covered is client side, HTML, CSS and JS</a:t>
-            </a:r>
-          </a:p>
-          <a:p>
-            <a:r>
-              <a:rPr lang="en-US" dirty="0"/>
-              <a:t>But they still need to be pushed to your server to be passed on to the browser when requested</a:t>
-            </a:r>
-          </a:p>
-          <a:p>
-            <a:r>
-              <a:rPr lang="en-US" dirty="0"/>
-              <a:t>JavaScript is hosted on the server but executed in the browser</a:t>
-            </a:r>
-          </a:p>
-        </p:txBody>
-      </p:sp>
-    </p:spTree>
-    <p:extLst>
-      <p:ext uri="{BB962C8B-B14F-4D97-AF65-F5344CB8AC3E}">
-        <p14:creationId xmlns:p14="http://schemas.microsoft.com/office/powerpoint/2010/main" val="1467839163"/>
       </p:ext>
     </p:extLst>
   </p:cSld>
